--- a/Prova_6_RisultatiValutazione/Leone_Mastrosimone_PresentazioneProgetto.pptx
+++ b/Prova_6_RisultatiValutazione/Leone_Mastrosimone_PresentazioneProgetto.pptx
@@ -150,7 +150,7 @@
   </p:defaultTextStyle>
   <p:extLst>
     <p:ext uri="{EFAFB233-063F-42B5-8137-9DF3F51BA10A}">
-      <p15:sldGuideLst xmlns:p15="http://schemas.microsoft.com/office/powerpoint/2012/main">
+      <p15:sldGuideLst xmlns:p15="http://schemas.microsoft.com/office/powerpoint/2012/main" xmlns="">
         <p15:guide id="1" orient="horz" pos="2160">
           <p15:clr>
             <a:srgbClr val="A4A3A4"/>
@@ -341,7 +341,7 @@
             <a:fld id="{9FB86531-A28F-4E1C-99B5-5C225A123870}" type="datetimeFigureOut">
               <a:rPr lang="it-IT" smtClean="0"/>
               <a:pPr/>
-              <a:t>08/06/2015</a:t>
+              <a:t>09/06/2015</a:t>
             </a:fld>
             <a:endParaRPr lang="it-IT"/>
           </a:p>
@@ -508,7 +508,7 @@
             <a:fld id="{9FB86531-A28F-4E1C-99B5-5C225A123870}" type="datetimeFigureOut">
               <a:rPr lang="it-IT" smtClean="0"/>
               <a:pPr/>
-              <a:t>08/06/2015</a:t>
+              <a:t>09/06/2015</a:t>
             </a:fld>
             <a:endParaRPr lang="it-IT"/>
           </a:p>
@@ -685,7 +685,7 @@
             <a:fld id="{9FB86531-A28F-4E1C-99B5-5C225A123870}" type="datetimeFigureOut">
               <a:rPr lang="it-IT" smtClean="0"/>
               <a:pPr/>
-              <a:t>08/06/2015</a:t>
+              <a:t>09/06/2015</a:t>
             </a:fld>
             <a:endParaRPr lang="it-IT"/>
           </a:p>
@@ -852,7 +852,7 @@
             <a:fld id="{9FB86531-A28F-4E1C-99B5-5C225A123870}" type="datetimeFigureOut">
               <a:rPr lang="it-IT" smtClean="0"/>
               <a:pPr/>
-              <a:t>08/06/2015</a:t>
+              <a:t>09/06/2015</a:t>
             </a:fld>
             <a:endParaRPr lang="it-IT"/>
           </a:p>
@@ -1096,7 +1096,7 @@
             <a:fld id="{9FB86531-A28F-4E1C-99B5-5C225A123870}" type="datetimeFigureOut">
               <a:rPr lang="it-IT" smtClean="0"/>
               <a:pPr/>
-              <a:t>08/06/2015</a:t>
+              <a:t>09/06/2015</a:t>
             </a:fld>
             <a:endParaRPr lang="it-IT"/>
           </a:p>
@@ -1362,7 +1362,7 @@
             <a:fld id="{9FB86531-A28F-4E1C-99B5-5C225A123870}" type="datetimeFigureOut">
               <a:rPr lang="it-IT" smtClean="0"/>
               <a:pPr/>
-              <a:t>08/06/2015</a:t>
+              <a:t>09/06/2015</a:t>
             </a:fld>
             <a:endParaRPr lang="it-IT"/>
           </a:p>
@@ -1742,7 +1742,7 @@
             <a:fld id="{9FB86531-A28F-4E1C-99B5-5C225A123870}" type="datetimeFigureOut">
               <a:rPr lang="it-IT" smtClean="0"/>
               <a:pPr/>
-              <a:t>08/06/2015</a:t>
+              <a:t>09/06/2015</a:t>
             </a:fld>
             <a:endParaRPr lang="it-IT"/>
           </a:p>
@@ -1894,7 +1894,7 @@
             <a:fld id="{9FB86531-A28F-4E1C-99B5-5C225A123870}" type="datetimeFigureOut">
               <a:rPr lang="it-IT" smtClean="0"/>
               <a:pPr/>
-              <a:t>08/06/2015</a:t>
+              <a:t>09/06/2015</a:t>
             </a:fld>
             <a:endParaRPr lang="it-IT"/>
           </a:p>
@@ -1986,7 +1986,7 @@
             <a:fld id="{9FB86531-A28F-4E1C-99B5-5C225A123870}" type="datetimeFigureOut">
               <a:rPr lang="it-IT" smtClean="0"/>
               <a:pPr/>
-              <a:t>08/06/2015</a:t>
+              <a:t>09/06/2015</a:t>
             </a:fld>
             <a:endParaRPr lang="it-IT"/>
           </a:p>
@@ -2249,7 +2249,7 @@
             <a:fld id="{9FB86531-A28F-4E1C-99B5-5C225A123870}" type="datetimeFigureOut">
               <a:rPr lang="it-IT" smtClean="0"/>
               <a:pPr/>
-              <a:t>08/06/2015</a:t>
+              <a:t>09/06/2015</a:t>
             </a:fld>
             <a:endParaRPr lang="it-IT"/>
           </a:p>
@@ -2539,7 +2539,7 @@
             <a:fld id="{9FB86531-A28F-4E1C-99B5-5C225A123870}" type="datetimeFigureOut">
               <a:rPr lang="it-IT" smtClean="0"/>
               <a:pPr/>
-              <a:t>08/06/2015</a:t>
+              <a:t>09/06/2015</a:t>
             </a:fld>
             <a:endParaRPr lang="it-IT"/>
           </a:p>
@@ -3312,7 +3312,7 @@
             <a:fld id="{9FB86531-A28F-4E1C-99B5-5C225A123870}" type="datetimeFigureOut">
               <a:rPr lang="it-IT" smtClean="0"/>
               <a:pPr/>
-              <a:t>08/06/2015</a:t>
+              <a:t>09/06/2015</a:t>
             </a:fld>
             <a:endParaRPr lang="it-IT"/>
           </a:p>
@@ -4296,13 +4296,20 @@
     </p:spTree>
     <p:extLst>
       <p:ext uri="{BB962C8B-B14F-4D97-AF65-F5344CB8AC3E}">
-        <p14:creationId xmlns:p14="http://schemas.microsoft.com/office/powerpoint/2010/main" val="1761319082"/>
+        <p14:creationId xmlns:p14="http://schemas.microsoft.com/office/powerpoint/2010/main" xmlns="" val="1761319082"/>
       </p:ext>
     </p:extLst>
   </p:cSld>
   <p:clrMapOvr>
     <a:masterClrMapping/>
   </p:clrMapOvr>
+  <p:timing>
+    <p:tnLst>
+      <p:par>
+        <p:cTn id="1" dur="indefinite" restart="never" nodeType="tmRoot"/>
+      </p:par>
+    </p:tnLst>
+  </p:timing>
 </p:sld>
 </file>
 
@@ -4577,7 +4584,7 @@
     </p:spTree>
     <p:extLst>
       <p:ext uri="{BB962C8B-B14F-4D97-AF65-F5344CB8AC3E}">
-        <p14:creationId xmlns:p14="http://schemas.microsoft.com/office/powerpoint/2010/main" val="3011033621"/>
+        <p14:creationId xmlns:p14="http://schemas.microsoft.com/office/powerpoint/2010/main" xmlns="" val="3011033621"/>
       </p:ext>
     </p:extLst>
   </p:cSld>
@@ -4829,7 +4836,7 @@
     </p:spTree>
     <p:extLst>
       <p:ext uri="{BB962C8B-B14F-4D97-AF65-F5344CB8AC3E}">
-        <p14:creationId xmlns:p14="http://schemas.microsoft.com/office/powerpoint/2010/main" val="2017438073"/>
+        <p14:creationId xmlns:p14="http://schemas.microsoft.com/office/powerpoint/2010/main" xmlns="" val="2017438073"/>
       </p:ext>
     </p:extLst>
   </p:cSld>
@@ -5137,7 +5144,7 @@
     </p:spTree>
     <p:extLst>
       <p:ext uri="{BB962C8B-B14F-4D97-AF65-F5344CB8AC3E}">
-        <p14:creationId xmlns:p14="http://schemas.microsoft.com/office/powerpoint/2010/main" val="2017438073"/>
+        <p14:creationId xmlns:p14="http://schemas.microsoft.com/office/powerpoint/2010/main" xmlns="" val="2017438073"/>
       </p:ext>
     </p:extLst>
   </p:cSld>
@@ -5377,7 +5384,7 @@
     </p:spTree>
     <p:extLst>
       <p:ext uri="{BB962C8B-B14F-4D97-AF65-F5344CB8AC3E}">
-        <p14:creationId xmlns:p14="http://schemas.microsoft.com/office/powerpoint/2010/main" val="115604845"/>
+        <p14:creationId xmlns:p14="http://schemas.microsoft.com/office/powerpoint/2010/main" xmlns="" val="115604845"/>
       </p:ext>
     </p:extLst>
   </p:cSld>
@@ -5624,7 +5631,7 @@
     </p:spTree>
     <p:extLst>
       <p:ext uri="{BB962C8B-B14F-4D97-AF65-F5344CB8AC3E}">
-        <p14:creationId xmlns:p14="http://schemas.microsoft.com/office/powerpoint/2010/main" val="594007354"/>
+        <p14:creationId xmlns:p14="http://schemas.microsoft.com/office/powerpoint/2010/main" xmlns="" val="594007354"/>
       </p:ext>
     </p:extLst>
   </p:cSld>
@@ -5850,7 +5857,7 @@
     </p:spTree>
     <p:extLst>
       <p:ext uri="{BB962C8B-B14F-4D97-AF65-F5344CB8AC3E}">
-        <p14:creationId xmlns:p14="http://schemas.microsoft.com/office/powerpoint/2010/main" val="594007354"/>
+        <p14:creationId xmlns:p14="http://schemas.microsoft.com/office/powerpoint/2010/main" xmlns="" val="594007354"/>
       </p:ext>
     </p:extLst>
   </p:cSld>
@@ -6198,7 +6205,7 @@
     </p:spTree>
     <p:extLst>
       <p:ext uri="{BB962C8B-B14F-4D97-AF65-F5344CB8AC3E}">
-        <p14:creationId xmlns:p14="http://schemas.microsoft.com/office/powerpoint/2010/main" val="723523181"/>
+        <p14:creationId xmlns:p14="http://schemas.microsoft.com/office/powerpoint/2010/main" xmlns="" val="723523181"/>
       </p:ext>
     </p:extLst>
   </p:cSld>
@@ -6421,7 +6428,7 @@
     </p:spTree>
     <p:extLst>
       <p:ext uri="{BB962C8B-B14F-4D97-AF65-F5344CB8AC3E}">
-        <p14:creationId xmlns:p14="http://schemas.microsoft.com/office/powerpoint/2010/main" val="2442419145"/>
+        <p14:creationId xmlns:p14="http://schemas.microsoft.com/office/powerpoint/2010/main" xmlns="" val="2442419145"/>
       </p:ext>
     </p:extLst>
   </p:cSld>
@@ -6658,7 +6665,7 @@
     </p:spTree>
     <p:extLst>
       <p:ext uri="{BB962C8B-B14F-4D97-AF65-F5344CB8AC3E}">
-        <p14:creationId xmlns:p14="http://schemas.microsoft.com/office/powerpoint/2010/main" val="2442419145"/>
+        <p14:creationId xmlns:p14="http://schemas.microsoft.com/office/powerpoint/2010/main" xmlns="" val="2442419145"/>
       </p:ext>
     </p:extLst>
   </p:cSld>
@@ -6940,7 +6947,7 @@
     </p:spTree>
     <p:extLst>
       <p:ext uri="{BB962C8B-B14F-4D97-AF65-F5344CB8AC3E}">
-        <p14:creationId xmlns:p14="http://schemas.microsoft.com/office/powerpoint/2010/main" val="2442419145"/>
+        <p14:creationId xmlns:p14="http://schemas.microsoft.com/office/powerpoint/2010/main" xmlns="" val="2442419145"/>
       </p:ext>
     </p:extLst>
   </p:cSld>
@@ -7169,7 +7176,7 @@
           <a:blip r:embed="rId3" cstate="print">
             <a:extLst>
               <a:ext uri="{28A0092B-C50C-407E-A947-70E740481C1C}">
-                <a14:useLocalDpi xmlns:a14="http://schemas.microsoft.com/office/drawing/2010/main" val="0"/>
+                <a14:useLocalDpi xmlns:a14="http://schemas.microsoft.com/office/drawing/2010/main" xmlns="" val="0"/>
               </a:ext>
             </a:extLst>
           </a:blip>
@@ -7187,13 +7194,20 @@
     </p:spTree>
     <p:extLst>
       <p:ext uri="{BB962C8B-B14F-4D97-AF65-F5344CB8AC3E}">
-        <p14:creationId xmlns:p14="http://schemas.microsoft.com/office/powerpoint/2010/main" val="2554871489"/>
+        <p14:creationId xmlns:p14="http://schemas.microsoft.com/office/powerpoint/2010/main" xmlns="" val="2554871489"/>
       </p:ext>
     </p:extLst>
   </p:cSld>
   <p:clrMapOvr>
     <a:masterClrMapping/>
   </p:clrMapOvr>
+  <p:timing>
+    <p:tnLst>
+      <p:par>
+        <p:cTn id="1" dur="indefinite" restart="never" nodeType="tmRoot"/>
+      </p:par>
+    </p:tnLst>
+  </p:timing>
 </p:sld>
 </file>
 
@@ -7509,7 +7523,7 @@
     </p:spTree>
     <p:extLst>
       <p:ext uri="{BB962C8B-B14F-4D97-AF65-F5344CB8AC3E}">
-        <p14:creationId xmlns:p14="http://schemas.microsoft.com/office/powerpoint/2010/main" val="2442419145"/>
+        <p14:creationId xmlns:p14="http://schemas.microsoft.com/office/powerpoint/2010/main" xmlns="" val="2442419145"/>
       </p:ext>
     </p:extLst>
   </p:cSld>
@@ -7844,7 +7858,7 @@
     </p:spTree>
     <p:extLst>
       <p:ext uri="{BB962C8B-B14F-4D97-AF65-F5344CB8AC3E}">
-        <p14:creationId xmlns:p14="http://schemas.microsoft.com/office/powerpoint/2010/main" val="2442419145"/>
+        <p14:creationId xmlns:p14="http://schemas.microsoft.com/office/powerpoint/2010/main" xmlns="" val="2442419145"/>
       </p:ext>
     </p:extLst>
   </p:cSld>
@@ -8107,7 +8121,7 @@
     </p:spTree>
     <p:extLst>
       <p:ext uri="{BB962C8B-B14F-4D97-AF65-F5344CB8AC3E}">
-        <p14:creationId xmlns:p14="http://schemas.microsoft.com/office/powerpoint/2010/main" val="2442419145"/>
+        <p14:creationId xmlns:p14="http://schemas.microsoft.com/office/powerpoint/2010/main" xmlns="" val="2442419145"/>
       </p:ext>
     </p:extLst>
   </p:cSld>
@@ -8379,7 +8393,7 @@
     </p:spTree>
     <p:extLst>
       <p:ext uri="{BB962C8B-B14F-4D97-AF65-F5344CB8AC3E}">
-        <p14:creationId xmlns:p14="http://schemas.microsoft.com/office/powerpoint/2010/main" val="2442419145"/>
+        <p14:creationId xmlns:p14="http://schemas.microsoft.com/office/powerpoint/2010/main" xmlns="" val="2442419145"/>
       </p:ext>
     </p:extLst>
   </p:cSld>
@@ -8674,7 +8688,7 @@
     </p:spTree>
     <p:extLst>
       <p:ext uri="{BB962C8B-B14F-4D97-AF65-F5344CB8AC3E}">
-        <p14:creationId xmlns:p14="http://schemas.microsoft.com/office/powerpoint/2010/main" val="2442419145"/>
+        <p14:creationId xmlns:p14="http://schemas.microsoft.com/office/powerpoint/2010/main" xmlns="" val="2442419145"/>
       </p:ext>
     </p:extLst>
   </p:cSld>
@@ -9020,7 +9034,7 @@
     </p:spTree>
     <p:extLst>
       <p:ext uri="{BB962C8B-B14F-4D97-AF65-F5344CB8AC3E}">
-        <p14:creationId xmlns:p14="http://schemas.microsoft.com/office/powerpoint/2010/main" val="2442419145"/>
+        <p14:creationId xmlns:p14="http://schemas.microsoft.com/office/powerpoint/2010/main" xmlns="" val="2442419145"/>
       </p:ext>
     </p:extLst>
   </p:cSld>
@@ -9411,7 +9425,7 @@
     </p:spTree>
     <p:extLst>
       <p:ext uri="{BB962C8B-B14F-4D97-AF65-F5344CB8AC3E}">
-        <p14:creationId xmlns:p14="http://schemas.microsoft.com/office/powerpoint/2010/main" val="2442419145"/>
+        <p14:creationId xmlns:p14="http://schemas.microsoft.com/office/powerpoint/2010/main" xmlns="" val="2442419145"/>
       </p:ext>
     </p:extLst>
   </p:cSld>
@@ -9953,7 +9967,7 @@
     </p:spTree>
     <p:extLst>
       <p:ext uri="{BB962C8B-B14F-4D97-AF65-F5344CB8AC3E}">
-        <p14:creationId xmlns:p14="http://schemas.microsoft.com/office/powerpoint/2010/main" val="2442419145"/>
+        <p14:creationId xmlns:p14="http://schemas.microsoft.com/office/powerpoint/2010/main" xmlns="" val="2442419145"/>
       </p:ext>
     </p:extLst>
   </p:cSld>
@@ -10204,7 +10218,7 @@
     </p:spTree>
     <p:extLst>
       <p:ext uri="{BB962C8B-B14F-4D97-AF65-F5344CB8AC3E}">
-        <p14:creationId xmlns:p14="http://schemas.microsoft.com/office/powerpoint/2010/main" val="2442419145"/>
+        <p14:creationId xmlns:p14="http://schemas.microsoft.com/office/powerpoint/2010/main" xmlns="" val="2442419145"/>
       </p:ext>
     </p:extLst>
   </p:cSld>
@@ -10637,7 +10651,7 @@
     </p:spTree>
     <p:extLst>
       <p:ext uri="{BB962C8B-B14F-4D97-AF65-F5344CB8AC3E}">
-        <p14:creationId xmlns:p14="http://schemas.microsoft.com/office/powerpoint/2010/main" val="2442419145"/>
+        <p14:creationId xmlns:p14="http://schemas.microsoft.com/office/powerpoint/2010/main" xmlns="" val="2442419145"/>
       </p:ext>
     </p:extLst>
   </p:cSld>
@@ -10812,13 +10826,20 @@
     </p:spTree>
     <p:extLst>
       <p:ext uri="{BB962C8B-B14F-4D97-AF65-F5344CB8AC3E}">
-        <p14:creationId xmlns:p14="http://schemas.microsoft.com/office/powerpoint/2010/main" val="2477898856"/>
+        <p14:creationId xmlns:p14="http://schemas.microsoft.com/office/powerpoint/2010/main" xmlns="" val="2477898856"/>
       </p:ext>
     </p:extLst>
   </p:cSld>
   <p:clrMapOvr>
     <a:masterClrMapping/>
   </p:clrMapOvr>
+  <p:timing>
+    <p:tnLst>
+      <p:par>
+        <p:cTn id="1" dur="indefinite" restart="never" nodeType="tmRoot"/>
+      </p:par>
+    </p:tnLst>
+  </p:timing>
 </p:sld>
 </file>
 
@@ -11185,7 +11206,7 @@
     </p:spTree>
     <p:extLst>
       <p:ext uri="{BB962C8B-B14F-4D97-AF65-F5344CB8AC3E}">
-        <p14:creationId xmlns:p14="http://schemas.microsoft.com/office/powerpoint/2010/main" val="2428663034"/>
+        <p14:creationId xmlns:p14="http://schemas.microsoft.com/office/powerpoint/2010/main" xmlns="" val="2428663034"/>
       </p:ext>
     </p:extLst>
   </p:cSld>
@@ -11462,7 +11483,7 @@
     </p:spTree>
     <p:extLst>
       <p:ext uri="{BB962C8B-B14F-4D97-AF65-F5344CB8AC3E}">
-        <p14:creationId xmlns:p14="http://schemas.microsoft.com/office/powerpoint/2010/main" val="2442419145"/>
+        <p14:creationId xmlns:p14="http://schemas.microsoft.com/office/powerpoint/2010/main" xmlns="" val="2442419145"/>
       </p:ext>
     </p:extLst>
   </p:cSld>
@@ -11762,7 +11783,7 @@
           <a:blip r:embed="rId2" cstate="print">
             <a:extLst>
               <a:ext uri="{28A0092B-C50C-407E-A947-70E740481C1C}">
-                <a14:useLocalDpi xmlns:a14="http://schemas.microsoft.com/office/drawing/2010/main" val="0"/>
+                <a14:useLocalDpi xmlns:a14="http://schemas.microsoft.com/office/drawing/2010/main" xmlns="" val="0"/>
               </a:ext>
             </a:extLst>
           </a:blip>
@@ -11780,7 +11801,7 @@
     </p:spTree>
     <p:extLst>
       <p:ext uri="{BB962C8B-B14F-4D97-AF65-F5344CB8AC3E}">
-        <p14:creationId xmlns:p14="http://schemas.microsoft.com/office/powerpoint/2010/main" val="2442419145"/>
+        <p14:creationId xmlns:p14="http://schemas.microsoft.com/office/powerpoint/2010/main" xmlns="" val="2442419145"/>
       </p:ext>
     </p:extLst>
   </p:cSld>
@@ -12087,7 +12108,7 @@
     </p:spTree>
     <p:extLst>
       <p:ext uri="{BB962C8B-B14F-4D97-AF65-F5344CB8AC3E}">
-        <p14:creationId xmlns:p14="http://schemas.microsoft.com/office/powerpoint/2010/main" val="2442419145"/>
+        <p14:creationId xmlns:p14="http://schemas.microsoft.com/office/powerpoint/2010/main" xmlns="" val="2442419145"/>
       </p:ext>
     </p:extLst>
   </p:cSld>
@@ -12349,7 +12370,7 @@
     </p:spTree>
     <p:extLst>
       <p:ext uri="{BB962C8B-B14F-4D97-AF65-F5344CB8AC3E}">
-        <p14:creationId xmlns:p14="http://schemas.microsoft.com/office/powerpoint/2010/main" val="2442419145"/>
+        <p14:creationId xmlns:p14="http://schemas.microsoft.com/office/powerpoint/2010/main" xmlns="" val="2442419145"/>
       </p:ext>
     </p:extLst>
   </p:cSld>
@@ -12661,7 +12682,7 @@
     </p:spTree>
     <p:extLst>
       <p:ext uri="{BB962C8B-B14F-4D97-AF65-F5344CB8AC3E}">
-        <p14:creationId xmlns:p14="http://schemas.microsoft.com/office/powerpoint/2010/main" val="2442419145"/>
+        <p14:creationId xmlns:p14="http://schemas.microsoft.com/office/powerpoint/2010/main" xmlns="" val="2442419145"/>
       </p:ext>
     </p:extLst>
   </p:cSld>
@@ -13004,7 +13025,7 @@
     </p:spTree>
     <p:extLst>
       <p:ext uri="{BB962C8B-B14F-4D97-AF65-F5344CB8AC3E}">
-        <p14:creationId xmlns:p14="http://schemas.microsoft.com/office/powerpoint/2010/main" val="2442419145"/>
+        <p14:creationId xmlns:p14="http://schemas.microsoft.com/office/powerpoint/2010/main" xmlns="" val="2442419145"/>
       </p:ext>
     </p:extLst>
   </p:cSld>
@@ -13417,7 +13438,7 @@
     </p:spTree>
     <p:extLst>
       <p:ext uri="{BB962C8B-B14F-4D97-AF65-F5344CB8AC3E}">
-        <p14:creationId xmlns:p14="http://schemas.microsoft.com/office/powerpoint/2010/main" val="2442419145"/>
+        <p14:creationId xmlns:p14="http://schemas.microsoft.com/office/powerpoint/2010/main" xmlns="" val="2442419145"/>
       </p:ext>
     </p:extLst>
   </p:cSld>
@@ -13708,7 +13729,7 @@
     </p:spTree>
     <p:extLst>
       <p:ext uri="{BB962C8B-B14F-4D97-AF65-F5344CB8AC3E}">
-        <p14:creationId xmlns:p14="http://schemas.microsoft.com/office/powerpoint/2010/main" val="2442419145"/>
+        <p14:creationId xmlns:p14="http://schemas.microsoft.com/office/powerpoint/2010/main" xmlns="" val="2442419145"/>
       </p:ext>
     </p:extLst>
   </p:cSld>
@@ -14076,7 +14097,7 @@
     </p:spTree>
     <p:extLst>
       <p:ext uri="{BB962C8B-B14F-4D97-AF65-F5344CB8AC3E}">
-        <p14:creationId xmlns:p14="http://schemas.microsoft.com/office/powerpoint/2010/main" val="2442419145"/>
+        <p14:creationId xmlns:p14="http://schemas.microsoft.com/office/powerpoint/2010/main" xmlns="" val="2442419145"/>
       </p:ext>
     </p:extLst>
   </p:cSld>
@@ -14128,8 +14149,19 @@
                 <a:latin typeface="Times New Roman" panose="02020603050405020304" pitchFamily="18" charset="0"/>
                 <a:cs typeface="Times New Roman" panose="02020603050405020304" pitchFamily="18" charset="0"/>
               </a:rPr>
-              <a:t>È possibile visualizzare il prototipo sviluppato e testato per lo svolgimento di questo progetto cliccando sul seguente link:</a:t>
-            </a:r>
+              <a:t>È possibile visualizzare il prototipo sviluppato e testato per lo svolgimento di questo progetto cliccando sul seguente link</a:t>
+            </a:r>
+            <a:r>
+              <a:rPr lang="it-IT" sz="2000" dirty="0" smtClean="0">
+                <a:latin typeface="Times New Roman" panose="02020603050405020304" pitchFamily="18" charset="0"/>
+                <a:cs typeface="Times New Roman" panose="02020603050405020304" pitchFamily="18" charset="0"/>
+              </a:rPr>
+              <a:t>:</a:t>
+            </a:r>
+            <a:endParaRPr lang="it-IT" sz="2000" dirty="0" smtClean="0">
+              <a:latin typeface="Times New Roman" panose="02020603050405020304" pitchFamily="18" charset="0"/>
+              <a:cs typeface="Times New Roman" panose="02020603050405020304" pitchFamily="18" charset="0"/>
+            </a:endParaRPr>
           </a:p>
           <a:p>
             <a:pPr marL="0" indent="0" algn="just">
@@ -14145,30 +14177,13 @@
               <a:buNone/>
             </a:pPr>
             <a:r>
-              <a:rPr lang="it-IT" sz="2000" dirty="0">
+              <a:rPr lang="it-IT" sz="2000" dirty="0" smtClean="0">
                 <a:latin typeface="Times New Roman" panose="02020603050405020304" pitchFamily="18" charset="0"/>
                 <a:cs typeface="Times New Roman" panose="02020603050405020304" pitchFamily="18" charset="0"/>
                 <a:hlinkClick r:id="rId2"/>
               </a:rPr>
-              <a:t>https://www.justinmind.com/usernote/prototypes/15258068/15260565/15652734/index.html#/</a:t>
-            </a:r>
-            <a:r>
-              <a:rPr lang="it-IT" sz="2000" dirty="0" smtClean="0">
-                <a:latin typeface="Times New Roman" panose="02020603050405020304" pitchFamily="18" charset="0"/>
-                <a:cs typeface="Times New Roman" panose="02020603050405020304" pitchFamily="18" charset="0"/>
-                <a:hlinkClick r:id="rId2"/>
-              </a:rPr>
-              <a:t>screens/961aaad1-0bd8-4d4a-8b15-cac5f481f1b7</a:t>
-            </a:r>
-            <a:endParaRPr lang="it-IT" sz="2000" dirty="0" smtClean="0">
-              <a:latin typeface="Times New Roman" panose="02020603050405020304" pitchFamily="18" charset="0"/>
-              <a:cs typeface="Times New Roman" panose="02020603050405020304" pitchFamily="18" charset="0"/>
-            </a:endParaRPr>
-          </a:p>
-          <a:p>
-            <a:pPr marL="0" indent="0" algn="just">
-              <a:buNone/>
-            </a:pPr>
+              <a:t>https://www.justinmind.com/usernote/tests/15279553/15279777/15649533/index.html</a:t>
+            </a:r>
             <a:endParaRPr lang="it-IT" sz="2000" dirty="0" smtClean="0">
               <a:latin typeface="Times New Roman" panose="02020603050405020304" pitchFamily="18" charset="0"/>
               <a:cs typeface="Times New Roman" panose="02020603050405020304" pitchFamily="18" charset="0"/>
@@ -14271,7 +14286,7 @@
     </p:spTree>
     <p:extLst>
       <p:ext uri="{BB962C8B-B14F-4D97-AF65-F5344CB8AC3E}">
-        <p14:creationId xmlns:p14="http://schemas.microsoft.com/office/powerpoint/2010/main" val="2051926642"/>
+        <p14:creationId xmlns:p14="http://schemas.microsoft.com/office/powerpoint/2010/main" xmlns="" val="2051926642"/>
       </p:ext>
     </p:extLst>
   </p:cSld>
@@ -14649,7 +14664,7 @@
     </p:spTree>
     <p:extLst>
       <p:ext uri="{BB962C8B-B14F-4D97-AF65-F5344CB8AC3E}">
-        <p14:creationId xmlns:p14="http://schemas.microsoft.com/office/powerpoint/2010/main" val="2442419145"/>
+        <p14:creationId xmlns:p14="http://schemas.microsoft.com/office/powerpoint/2010/main" xmlns="" val="2442419145"/>
       </p:ext>
     </p:extLst>
   </p:cSld>
@@ -14831,7 +14846,7 @@
     </p:spTree>
     <p:extLst>
       <p:ext uri="{BB962C8B-B14F-4D97-AF65-F5344CB8AC3E}">
-        <p14:creationId xmlns:p14="http://schemas.microsoft.com/office/powerpoint/2010/main" val="2835187212"/>
+        <p14:creationId xmlns:p14="http://schemas.microsoft.com/office/powerpoint/2010/main" xmlns="" val="2835187212"/>
       </p:ext>
     </p:extLst>
   </p:cSld>
@@ -15006,21 +15021,7 @@
                 <a:latin typeface="Times New Roman" panose="02020603050405020304" pitchFamily="18" charset="0"/>
                 <a:cs typeface="Times New Roman" panose="02020603050405020304" pitchFamily="18" charset="0"/>
               </a:rPr>
-              <a:t> up è poco intuitiva </a:t>
-            </a:r>
-            <a:r>
-              <a:rPr lang="it-IT" sz="2000" dirty="0" smtClean="0">
-                <a:latin typeface="Times New Roman" panose="02020603050405020304" pitchFamily="18" charset="0"/>
-                <a:cs typeface="Times New Roman" panose="02020603050405020304" pitchFamily="18" charset="0"/>
-              </a:rPr>
-              <a:t>così come ci aspettavamo inizialmente (risolto </a:t>
-            </a:r>
-            <a:r>
-              <a:rPr lang="it-IT" sz="2000" dirty="0" smtClean="0">
-                <a:latin typeface="Times New Roman" panose="02020603050405020304" pitchFamily="18" charset="0"/>
-                <a:cs typeface="Times New Roman" panose="02020603050405020304" pitchFamily="18" charset="0"/>
-              </a:rPr>
-              <a:t>con </a:t>
+              <a:t> up è poco intuitiva così come ci aspettavamo inizialmente (risolto con </a:t>
             </a:r>
             <a:r>
               <a:rPr lang="it-IT" sz="2000" dirty="0" err="1" smtClean="0">
@@ -15225,7 +15226,7 @@
     </p:spTree>
     <p:extLst>
       <p:ext uri="{BB962C8B-B14F-4D97-AF65-F5344CB8AC3E}">
-        <p14:creationId xmlns:p14="http://schemas.microsoft.com/office/powerpoint/2010/main" val="1058020623"/>
+        <p14:creationId xmlns:p14="http://schemas.microsoft.com/office/powerpoint/2010/main" xmlns="" val="1058020623"/>
       </p:ext>
     </p:extLst>
   </p:cSld>
@@ -15598,7 +15599,7 @@
     </p:spTree>
     <p:extLst>
       <p:ext uri="{BB962C8B-B14F-4D97-AF65-F5344CB8AC3E}">
-        <p14:creationId xmlns:p14="http://schemas.microsoft.com/office/powerpoint/2010/main" val="1058020623"/>
+        <p14:creationId xmlns:p14="http://schemas.microsoft.com/office/powerpoint/2010/main" xmlns="" val="1058020623"/>
       </p:ext>
     </p:extLst>
   </p:cSld>
@@ -15915,7 +15916,7 @@
     </p:spTree>
     <p:extLst>
       <p:ext uri="{BB962C8B-B14F-4D97-AF65-F5344CB8AC3E}">
-        <p14:creationId xmlns:p14="http://schemas.microsoft.com/office/powerpoint/2010/main" val="1194030544"/>
+        <p14:creationId xmlns:p14="http://schemas.microsoft.com/office/powerpoint/2010/main" xmlns="" val="1194030544"/>
       </p:ext>
     </p:extLst>
   </p:cSld>
@@ -16081,7 +16082,7 @@
     </p:spTree>
     <p:extLst>
       <p:ext uri="{BB962C8B-B14F-4D97-AF65-F5344CB8AC3E}">
-        <p14:creationId xmlns:p14="http://schemas.microsoft.com/office/powerpoint/2010/main" val="1153537855"/>
+        <p14:creationId xmlns:p14="http://schemas.microsoft.com/office/powerpoint/2010/main" xmlns="" val="1153537855"/>
       </p:ext>
     </p:extLst>
   </p:cSld>
@@ -16208,38 +16209,20 @@
                 <a:latin typeface="Times New Roman" panose="02020603050405020304" pitchFamily="18" charset="0"/>
                 <a:cs typeface="Times New Roman" panose="02020603050405020304" pitchFamily="18" charset="0"/>
               </a:rPr>
-              <a:t> di una sua componente cliccando sul seguente link:</a:t>
+              <a:t> di una sua componente cliccando sul seguente link</a:t>
+            </a:r>
+            <a:r>
+              <a:rPr lang="it-IT" sz="2000" dirty="0" smtClean="0">
+                <a:latin typeface="Times New Roman" panose="02020603050405020304" pitchFamily="18" charset="0"/>
+                <a:cs typeface="Times New Roman" panose="02020603050405020304" pitchFamily="18" charset="0"/>
+              </a:rPr>
+              <a:t>:</a:t>
             </a:r>
           </a:p>
           <a:p>
             <a:pPr marL="0" indent="0" algn="just">
               <a:buNone/>
             </a:pPr>
-            <a:endParaRPr lang="it-IT" sz="2000" dirty="0">
-              <a:latin typeface="Times New Roman" panose="02020603050405020304" pitchFamily="18" charset="0"/>
-              <a:cs typeface="Times New Roman" panose="02020603050405020304" pitchFamily="18" charset="0"/>
-            </a:endParaRPr>
-          </a:p>
-          <a:p>
-            <a:pPr marL="0" indent="0">
-              <a:buNone/>
-            </a:pPr>
-            <a:r>
-              <a:rPr lang="it-IT" sz="2000" dirty="0">
-                <a:latin typeface="Times New Roman" panose="02020603050405020304" pitchFamily="18" charset="0"/>
-                <a:cs typeface="Times New Roman" panose="02020603050405020304" pitchFamily="18" charset="0"/>
-                <a:hlinkClick r:id="rId2"/>
-              </a:rPr>
-              <a:t>https://www.justinmind.com/usernote/prototypes/15258068/15260565/15660605/index.html#/</a:t>
-            </a:r>
-            <a:r>
-              <a:rPr lang="it-IT" sz="2000" dirty="0" smtClean="0">
-                <a:latin typeface="Times New Roman" panose="02020603050405020304" pitchFamily="18" charset="0"/>
-                <a:cs typeface="Times New Roman" panose="02020603050405020304" pitchFamily="18" charset="0"/>
-                <a:hlinkClick r:id="rId2"/>
-              </a:rPr>
-              <a:t>screens/d12245cc-1680-458d-89dd-4f0d7fb22724</a:t>
-            </a:r>
             <a:endParaRPr lang="it-IT" sz="2000" dirty="0" smtClean="0">
               <a:latin typeface="Times New Roman" panose="02020603050405020304" pitchFamily="18" charset="0"/>
               <a:cs typeface="Times New Roman" panose="02020603050405020304" pitchFamily="18" charset="0"/>
@@ -16249,6 +16232,14 @@
             <a:pPr marL="0" indent="0">
               <a:buNone/>
             </a:pPr>
+            <a:r>
+              <a:rPr lang="it-IT" sz="2000" dirty="0" smtClean="0">
+                <a:latin typeface="Times New Roman" panose="02020603050405020304" pitchFamily="18" charset="0"/>
+                <a:cs typeface="Times New Roman" panose="02020603050405020304" pitchFamily="18" charset="0"/>
+                <a:hlinkClick r:id="rId2"/>
+              </a:rPr>
+              <a:t>https://www.justinmind.com/usernote/tests/15279553/15279777/15632504/index.html</a:t>
+            </a:r>
             <a:endParaRPr lang="it-IT" sz="2000" dirty="0" smtClean="0">
               <a:latin typeface="Times New Roman" panose="02020603050405020304" pitchFamily="18" charset="0"/>
               <a:cs typeface="Times New Roman" panose="02020603050405020304" pitchFamily="18" charset="0"/>
@@ -16359,7 +16350,7 @@
     </p:spTree>
     <p:extLst>
       <p:ext uri="{BB962C8B-B14F-4D97-AF65-F5344CB8AC3E}">
-        <p14:creationId xmlns:p14="http://schemas.microsoft.com/office/powerpoint/2010/main" val="530745109"/>
+        <p14:creationId xmlns:p14="http://schemas.microsoft.com/office/powerpoint/2010/main" xmlns="" val="530745109"/>
       </p:ext>
     </p:extLst>
   </p:cSld>
@@ -16702,7 +16693,7 @@
     </p:spTree>
     <p:extLst>
       <p:ext uri="{BB962C8B-B14F-4D97-AF65-F5344CB8AC3E}">
-        <p14:creationId xmlns:p14="http://schemas.microsoft.com/office/powerpoint/2010/main" val="1113760290"/>
+        <p14:creationId xmlns:p14="http://schemas.microsoft.com/office/powerpoint/2010/main" xmlns="" val="1113760290"/>
       </p:ext>
     </p:extLst>
   </p:cSld>
@@ -16928,6 +16919,13 @@
   <p:clrMapOvr>
     <a:masterClrMapping/>
   </p:clrMapOvr>
+  <p:timing>
+    <p:tnLst>
+      <p:par>
+        <p:cTn id="1" dur="indefinite" restart="never" nodeType="tmRoot"/>
+      </p:par>
+    </p:tnLst>
+  </p:timing>
 </p:sld>
 </file>
 
@@ -17376,7 +17374,7 @@
     </p:spTree>
     <p:extLst>
       <p:ext uri="{BB962C8B-B14F-4D97-AF65-F5344CB8AC3E}">
-        <p14:creationId xmlns:p14="http://schemas.microsoft.com/office/powerpoint/2010/main" val="3011033621"/>
+        <p14:creationId xmlns:p14="http://schemas.microsoft.com/office/powerpoint/2010/main" xmlns="" val="3011033621"/>
       </p:ext>
     </p:extLst>
   </p:cSld>

--- a/Prova_6_RisultatiValutazione/Leone_Mastrosimone_PresentazioneProgetto.pptx
+++ b/Prova_6_RisultatiValutazione/Leone_Mastrosimone_PresentazioneProgetto.pptx
@@ -35,16 +35,16 @@
     <p:sldId id="283" r:id="rId29"/>
     <p:sldId id="284" r:id="rId30"/>
     <p:sldId id="295" r:id="rId31"/>
-    <p:sldId id="285" r:id="rId32"/>
-    <p:sldId id="286" r:id="rId33"/>
-    <p:sldId id="287" r:id="rId34"/>
-    <p:sldId id="288" r:id="rId35"/>
-    <p:sldId id="289" r:id="rId36"/>
-    <p:sldId id="290" r:id="rId37"/>
-    <p:sldId id="291" r:id="rId38"/>
-    <p:sldId id="292" r:id="rId39"/>
-    <p:sldId id="293" r:id="rId40"/>
-    <p:sldId id="294" r:id="rId41"/>
+    <p:sldId id="288" r:id="rId32"/>
+    <p:sldId id="289" r:id="rId33"/>
+    <p:sldId id="290" r:id="rId34"/>
+    <p:sldId id="291" r:id="rId35"/>
+    <p:sldId id="292" r:id="rId36"/>
+    <p:sldId id="293" r:id="rId37"/>
+    <p:sldId id="294" r:id="rId38"/>
+    <p:sldId id="285" r:id="rId39"/>
+    <p:sldId id="286" r:id="rId40"/>
+    <p:sldId id="287" r:id="rId41"/>
     <p:sldId id="298" r:id="rId42"/>
     <p:sldId id="296" r:id="rId43"/>
     <p:sldId id="300" r:id="rId44"/>
@@ -150,7 +150,7 @@
   </p:defaultTextStyle>
   <p:extLst>
     <p:ext uri="{EFAFB233-063F-42B5-8137-9DF3F51BA10A}">
-      <p15:sldGuideLst xmlns:p15="http://schemas.microsoft.com/office/powerpoint/2012/main" xmlns="">
+      <p15:sldGuideLst xmlns:p15="http://schemas.microsoft.com/office/powerpoint/2012/main">
         <p15:guide id="1" orient="horz" pos="2160">
           <p15:clr>
             <a:srgbClr val="A4A3A4"/>
@@ -341,7 +341,7 @@
             <a:fld id="{9FB86531-A28F-4E1C-99B5-5C225A123870}" type="datetimeFigureOut">
               <a:rPr lang="it-IT" smtClean="0"/>
               <a:pPr/>
-              <a:t>09/06/2015</a:t>
+              <a:t>12/06/2015</a:t>
             </a:fld>
             <a:endParaRPr lang="it-IT"/>
           </a:p>
@@ -508,7 +508,7 @@
             <a:fld id="{9FB86531-A28F-4E1C-99B5-5C225A123870}" type="datetimeFigureOut">
               <a:rPr lang="it-IT" smtClean="0"/>
               <a:pPr/>
-              <a:t>09/06/2015</a:t>
+              <a:t>12/06/2015</a:t>
             </a:fld>
             <a:endParaRPr lang="it-IT"/>
           </a:p>
@@ -685,7 +685,7 @@
             <a:fld id="{9FB86531-A28F-4E1C-99B5-5C225A123870}" type="datetimeFigureOut">
               <a:rPr lang="it-IT" smtClean="0"/>
               <a:pPr/>
-              <a:t>09/06/2015</a:t>
+              <a:t>12/06/2015</a:t>
             </a:fld>
             <a:endParaRPr lang="it-IT"/>
           </a:p>
@@ -852,7 +852,7 @@
             <a:fld id="{9FB86531-A28F-4E1C-99B5-5C225A123870}" type="datetimeFigureOut">
               <a:rPr lang="it-IT" smtClean="0"/>
               <a:pPr/>
-              <a:t>09/06/2015</a:t>
+              <a:t>12/06/2015</a:t>
             </a:fld>
             <a:endParaRPr lang="it-IT"/>
           </a:p>
@@ -1096,7 +1096,7 @@
             <a:fld id="{9FB86531-A28F-4E1C-99B5-5C225A123870}" type="datetimeFigureOut">
               <a:rPr lang="it-IT" smtClean="0"/>
               <a:pPr/>
-              <a:t>09/06/2015</a:t>
+              <a:t>12/06/2015</a:t>
             </a:fld>
             <a:endParaRPr lang="it-IT"/>
           </a:p>
@@ -1362,7 +1362,7 @@
             <a:fld id="{9FB86531-A28F-4E1C-99B5-5C225A123870}" type="datetimeFigureOut">
               <a:rPr lang="it-IT" smtClean="0"/>
               <a:pPr/>
-              <a:t>09/06/2015</a:t>
+              <a:t>12/06/2015</a:t>
             </a:fld>
             <a:endParaRPr lang="it-IT"/>
           </a:p>
@@ -1742,7 +1742,7 @@
             <a:fld id="{9FB86531-A28F-4E1C-99B5-5C225A123870}" type="datetimeFigureOut">
               <a:rPr lang="it-IT" smtClean="0"/>
               <a:pPr/>
-              <a:t>09/06/2015</a:t>
+              <a:t>12/06/2015</a:t>
             </a:fld>
             <a:endParaRPr lang="it-IT"/>
           </a:p>
@@ -1894,7 +1894,7 @@
             <a:fld id="{9FB86531-A28F-4E1C-99B5-5C225A123870}" type="datetimeFigureOut">
               <a:rPr lang="it-IT" smtClean="0"/>
               <a:pPr/>
-              <a:t>09/06/2015</a:t>
+              <a:t>12/06/2015</a:t>
             </a:fld>
             <a:endParaRPr lang="it-IT"/>
           </a:p>
@@ -1986,7 +1986,7 @@
             <a:fld id="{9FB86531-A28F-4E1C-99B5-5C225A123870}" type="datetimeFigureOut">
               <a:rPr lang="it-IT" smtClean="0"/>
               <a:pPr/>
-              <a:t>09/06/2015</a:t>
+              <a:t>12/06/2015</a:t>
             </a:fld>
             <a:endParaRPr lang="it-IT"/>
           </a:p>
@@ -2249,7 +2249,7 @@
             <a:fld id="{9FB86531-A28F-4E1C-99B5-5C225A123870}" type="datetimeFigureOut">
               <a:rPr lang="it-IT" smtClean="0"/>
               <a:pPr/>
-              <a:t>09/06/2015</a:t>
+              <a:t>12/06/2015</a:t>
             </a:fld>
             <a:endParaRPr lang="it-IT"/>
           </a:p>
@@ -2539,7 +2539,7 @@
             <a:fld id="{9FB86531-A28F-4E1C-99B5-5C225A123870}" type="datetimeFigureOut">
               <a:rPr lang="it-IT" smtClean="0"/>
               <a:pPr/>
-              <a:t>09/06/2015</a:t>
+              <a:t>12/06/2015</a:t>
             </a:fld>
             <a:endParaRPr lang="it-IT"/>
           </a:p>
@@ -3312,7 +3312,7 @@
             <a:fld id="{9FB86531-A28F-4E1C-99B5-5C225A123870}" type="datetimeFigureOut">
               <a:rPr lang="it-IT" smtClean="0"/>
               <a:pPr/>
-              <a:t>09/06/2015</a:t>
+              <a:t>12/06/2015</a:t>
             </a:fld>
             <a:endParaRPr lang="it-IT"/>
           </a:p>
@@ -4296,7 +4296,7 @@
     </p:spTree>
     <p:extLst>
       <p:ext uri="{BB962C8B-B14F-4D97-AF65-F5344CB8AC3E}">
-        <p14:creationId xmlns:p14="http://schemas.microsoft.com/office/powerpoint/2010/main" xmlns="" val="1761319082"/>
+        <p14:creationId xmlns:p14="http://schemas.microsoft.com/office/powerpoint/2010/main" val="1761319082"/>
       </p:ext>
     </p:extLst>
   </p:cSld>
@@ -4584,7 +4584,7 @@
     </p:spTree>
     <p:extLst>
       <p:ext uri="{BB962C8B-B14F-4D97-AF65-F5344CB8AC3E}">
-        <p14:creationId xmlns:p14="http://schemas.microsoft.com/office/powerpoint/2010/main" xmlns="" val="3011033621"/>
+        <p14:creationId xmlns:p14="http://schemas.microsoft.com/office/powerpoint/2010/main" val="3011033621"/>
       </p:ext>
     </p:extLst>
   </p:cSld>
@@ -4836,7 +4836,7 @@
     </p:spTree>
     <p:extLst>
       <p:ext uri="{BB962C8B-B14F-4D97-AF65-F5344CB8AC3E}">
-        <p14:creationId xmlns:p14="http://schemas.microsoft.com/office/powerpoint/2010/main" xmlns="" val="2017438073"/>
+        <p14:creationId xmlns:p14="http://schemas.microsoft.com/office/powerpoint/2010/main" val="2017438073"/>
       </p:ext>
     </p:extLst>
   </p:cSld>
@@ -5144,7 +5144,7 @@
     </p:spTree>
     <p:extLst>
       <p:ext uri="{BB962C8B-B14F-4D97-AF65-F5344CB8AC3E}">
-        <p14:creationId xmlns:p14="http://schemas.microsoft.com/office/powerpoint/2010/main" xmlns="" val="2017438073"/>
+        <p14:creationId xmlns:p14="http://schemas.microsoft.com/office/powerpoint/2010/main" val="2017438073"/>
       </p:ext>
     </p:extLst>
   </p:cSld>
@@ -5384,7 +5384,7 @@
     </p:spTree>
     <p:extLst>
       <p:ext uri="{BB962C8B-B14F-4D97-AF65-F5344CB8AC3E}">
-        <p14:creationId xmlns:p14="http://schemas.microsoft.com/office/powerpoint/2010/main" xmlns="" val="115604845"/>
+        <p14:creationId xmlns:p14="http://schemas.microsoft.com/office/powerpoint/2010/main" val="115604845"/>
       </p:ext>
     </p:extLst>
   </p:cSld>
@@ -5631,7 +5631,7 @@
     </p:spTree>
     <p:extLst>
       <p:ext uri="{BB962C8B-B14F-4D97-AF65-F5344CB8AC3E}">
-        <p14:creationId xmlns:p14="http://schemas.microsoft.com/office/powerpoint/2010/main" xmlns="" val="594007354"/>
+        <p14:creationId xmlns:p14="http://schemas.microsoft.com/office/powerpoint/2010/main" val="594007354"/>
       </p:ext>
     </p:extLst>
   </p:cSld>
@@ -5857,7 +5857,7 @@
     </p:spTree>
     <p:extLst>
       <p:ext uri="{BB962C8B-B14F-4D97-AF65-F5344CB8AC3E}">
-        <p14:creationId xmlns:p14="http://schemas.microsoft.com/office/powerpoint/2010/main" xmlns="" val="594007354"/>
+        <p14:creationId xmlns:p14="http://schemas.microsoft.com/office/powerpoint/2010/main" val="594007354"/>
       </p:ext>
     </p:extLst>
   </p:cSld>
@@ -6205,7 +6205,7 @@
     </p:spTree>
     <p:extLst>
       <p:ext uri="{BB962C8B-B14F-4D97-AF65-F5344CB8AC3E}">
-        <p14:creationId xmlns:p14="http://schemas.microsoft.com/office/powerpoint/2010/main" xmlns="" val="723523181"/>
+        <p14:creationId xmlns:p14="http://schemas.microsoft.com/office/powerpoint/2010/main" val="723523181"/>
       </p:ext>
     </p:extLst>
   </p:cSld>
@@ -6428,7 +6428,7 @@
     </p:spTree>
     <p:extLst>
       <p:ext uri="{BB962C8B-B14F-4D97-AF65-F5344CB8AC3E}">
-        <p14:creationId xmlns:p14="http://schemas.microsoft.com/office/powerpoint/2010/main" xmlns="" val="2442419145"/>
+        <p14:creationId xmlns:p14="http://schemas.microsoft.com/office/powerpoint/2010/main" val="2442419145"/>
       </p:ext>
     </p:extLst>
   </p:cSld>
@@ -6665,7 +6665,7 @@
     </p:spTree>
     <p:extLst>
       <p:ext uri="{BB962C8B-B14F-4D97-AF65-F5344CB8AC3E}">
-        <p14:creationId xmlns:p14="http://schemas.microsoft.com/office/powerpoint/2010/main" xmlns="" val="2442419145"/>
+        <p14:creationId xmlns:p14="http://schemas.microsoft.com/office/powerpoint/2010/main" val="2442419145"/>
       </p:ext>
     </p:extLst>
   </p:cSld>
@@ -6947,7 +6947,7 @@
     </p:spTree>
     <p:extLst>
       <p:ext uri="{BB962C8B-B14F-4D97-AF65-F5344CB8AC3E}">
-        <p14:creationId xmlns:p14="http://schemas.microsoft.com/office/powerpoint/2010/main" xmlns="" val="2442419145"/>
+        <p14:creationId xmlns:p14="http://schemas.microsoft.com/office/powerpoint/2010/main" val="2442419145"/>
       </p:ext>
     </p:extLst>
   </p:cSld>
@@ -7176,7 +7176,7 @@
           <a:blip r:embed="rId3" cstate="print">
             <a:extLst>
               <a:ext uri="{28A0092B-C50C-407E-A947-70E740481C1C}">
-                <a14:useLocalDpi xmlns:a14="http://schemas.microsoft.com/office/drawing/2010/main" xmlns="" val="0"/>
+                <a14:useLocalDpi xmlns:a14="http://schemas.microsoft.com/office/drawing/2010/main" val="0"/>
               </a:ext>
             </a:extLst>
           </a:blip>
@@ -7194,7 +7194,7 @@
     </p:spTree>
     <p:extLst>
       <p:ext uri="{BB962C8B-B14F-4D97-AF65-F5344CB8AC3E}">
-        <p14:creationId xmlns:p14="http://schemas.microsoft.com/office/powerpoint/2010/main" xmlns="" val="2554871489"/>
+        <p14:creationId xmlns:p14="http://schemas.microsoft.com/office/powerpoint/2010/main" val="2554871489"/>
       </p:ext>
     </p:extLst>
   </p:cSld>
@@ -7523,7 +7523,7 @@
     </p:spTree>
     <p:extLst>
       <p:ext uri="{BB962C8B-B14F-4D97-AF65-F5344CB8AC3E}">
-        <p14:creationId xmlns:p14="http://schemas.microsoft.com/office/powerpoint/2010/main" xmlns="" val="2442419145"/>
+        <p14:creationId xmlns:p14="http://schemas.microsoft.com/office/powerpoint/2010/main" val="2442419145"/>
       </p:ext>
     </p:extLst>
   </p:cSld>
@@ -7858,7 +7858,7 @@
     </p:spTree>
     <p:extLst>
       <p:ext uri="{BB962C8B-B14F-4D97-AF65-F5344CB8AC3E}">
-        <p14:creationId xmlns:p14="http://schemas.microsoft.com/office/powerpoint/2010/main" xmlns="" val="2442419145"/>
+        <p14:creationId xmlns:p14="http://schemas.microsoft.com/office/powerpoint/2010/main" val="2442419145"/>
       </p:ext>
     </p:extLst>
   </p:cSld>
@@ -8121,7 +8121,7 @@
     </p:spTree>
     <p:extLst>
       <p:ext uri="{BB962C8B-B14F-4D97-AF65-F5344CB8AC3E}">
-        <p14:creationId xmlns:p14="http://schemas.microsoft.com/office/powerpoint/2010/main" xmlns="" val="2442419145"/>
+        <p14:creationId xmlns:p14="http://schemas.microsoft.com/office/powerpoint/2010/main" val="2442419145"/>
       </p:ext>
     </p:extLst>
   </p:cSld>
@@ -8393,7 +8393,7 @@
     </p:spTree>
     <p:extLst>
       <p:ext uri="{BB962C8B-B14F-4D97-AF65-F5344CB8AC3E}">
-        <p14:creationId xmlns:p14="http://schemas.microsoft.com/office/powerpoint/2010/main" xmlns="" val="2442419145"/>
+        <p14:creationId xmlns:p14="http://schemas.microsoft.com/office/powerpoint/2010/main" val="2442419145"/>
       </p:ext>
     </p:extLst>
   </p:cSld>
@@ -8688,7 +8688,7 @@
     </p:spTree>
     <p:extLst>
       <p:ext uri="{BB962C8B-B14F-4D97-AF65-F5344CB8AC3E}">
-        <p14:creationId xmlns:p14="http://schemas.microsoft.com/office/powerpoint/2010/main" xmlns="" val="2442419145"/>
+        <p14:creationId xmlns:p14="http://schemas.microsoft.com/office/powerpoint/2010/main" val="2442419145"/>
       </p:ext>
     </p:extLst>
   </p:cSld>
@@ -9034,7 +9034,7 @@
     </p:spTree>
     <p:extLst>
       <p:ext uri="{BB962C8B-B14F-4D97-AF65-F5344CB8AC3E}">
-        <p14:creationId xmlns:p14="http://schemas.microsoft.com/office/powerpoint/2010/main" xmlns="" val="2442419145"/>
+        <p14:creationId xmlns:p14="http://schemas.microsoft.com/office/powerpoint/2010/main" val="2442419145"/>
       </p:ext>
     </p:extLst>
   </p:cSld>
@@ -9425,7 +9425,7 @@
     </p:spTree>
     <p:extLst>
       <p:ext uri="{BB962C8B-B14F-4D97-AF65-F5344CB8AC3E}">
-        <p14:creationId xmlns:p14="http://schemas.microsoft.com/office/powerpoint/2010/main" xmlns="" val="2442419145"/>
+        <p14:creationId xmlns:p14="http://schemas.microsoft.com/office/powerpoint/2010/main" val="2442419145"/>
       </p:ext>
     </p:extLst>
   </p:cSld>
@@ -9967,7 +9967,7 @@
     </p:spTree>
     <p:extLst>
       <p:ext uri="{BB962C8B-B14F-4D97-AF65-F5344CB8AC3E}">
-        <p14:creationId xmlns:p14="http://schemas.microsoft.com/office/powerpoint/2010/main" xmlns="" val="2442419145"/>
+        <p14:creationId xmlns:p14="http://schemas.microsoft.com/office/powerpoint/2010/main" val="2442419145"/>
       </p:ext>
     </p:extLst>
   </p:cSld>
@@ -10218,7 +10218,7 @@
     </p:spTree>
     <p:extLst>
       <p:ext uri="{BB962C8B-B14F-4D97-AF65-F5344CB8AC3E}">
-        <p14:creationId xmlns:p14="http://schemas.microsoft.com/office/powerpoint/2010/main" xmlns="" val="2442419145"/>
+        <p14:creationId xmlns:p14="http://schemas.microsoft.com/office/powerpoint/2010/main" val="2442419145"/>
       </p:ext>
     </p:extLst>
   </p:cSld>
@@ -10651,7 +10651,7 @@
     </p:spTree>
     <p:extLst>
       <p:ext uri="{BB962C8B-B14F-4D97-AF65-F5344CB8AC3E}">
-        <p14:creationId xmlns:p14="http://schemas.microsoft.com/office/powerpoint/2010/main" xmlns="" val="2442419145"/>
+        <p14:creationId xmlns:p14="http://schemas.microsoft.com/office/powerpoint/2010/main" val="2442419145"/>
       </p:ext>
     </p:extLst>
   </p:cSld>
@@ -10826,7 +10826,7 @@
     </p:spTree>
     <p:extLst>
       <p:ext uri="{BB962C8B-B14F-4D97-AF65-F5344CB8AC3E}">
-        <p14:creationId xmlns:p14="http://schemas.microsoft.com/office/powerpoint/2010/main" xmlns="" val="2477898856"/>
+        <p14:creationId xmlns:p14="http://schemas.microsoft.com/office/powerpoint/2010/main" val="2477898856"/>
       </p:ext>
     </p:extLst>
   </p:cSld>
@@ -11206,7 +11206,7 @@
     </p:spTree>
     <p:extLst>
       <p:ext uri="{BB962C8B-B14F-4D97-AF65-F5344CB8AC3E}">
-        <p14:creationId xmlns:p14="http://schemas.microsoft.com/office/powerpoint/2010/main" xmlns="" val="2428663034"/>
+        <p14:creationId xmlns:p14="http://schemas.microsoft.com/office/powerpoint/2010/main" val="2428663034"/>
       </p:ext>
     </p:extLst>
   </p:cSld>
@@ -11281,7 +11281,7 @@
                 <a:latin typeface="Times New Roman" panose="02020603050405020304" pitchFamily="18" charset="0"/>
                 <a:cs typeface="Times New Roman" panose="02020603050405020304" pitchFamily="18" charset="0"/>
               </a:rPr>
-              <a:t>During</a:t>
+              <a:t>After</a:t>
             </a:r>
             <a:r>
               <a:rPr lang="it-IT" sz="2800" b="1" i="1" dirty="0" smtClean="0">
@@ -11291,11 +11291,11 @@
               <a:t> the test </a:t>
             </a:r>
             <a:r>
-              <a:rPr lang="it-IT" sz="2800" b="1" dirty="0" smtClean="0">
-                <a:latin typeface="Times New Roman" panose="02020603050405020304" pitchFamily="18" charset="0"/>
-                <a:cs typeface="Times New Roman" panose="02020603050405020304" pitchFamily="18" charset="0"/>
-              </a:rPr>
-              <a:t>(8)</a:t>
+              <a:rPr lang="it-IT" sz="2800" b="1" dirty="0">
+                <a:latin typeface="Times New Roman" panose="02020603050405020304" pitchFamily="18" charset="0"/>
+                <a:cs typeface="Times New Roman" panose="02020603050405020304" pitchFamily="18" charset="0"/>
+              </a:rPr>
+              <a:t>(1)</a:t>
             </a:r>
             <a:endParaRPr lang="it-IT" sz="2800" i="1" dirty="0"/>
           </a:p>
@@ -11311,8 +11311,8 @@
         </p:nvSpPr>
         <p:spPr>
           <a:xfrm>
-            <a:off x="628650" y="1254036"/>
-            <a:ext cx="7886700" cy="627016"/>
+            <a:off x="628650" y="1254034"/>
+            <a:ext cx="7886700" cy="5301311"/>
           </a:xfrm>
           <a:prstGeom prst="rect">
             <a:avLst/>
@@ -11333,119 +11333,130 @@
               </a:spcBef>
             </a:pPr>
             <a:r>
+              <a:rPr lang="it-IT" sz="2500" b="1" dirty="0" smtClean="0">
+                <a:latin typeface="Times New Roman" panose="02020603050405020304" pitchFamily="18" charset="0"/>
+                <a:cs typeface="Times New Roman" panose="02020603050405020304" pitchFamily="18" charset="0"/>
+              </a:rPr>
+              <a:t>Task 1 – </a:t>
+            </a:r>
+            <a:r>
               <a:rPr lang="it-IT" sz="2500" b="1" dirty="0" err="1" smtClean="0">
                 <a:latin typeface="Times New Roman" panose="02020603050405020304" pitchFamily="18" charset="0"/>
                 <a:cs typeface="Times New Roman" panose="02020603050405020304" pitchFamily="18" charset="0"/>
               </a:rPr>
-              <a:t>Thinking</a:t>
+              <a:t>Sign</a:t>
             </a:r>
             <a:r>
               <a:rPr lang="it-IT" sz="2500" b="1" dirty="0" smtClean="0">
                 <a:latin typeface="Times New Roman" panose="02020603050405020304" pitchFamily="18" charset="0"/>
                 <a:cs typeface="Times New Roman" panose="02020603050405020304" pitchFamily="18" charset="0"/>
               </a:rPr>
-              <a:t> </a:t>
-            </a:r>
-            <a:r>
-              <a:rPr lang="it-IT" sz="2500" b="1" dirty="0" err="1" smtClean="0">
-                <a:latin typeface="Times New Roman" panose="02020603050405020304" pitchFamily="18" charset="0"/>
-                <a:cs typeface="Times New Roman" panose="02020603050405020304" pitchFamily="18" charset="0"/>
-              </a:rPr>
-              <a:t>Aloud</a:t>
-            </a:r>
-            <a:r>
-              <a:rPr lang="it-IT" sz="2500" b="1" dirty="0" smtClean="0">
-                <a:latin typeface="Times New Roman" panose="02020603050405020304" pitchFamily="18" charset="0"/>
-                <a:cs typeface="Times New Roman" panose="02020603050405020304" pitchFamily="18" charset="0"/>
-              </a:rPr>
-              <a:t> – Tester </a:t>
-            </a:r>
-            <a:r>
-              <a:rPr lang="it-IT" sz="2500" b="1" dirty="0" err="1" smtClean="0">
-                <a:latin typeface="Times New Roman" panose="02020603050405020304" pitchFamily="18" charset="0"/>
-                <a:cs typeface="Times New Roman" panose="02020603050405020304" pitchFamily="18" charset="0"/>
-              </a:rPr>
-              <a:t>n°</a:t>
-            </a:r>
-            <a:r>
-              <a:rPr lang="it-IT" sz="2500" b="1" dirty="0" smtClean="0">
-                <a:latin typeface="Times New Roman" panose="02020603050405020304" pitchFamily="18" charset="0"/>
-                <a:cs typeface="Times New Roman" panose="02020603050405020304" pitchFamily="18" charset="0"/>
-              </a:rPr>
-              <a:t> 1 (Carlo)</a:t>
+              <a:t> up</a:t>
             </a:r>
             <a:endParaRPr lang="it-IT" sz="2500" dirty="0" smtClean="0">
               <a:latin typeface="Times New Roman" panose="02020603050405020304" pitchFamily="18" charset="0"/>
               <a:cs typeface="Times New Roman" panose="02020603050405020304" pitchFamily="18" charset="0"/>
             </a:endParaRPr>
           </a:p>
-        </p:txBody>
-      </p:sp>
-      <p:sp>
-        <p:nvSpPr>
-          <p:cNvPr id="6" name="Rettangolo 5"/>
-          <p:cNvSpPr/>
-          <p:nvPr/>
-        </p:nvSpPr>
-        <p:spPr>
-          <a:xfrm>
-            <a:off x="509451" y="2246811"/>
-            <a:ext cx="3801292" cy="2862322"/>
-          </a:xfrm>
-          <a:prstGeom prst="rect">
-            <a:avLst/>
-          </a:prstGeom>
-        </p:spPr>
-        <p:txBody>
-          <a:bodyPr wrap="square">
-            <a:spAutoFit/>
-          </a:bodyPr>
-          <a:lstStyle/>
-          <a:p>
-            <a:pPr lvl="0" algn="just">
-              <a:buFontTx/>
-              <a:buChar char="-"/>
-            </a:pPr>
-            <a:r>
-              <a:rPr lang="it-IT" sz="2000" dirty="0" smtClean="0"/>
-              <a:t> </a:t>
-            </a:r>
-            <a:r>
-              <a:rPr lang="it-IT" sz="2000" dirty="0" smtClean="0">
-                <a:latin typeface="Times New Roman" panose="02020603050405020304" pitchFamily="18" charset="0"/>
-                <a:cs typeface="Times New Roman" panose="02020603050405020304" pitchFamily="18" charset="0"/>
-              </a:rPr>
-              <a:t>Fase di registrazione (Prototipo 1): navigazione nel pannello dinamico poco intuitiva.</a:t>
-            </a:r>
-          </a:p>
-          <a:p>
-            <a:pPr lvl="0" algn="just">
-              <a:buFontTx/>
-              <a:buChar char="-"/>
-            </a:pPr>
+          <a:p>
+            <a:pPr algn="just"/>
             <a:endParaRPr lang="it-IT" sz="2000" dirty="0" smtClean="0">
               <a:latin typeface="Times New Roman" panose="02020603050405020304" pitchFamily="18" charset="0"/>
               <a:cs typeface="Times New Roman" panose="02020603050405020304" pitchFamily="18" charset="0"/>
             </a:endParaRPr>
           </a:p>
           <a:p>
-            <a:pPr lvl="0" algn="just">
-              <a:buFontTx/>
-              <a:buChar char="-"/>
-            </a:pPr>
-            <a:endParaRPr lang="it-IT" sz="2000" dirty="0" smtClean="0">
-              <a:latin typeface="Times New Roman" panose="02020603050405020304" pitchFamily="18" charset="0"/>
-              <a:cs typeface="Times New Roman" panose="02020603050405020304" pitchFamily="18" charset="0"/>
-            </a:endParaRPr>
-          </a:p>
-          <a:p>
-            <a:pPr lvl="0" algn="just"/>
-            <a:r>
-              <a:rPr lang="it-IT" sz="2000" dirty="0" smtClean="0">
-                <a:latin typeface="Times New Roman" panose="02020603050405020304" pitchFamily="18" charset="0"/>
-                <a:cs typeface="Times New Roman" panose="02020603050405020304" pitchFamily="18" charset="0"/>
-              </a:rPr>
-              <a:t>- Arrivato alla schermata della Home, non è risultato chiaro il suo contenuto e ciò ha creato delle difficoltà nell’utilizzo dell’app.</a:t>
+            <a:r>
+              <a:rPr lang="it-IT" sz="2600" dirty="0" smtClean="0"/>
+              <a:t> </a:t>
+            </a:r>
+          </a:p>
+          <a:p>
+            <a:pPr marL="457200" lvl="0" indent="-457200">
+              <a:buFont typeface="+mj-lt"/>
+              <a:buAutoNum type="arabicPeriod"/>
+            </a:pPr>
+            <a:r>
+              <a:rPr lang="it-IT" sz="2000" dirty="0" smtClean="0">
+                <a:latin typeface="Times New Roman" panose="02020603050405020304" pitchFamily="18" charset="0"/>
+                <a:cs typeface="Times New Roman" panose="02020603050405020304" pitchFamily="18" charset="0"/>
+              </a:rPr>
+              <a:t>Intuitività della schermata.</a:t>
+            </a:r>
+          </a:p>
+          <a:p>
+            <a:r>
+              <a:rPr lang="it-IT" sz="2000" dirty="0" smtClean="0">
+                <a:latin typeface="Times New Roman" panose="02020603050405020304" pitchFamily="18" charset="0"/>
+                <a:cs typeface="Times New Roman" panose="02020603050405020304" pitchFamily="18" charset="0"/>
+              </a:rPr>
+              <a:t>			1    2    3    4    5</a:t>
+            </a:r>
+          </a:p>
+          <a:p>
+            <a:pPr marL="457200" lvl="0" indent="-457200">
+              <a:buFont typeface="+mj-lt"/>
+              <a:buAutoNum type="arabicPeriod" startAt="2"/>
+            </a:pPr>
+            <a:r>
+              <a:rPr lang="it-IT" sz="2000" dirty="0" smtClean="0">
+                <a:latin typeface="Times New Roman" panose="02020603050405020304" pitchFamily="18" charset="0"/>
+                <a:cs typeface="Times New Roman" panose="02020603050405020304" pitchFamily="18" charset="0"/>
+              </a:rPr>
+              <a:t>Si capisce sempre quali operazioni effettuare di volta in volta.</a:t>
+            </a:r>
+          </a:p>
+          <a:p>
+            <a:r>
+              <a:rPr lang="it-IT" sz="2000" dirty="0" smtClean="0">
+                <a:latin typeface="Times New Roman" panose="02020603050405020304" pitchFamily="18" charset="0"/>
+                <a:cs typeface="Times New Roman" panose="02020603050405020304" pitchFamily="18" charset="0"/>
+              </a:rPr>
+              <a:t>			1    2    3    4    5</a:t>
+            </a:r>
+          </a:p>
+          <a:p>
+            <a:pPr marL="457200" lvl="0" indent="-457200">
+              <a:buFont typeface="+mj-lt"/>
+              <a:buAutoNum type="arabicPeriod" startAt="3"/>
+            </a:pPr>
+            <a:r>
+              <a:rPr lang="it-IT" sz="2000" dirty="0" smtClean="0">
+                <a:latin typeface="Times New Roman" panose="02020603050405020304" pitchFamily="18" charset="0"/>
+                <a:cs typeface="Times New Roman" panose="02020603050405020304" pitchFamily="18" charset="0"/>
+              </a:rPr>
+              <a:t>Si riesce a capire come passare da una schermata all’altra.</a:t>
+            </a:r>
+          </a:p>
+          <a:p>
+            <a:r>
+              <a:rPr lang="it-IT" sz="2000" dirty="0" smtClean="0">
+                <a:latin typeface="Times New Roman" panose="02020603050405020304" pitchFamily="18" charset="0"/>
+                <a:cs typeface="Times New Roman" panose="02020603050405020304" pitchFamily="18" charset="0"/>
+              </a:rPr>
+              <a:t>			1    2    3    4    5</a:t>
+            </a:r>
+          </a:p>
+          <a:p>
+            <a:pPr marL="457200" lvl="0" indent="-457200">
+              <a:buFont typeface="+mj-lt"/>
+              <a:buAutoNum type="arabicPeriod" startAt="4"/>
+            </a:pPr>
+            <a:r>
+              <a:rPr lang="it-IT" sz="2000" dirty="0" smtClean="0">
+                <a:latin typeface="Times New Roman" panose="02020603050405020304" pitchFamily="18" charset="0"/>
+                <a:cs typeface="Times New Roman" panose="02020603050405020304" pitchFamily="18" charset="0"/>
+              </a:rPr>
+              <a:t>È sempre possibile capire e correggere gli errori commessi.</a:t>
+            </a:r>
+          </a:p>
+          <a:p>
+            <a:r>
+              <a:rPr lang="it-IT" sz="2000" dirty="0" smtClean="0">
+                <a:latin typeface="Times New Roman" panose="02020603050405020304" pitchFamily="18" charset="0"/>
+                <a:cs typeface="Times New Roman" panose="02020603050405020304" pitchFamily="18" charset="0"/>
+              </a:rPr>
+              <a:t>			1    2    3    4    5</a:t>
             </a:r>
             <a:endParaRPr lang="it-IT" sz="2000" dirty="0">
               <a:latin typeface="Times New Roman" panose="02020603050405020304" pitchFamily="18" charset="0"/>
@@ -11454,36 +11465,10 @@
           </a:p>
         </p:txBody>
       </p:sp>
-      <p:pic>
-        <p:nvPicPr>
-          <p:cNvPr id="1026" name="Picture 2" descr="C:\Users\hp\Desktop\Tester1.png"/>
-          <p:cNvPicPr>
-            <a:picLocks noChangeAspect="1" noChangeArrowheads="1"/>
-          </p:cNvPicPr>
-          <p:nvPr/>
-        </p:nvPicPr>
-        <p:blipFill>
-          <a:blip r:embed="rId2" cstate="print"/>
-          <a:srcRect/>
-          <a:stretch>
-            <a:fillRect/>
-          </a:stretch>
-        </p:blipFill>
-        <p:spPr bwMode="auto">
-          <a:xfrm>
-            <a:off x="4989422" y="1854926"/>
-            <a:ext cx="3258957" cy="4777467"/>
-          </a:xfrm>
-          <a:prstGeom prst="rect">
-            <a:avLst/>
-          </a:prstGeom>
-          <a:noFill/>
-        </p:spPr>
-      </p:pic>
     </p:spTree>
     <p:extLst>
       <p:ext uri="{BB962C8B-B14F-4D97-AF65-F5344CB8AC3E}">
-        <p14:creationId xmlns:p14="http://schemas.microsoft.com/office/powerpoint/2010/main" xmlns="" val="2442419145"/>
+        <p14:creationId xmlns:p14="http://schemas.microsoft.com/office/powerpoint/2010/main" val="2442419145"/>
       </p:ext>
     </p:extLst>
   </p:cSld>
@@ -11522,8 +11507,8 @@
         </p:nvSpPr>
         <p:spPr>
           <a:xfrm>
-            <a:off x="457200" y="566670"/>
-            <a:ext cx="8229600" cy="540913"/>
+            <a:off x="628650" y="444137"/>
+            <a:ext cx="7886700" cy="653143"/>
           </a:xfrm>
         </p:spPr>
         <p:txBody>
@@ -11558,7 +11543,7 @@
                 <a:latin typeface="Times New Roman" panose="02020603050405020304" pitchFamily="18" charset="0"/>
                 <a:cs typeface="Times New Roman" panose="02020603050405020304" pitchFamily="18" charset="0"/>
               </a:rPr>
-              <a:t>During</a:t>
+              <a:t>After</a:t>
             </a:r>
             <a:r>
               <a:rPr lang="it-IT" sz="2800" b="1" i="1" dirty="0" smtClean="0">
@@ -11572,134 +11557,9 @@
                 <a:latin typeface="Times New Roman" panose="02020603050405020304" pitchFamily="18" charset="0"/>
                 <a:cs typeface="Times New Roman" panose="02020603050405020304" pitchFamily="18" charset="0"/>
               </a:rPr>
-              <a:t>(9)</a:t>
+              <a:t>(2)</a:t>
             </a:r>
             <a:endParaRPr lang="it-IT" sz="2800" i="1" dirty="0"/>
-          </a:p>
-        </p:txBody>
-      </p:sp>
-      <p:sp>
-        <p:nvSpPr>
-          <p:cNvPr id="3" name="Segnaposto contenuto 2"/>
-          <p:cNvSpPr>
-            <a:spLocks noGrp="1"/>
-          </p:cNvSpPr>
-          <p:nvPr>
-            <p:ph sz="half" idx="2"/>
-          </p:nvPr>
-        </p:nvSpPr>
-        <p:spPr/>
-        <p:txBody>
-          <a:bodyPr>
-            <a:normAutofit/>
-          </a:bodyPr>
-          <a:lstStyle/>
-          <a:p>
-            <a:pPr marL="0" indent="0">
-              <a:buNone/>
-            </a:pPr>
-            <a:endParaRPr lang="it-IT" sz="2000" dirty="0">
-              <a:latin typeface="Times New Roman" panose="02020603050405020304" pitchFamily="18" charset="0"/>
-              <a:cs typeface="Times New Roman" panose="02020603050405020304" pitchFamily="18" charset="0"/>
-            </a:endParaRPr>
-          </a:p>
-          <a:p>
-            <a:pPr marL="0" indent="0" algn="just">
-              <a:buNone/>
-            </a:pPr>
-            <a:r>
-              <a:rPr lang="it-IT" sz="2000" dirty="0" smtClean="0">
-                <a:latin typeface="Times New Roman" panose="02020603050405020304" pitchFamily="18" charset="0"/>
-                <a:cs typeface="Times New Roman" panose="02020603050405020304" pitchFamily="18" charset="0"/>
-              </a:rPr>
-              <a:t>- Fase di registrazione (Prototipo 1): l’utente non è riuscito a comprendere perché non potesse completare il task in quanto la </a:t>
-            </a:r>
-            <a:r>
-              <a:rPr lang="it-IT" sz="2000" dirty="0" err="1" smtClean="0">
-                <a:latin typeface="Times New Roman" panose="02020603050405020304" pitchFamily="18" charset="0"/>
-                <a:cs typeface="Times New Roman" panose="02020603050405020304" pitchFamily="18" charset="0"/>
-              </a:rPr>
-              <a:t>navigation</a:t>
-            </a:r>
-            <a:r>
-              <a:rPr lang="it-IT" sz="2000" dirty="0" smtClean="0">
-                <a:latin typeface="Times New Roman" panose="02020603050405020304" pitchFamily="18" charset="0"/>
-                <a:cs typeface="Times New Roman" panose="02020603050405020304" pitchFamily="18" charset="0"/>
-              </a:rPr>
-              <a:t> bar posta in alto non è molto intuitiva</a:t>
-            </a:r>
-            <a:r>
-              <a:rPr lang="it-IT" sz="2000" dirty="0">
-                <a:latin typeface="Times New Roman" panose="02020603050405020304" pitchFamily="18" charset="0"/>
-                <a:cs typeface="Times New Roman" panose="02020603050405020304" pitchFamily="18" charset="0"/>
-              </a:rPr>
-              <a:t>;</a:t>
-            </a:r>
-            <a:endParaRPr lang="it-IT" sz="2000" dirty="0" smtClean="0">
-              <a:latin typeface="Times New Roman" panose="02020603050405020304" pitchFamily="18" charset="0"/>
-              <a:cs typeface="Times New Roman" panose="02020603050405020304" pitchFamily="18" charset="0"/>
-            </a:endParaRPr>
-          </a:p>
-          <a:p>
-            <a:pPr algn="just">
-              <a:buFontTx/>
-              <a:buChar char="-"/>
-            </a:pPr>
-            <a:endParaRPr lang="it-IT" sz="2000" dirty="0">
-              <a:latin typeface="Times New Roman" panose="02020603050405020304" pitchFamily="18" charset="0"/>
-              <a:cs typeface="Times New Roman" panose="02020603050405020304" pitchFamily="18" charset="0"/>
-            </a:endParaRPr>
-          </a:p>
-          <a:p>
-            <a:pPr marL="0" indent="0" algn="just">
-              <a:buNone/>
-            </a:pPr>
-            <a:r>
-              <a:rPr lang="it-IT" sz="2000" dirty="0" smtClean="0">
-                <a:latin typeface="Times New Roman" panose="02020603050405020304" pitchFamily="18" charset="0"/>
-                <a:cs typeface="Times New Roman" panose="02020603050405020304" pitchFamily="18" charset="0"/>
-              </a:rPr>
-              <a:t>- Aggiungere una sigaretta: se l’utente clicca erroneamente sul </a:t>
-            </a:r>
-            <a:r>
-              <a:rPr lang="it-IT" sz="2000" dirty="0">
-                <a:latin typeface="Times New Roman" panose="02020603050405020304" pitchFamily="18" charset="0"/>
-                <a:cs typeface="Times New Roman" panose="02020603050405020304" pitchFamily="18" charset="0"/>
-              </a:rPr>
-              <a:t>pulsante “</a:t>
-            </a:r>
-            <a:r>
-              <a:rPr lang="it-IT" sz="2000" dirty="0" err="1">
-                <a:latin typeface="Times New Roman" panose="02020603050405020304" pitchFamily="18" charset="0"/>
-                <a:cs typeface="Times New Roman" panose="02020603050405020304" pitchFamily="18" charset="0"/>
-              </a:rPr>
-              <a:t>Add</a:t>
-            </a:r>
-            <a:r>
-              <a:rPr lang="it-IT" sz="2000" dirty="0">
-                <a:latin typeface="Times New Roman" panose="02020603050405020304" pitchFamily="18" charset="0"/>
-                <a:cs typeface="Times New Roman" panose="02020603050405020304" pitchFamily="18" charset="0"/>
-              </a:rPr>
-              <a:t> a </a:t>
-            </a:r>
-            <a:r>
-              <a:rPr lang="it-IT" sz="2000" dirty="0" err="1" smtClean="0">
-                <a:latin typeface="Times New Roman" panose="02020603050405020304" pitchFamily="18" charset="0"/>
-                <a:cs typeface="Times New Roman" panose="02020603050405020304" pitchFamily="18" charset="0"/>
-              </a:rPr>
-              <a:t>cigarette</a:t>
-            </a:r>
-            <a:r>
-              <a:rPr lang="it-IT" sz="2000" dirty="0" smtClean="0">
-                <a:latin typeface="Times New Roman" panose="02020603050405020304" pitchFamily="18" charset="0"/>
-                <a:cs typeface="Times New Roman" panose="02020603050405020304" pitchFamily="18" charset="0"/>
-              </a:rPr>
-              <a:t>” non è più possibile eliminarla (limite nella gestione degli errori).</a:t>
-            </a:r>
-            <a:endParaRPr lang="it-IT" sz="2000" dirty="0">
-              <a:latin typeface="Times New Roman" panose="02020603050405020304" pitchFamily="18" charset="0"/>
-              <a:cs typeface="Times New Roman" panose="02020603050405020304" pitchFamily="18" charset="0"/>
-            </a:endParaRPr>
           </a:p>
         </p:txBody>
       </p:sp>
@@ -11713,8 +11573,8 @@
         </p:nvSpPr>
         <p:spPr>
           <a:xfrm>
-            <a:off x="628650" y="1254036"/>
-            <a:ext cx="7886700" cy="627016"/>
+            <a:off x="628650" y="1254034"/>
+            <a:ext cx="7886700" cy="5301311"/>
           </a:xfrm>
           <a:prstGeom prst="rect">
             <a:avLst/>
@@ -11735,73 +11595,192 @@
               </a:spcBef>
             </a:pPr>
             <a:r>
-              <a:rPr lang="it-IT" sz="2500" b="1" dirty="0" err="1" smtClean="0">
-                <a:latin typeface="Times New Roman" panose="02020603050405020304" pitchFamily="18" charset="0"/>
-                <a:cs typeface="Times New Roman" panose="02020603050405020304" pitchFamily="18" charset="0"/>
-              </a:rPr>
-              <a:t>Thinking</a:t>
-            </a:r>
-            <a:r>
               <a:rPr lang="it-IT" sz="2500" b="1" dirty="0" smtClean="0">
                 <a:latin typeface="Times New Roman" panose="02020603050405020304" pitchFamily="18" charset="0"/>
                 <a:cs typeface="Times New Roman" panose="02020603050405020304" pitchFamily="18" charset="0"/>
               </a:rPr>
-              <a:t> </a:t>
-            </a:r>
-            <a:r>
-              <a:rPr lang="it-IT" sz="2500" b="1" dirty="0" err="1" smtClean="0">
-                <a:latin typeface="Times New Roman" panose="02020603050405020304" pitchFamily="18" charset="0"/>
-                <a:cs typeface="Times New Roman" panose="02020603050405020304" pitchFamily="18" charset="0"/>
-              </a:rPr>
-              <a:t>Aloud</a:t>
-            </a:r>
-            <a:r>
-              <a:rPr lang="it-IT" sz="2500" b="1" dirty="0" smtClean="0">
-                <a:latin typeface="Times New Roman" panose="02020603050405020304" pitchFamily="18" charset="0"/>
-                <a:cs typeface="Times New Roman" panose="02020603050405020304" pitchFamily="18" charset="0"/>
-              </a:rPr>
-              <a:t> – Tester n° 2 (Ottavio)</a:t>
+              <a:t>Task 2 – Selezionare un obiettivo</a:t>
             </a:r>
             <a:endParaRPr lang="it-IT" sz="2500" dirty="0" smtClean="0">
               <a:latin typeface="Times New Roman" panose="02020603050405020304" pitchFamily="18" charset="0"/>
               <a:cs typeface="Times New Roman" panose="02020603050405020304" pitchFamily="18" charset="0"/>
             </a:endParaRPr>
           </a:p>
+          <a:p>
+            <a:pPr algn="just"/>
+            <a:endParaRPr lang="it-IT" sz="2000" dirty="0" smtClean="0">
+              <a:latin typeface="Times New Roman" panose="02020603050405020304" pitchFamily="18" charset="0"/>
+              <a:cs typeface="Times New Roman" panose="02020603050405020304" pitchFamily="18" charset="0"/>
+            </a:endParaRPr>
+          </a:p>
+          <a:p>
+            <a:r>
+              <a:rPr lang="it-IT" sz="2600" dirty="0" smtClean="0"/>
+              <a:t> </a:t>
+            </a:r>
+          </a:p>
+          <a:p>
+            <a:pPr marL="457200" lvl="0" indent="-457200" algn="just">
+              <a:buFont typeface="+mj-lt"/>
+              <a:buAutoNum type="arabicPeriod"/>
+            </a:pPr>
+            <a:r>
+              <a:rPr lang="it-IT" sz="2000" dirty="0" smtClean="0">
+                <a:latin typeface="Times New Roman" panose="02020603050405020304" pitchFamily="18" charset="0"/>
+                <a:cs typeface="Times New Roman" panose="02020603050405020304" pitchFamily="18" charset="0"/>
+              </a:rPr>
+              <a:t>È chiaro sin da subito come passare dalla Home alla schermata degli obiettivi (“</a:t>
+            </a:r>
+            <a:r>
+              <a:rPr lang="it-IT" sz="2000" dirty="0" err="1" smtClean="0">
+                <a:latin typeface="Times New Roman" panose="02020603050405020304" pitchFamily="18" charset="0"/>
+                <a:cs typeface="Times New Roman" panose="02020603050405020304" pitchFamily="18" charset="0"/>
+              </a:rPr>
+              <a:t>Goals</a:t>
+            </a:r>
+            <a:r>
+              <a:rPr lang="it-IT" sz="2000" dirty="0" smtClean="0">
+                <a:latin typeface="Times New Roman" panose="02020603050405020304" pitchFamily="18" charset="0"/>
+                <a:cs typeface="Times New Roman" panose="02020603050405020304" pitchFamily="18" charset="0"/>
+              </a:rPr>
+              <a:t>”).</a:t>
+            </a:r>
+          </a:p>
+          <a:p>
+            <a:pPr algn="just"/>
+            <a:r>
+              <a:rPr lang="it-IT" sz="2000" dirty="0" smtClean="0">
+                <a:latin typeface="Times New Roman" panose="02020603050405020304" pitchFamily="18" charset="0"/>
+                <a:cs typeface="Times New Roman" panose="02020603050405020304" pitchFamily="18" charset="0"/>
+              </a:rPr>
+              <a:t>			1    2    3    4    5</a:t>
+            </a:r>
+          </a:p>
+          <a:p>
+            <a:pPr marL="457200" lvl="0" indent="-457200" algn="just">
+              <a:buFont typeface="+mj-lt"/>
+              <a:buAutoNum type="arabicPeriod" startAt="2"/>
+            </a:pPr>
+            <a:r>
+              <a:rPr lang="it-IT" sz="2000" dirty="0" smtClean="0">
+                <a:latin typeface="Times New Roman" panose="02020603050405020304" pitchFamily="18" charset="0"/>
+                <a:cs typeface="Times New Roman" panose="02020603050405020304" pitchFamily="18" charset="0"/>
+              </a:rPr>
+              <a:t>Intuitività nella scelta dell’obiettivo.</a:t>
+            </a:r>
+          </a:p>
+          <a:p>
+            <a:pPr algn="just"/>
+            <a:r>
+              <a:rPr lang="it-IT" sz="2000" dirty="0" smtClean="0">
+                <a:latin typeface="Times New Roman" panose="02020603050405020304" pitchFamily="18" charset="0"/>
+                <a:cs typeface="Times New Roman" panose="02020603050405020304" pitchFamily="18" charset="0"/>
+              </a:rPr>
+              <a:t>			1    2    3    4    5</a:t>
+            </a:r>
+          </a:p>
+          <a:p>
+            <a:pPr marL="457200" lvl="0" indent="-457200" algn="just">
+              <a:buFont typeface="+mj-lt"/>
+              <a:buAutoNum type="arabicPeriod" startAt="3"/>
+            </a:pPr>
+            <a:r>
+              <a:rPr lang="it-IT" sz="2000" dirty="0" smtClean="0">
+                <a:latin typeface="Times New Roman" panose="02020603050405020304" pitchFamily="18" charset="0"/>
+                <a:cs typeface="Times New Roman" panose="02020603050405020304" pitchFamily="18" charset="0"/>
+              </a:rPr>
+              <a:t>È sempre possibile conoscere lo stato del sistema.</a:t>
+            </a:r>
+          </a:p>
+          <a:p>
+            <a:pPr algn="just"/>
+            <a:r>
+              <a:rPr lang="it-IT" sz="2000" dirty="0" smtClean="0">
+                <a:latin typeface="Times New Roman" panose="02020603050405020304" pitchFamily="18" charset="0"/>
+                <a:cs typeface="Times New Roman" panose="02020603050405020304" pitchFamily="18" charset="0"/>
+              </a:rPr>
+              <a:t>			1    2    3    4    5</a:t>
+            </a:r>
+          </a:p>
+          <a:p>
+            <a:pPr marL="457200" lvl="0" indent="-457200" algn="just">
+              <a:buFont typeface="+mj-lt"/>
+              <a:buAutoNum type="arabicPeriod" startAt="4"/>
+            </a:pPr>
+            <a:r>
+              <a:rPr lang="it-IT" sz="2000" dirty="0" smtClean="0">
+                <a:latin typeface="Times New Roman" panose="02020603050405020304" pitchFamily="18" charset="0"/>
+                <a:cs typeface="Times New Roman" panose="02020603050405020304" pitchFamily="18" charset="0"/>
+              </a:rPr>
+              <a:t>È sempre possibile capire e correggere gli errori commessi.</a:t>
+            </a:r>
+          </a:p>
+          <a:p>
+            <a:pPr algn="just"/>
+            <a:r>
+              <a:rPr lang="it-IT" sz="2000" dirty="0" smtClean="0">
+                <a:latin typeface="Times New Roman" panose="02020603050405020304" pitchFamily="18" charset="0"/>
+                <a:cs typeface="Times New Roman" panose="02020603050405020304" pitchFamily="18" charset="0"/>
+              </a:rPr>
+              <a:t>			1    2    3    4    5</a:t>
+            </a:r>
+          </a:p>
+          <a:p>
+            <a:pPr marL="457200" lvl="0" indent="-457200" algn="just">
+              <a:buFont typeface="+mj-lt"/>
+              <a:buAutoNum type="arabicPeriod" startAt="5"/>
+            </a:pPr>
+            <a:r>
+              <a:rPr lang="it-IT" sz="2000" dirty="0" smtClean="0">
+                <a:latin typeface="Times New Roman" panose="02020603050405020304" pitchFamily="18" charset="0"/>
+                <a:cs typeface="Times New Roman" panose="02020603050405020304" pitchFamily="18" charset="0"/>
+              </a:rPr>
+              <a:t>È intuitivo tornare alla pagina principale.</a:t>
+            </a:r>
+          </a:p>
+          <a:p>
+            <a:pPr algn="just"/>
+            <a:r>
+              <a:rPr lang="it-IT" sz="2000" dirty="0" smtClean="0">
+                <a:latin typeface="Times New Roman" panose="02020603050405020304" pitchFamily="18" charset="0"/>
+                <a:cs typeface="Times New Roman" panose="02020603050405020304" pitchFamily="18" charset="0"/>
+              </a:rPr>
+              <a:t>			1    2    3    4    5</a:t>
+            </a:r>
+          </a:p>
+          <a:p>
+            <a:pPr marL="457200" lvl="0" indent="-457200" algn="just">
+              <a:buFont typeface="+mj-lt"/>
+              <a:buAutoNum type="arabicPeriod" startAt="6"/>
+            </a:pPr>
+            <a:r>
+              <a:rPr lang="it-IT" sz="2000" dirty="0" smtClean="0">
+                <a:latin typeface="Times New Roman" panose="02020603050405020304" pitchFamily="18" charset="0"/>
+                <a:cs typeface="Times New Roman" panose="02020603050405020304" pitchFamily="18" charset="0"/>
+              </a:rPr>
+              <a:t>È noto che l’obiettivo scelto è visualizzato nella Home.</a:t>
+            </a:r>
+          </a:p>
+          <a:p>
+            <a:pPr algn="just"/>
+            <a:r>
+              <a:rPr lang="it-IT" sz="2000" dirty="0" smtClean="0">
+                <a:latin typeface="Times New Roman" panose="02020603050405020304" pitchFamily="18" charset="0"/>
+                <a:cs typeface="Times New Roman" panose="02020603050405020304" pitchFamily="18" charset="0"/>
+              </a:rPr>
+              <a:t>			1    2    3    4    5</a:t>
+            </a:r>
+            <a:endParaRPr lang="it-IT" sz="2000" dirty="0">
+              <a:latin typeface="Times New Roman" panose="02020603050405020304" pitchFamily="18" charset="0"/>
+              <a:cs typeface="Times New Roman" panose="02020603050405020304" pitchFamily="18" charset="0"/>
+            </a:endParaRPr>
+          </a:p>
         </p:txBody>
       </p:sp>
-      <p:pic>
-        <p:nvPicPr>
-          <p:cNvPr id="10" name="Segnaposto contenuto 9"/>
-          <p:cNvPicPr>
-            <a:picLocks noGrp="1" noChangeAspect="1"/>
-          </p:cNvPicPr>
-          <p:nvPr>
-            <p:ph sz="half" idx="1"/>
-          </p:nvPr>
-        </p:nvPicPr>
-        <p:blipFill>
-          <a:blip r:embed="rId2" cstate="print">
-            <a:extLst>
-              <a:ext uri="{28A0092B-C50C-407E-A947-70E740481C1C}">
-                <a14:useLocalDpi xmlns:a14="http://schemas.microsoft.com/office/drawing/2010/main" xmlns="" val="0"/>
-              </a:ext>
-            </a:extLst>
-          </a:blip>
-          <a:stretch>
-            <a:fillRect/>
-          </a:stretch>
-        </p:blipFill>
-        <p:spPr>
-          <a:xfrm>
-            <a:off x="457200" y="2580468"/>
-            <a:ext cx="4038600" cy="3114701"/>
-          </a:xfrm>
-        </p:spPr>
-      </p:pic>
     </p:spTree>
     <p:extLst>
       <p:ext uri="{BB962C8B-B14F-4D97-AF65-F5344CB8AC3E}">
-        <p14:creationId xmlns:p14="http://schemas.microsoft.com/office/powerpoint/2010/main" xmlns="" val="2442419145"/>
+        <p14:creationId xmlns:p14="http://schemas.microsoft.com/office/powerpoint/2010/main" val="2442419145"/>
       </p:ext>
     </p:extLst>
   </p:cSld>
@@ -11876,7 +11855,7 @@
                 <a:latin typeface="Times New Roman" panose="02020603050405020304" pitchFamily="18" charset="0"/>
                 <a:cs typeface="Times New Roman" panose="02020603050405020304" pitchFamily="18" charset="0"/>
               </a:rPr>
-              <a:t>During</a:t>
+              <a:t>After</a:t>
             </a:r>
             <a:r>
               <a:rPr lang="it-IT" sz="2800" b="1" i="1" dirty="0" smtClean="0">
@@ -11886,18 +11865,11 @@
               <a:t> the test </a:t>
             </a:r>
             <a:r>
-              <a:rPr lang="it-IT" sz="2800" b="1" dirty="0">
-                <a:latin typeface="Times New Roman" panose="02020603050405020304" pitchFamily="18" charset="0"/>
-                <a:cs typeface="Times New Roman" panose="02020603050405020304" pitchFamily="18" charset="0"/>
-              </a:rPr>
-              <a:t>(</a:t>
-            </a:r>
-            <a:r>
               <a:rPr lang="it-IT" sz="2800" b="1" dirty="0" smtClean="0">
                 <a:latin typeface="Times New Roman" panose="02020603050405020304" pitchFamily="18" charset="0"/>
                 <a:cs typeface="Times New Roman" panose="02020603050405020304" pitchFamily="18" charset="0"/>
               </a:rPr>
-              <a:t>10)</a:t>
+              <a:t>(3)</a:t>
             </a:r>
             <a:endParaRPr lang="it-IT" sz="2800" i="1" dirty="0"/>
           </a:p>
@@ -11913,8 +11885,8 @@
         </p:nvSpPr>
         <p:spPr>
           <a:xfrm>
-            <a:off x="628650" y="1254036"/>
-            <a:ext cx="7886700" cy="627016"/>
+            <a:off x="628650" y="1254034"/>
+            <a:ext cx="7886700" cy="5301311"/>
           </a:xfrm>
           <a:prstGeom prst="rect">
             <a:avLst/>
@@ -11935,180 +11907,223 @@
               </a:spcBef>
             </a:pPr>
             <a:r>
+              <a:rPr lang="it-IT" sz="2500" b="1" dirty="0" smtClean="0">
+                <a:latin typeface="Times New Roman" panose="02020603050405020304" pitchFamily="18" charset="0"/>
+                <a:cs typeface="Times New Roman" panose="02020603050405020304" pitchFamily="18" charset="0"/>
+              </a:rPr>
+              <a:t>Task 3 – Vincere il premio “</a:t>
+            </a:r>
+            <a:r>
               <a:rPr lang="it-IT" sz="2500" b="1" dirty="0" err="1" smtClean="0">
                 <a:latin typeface="Times New Roman" panose="02020603050405020304" pitchFamily="18" charset="0"/>
                 <a:cs typeface="Times New Roman" panose="02020603050405020304" pitchFamily="18" charset="0"/>
               </a:rPr>
-              <a:t>Thinking</a:t>
+              <a:t>Defeat</a:t>
             </a:r>
             <a:r>
               <a:rPr lang="it-IT" sz="2500" b="1" dirty="0" smtClean="0">
                 <a:latin typeface="Times New Roman" panose="02020603050405020304" pitchFamily="18" charset="0"/>
                 <a:cs typeface="Times New Roman" panose="02020603050405020304" pitchFamily="18" charset="0"/>
               </a:rPr>
-              <a:t> </a:t>
+              <a:t> the </a:t>
             </a:r>
             <a:r>
               <a:rPr lang="it-IT" sz="2500" b="1" dirty="0" err="1" smtClean="0">
                 <a:latin typeface="Times New Roman" panose="02020603050405020304" pitchFamily="18" charset="0"/>
                 <a:cs typeface="Times New Roman" panose="02020603050405020304" pitchFamily="18" charset="0"/>
               </a:rPr>
-              <a:t>Aloud</a:t>
+              <a:t>temptation</a:t>
             </a:r>
             <a:r>
               <a:rPr lang="it-IT" sz="2500" b="1" dirty="0" smtClean="0">
                 <a:latin typeface="Times New Roman" panose="02020603050405020304" pitchFamily="18" charset="0"/>
                 <a:cs typeface="Times New Roman" panose="02020603050405020304" pitchFamily="18" charset="0"/>
               </a:rPr>
-              <a:t> – Tester </a:t>
-            </a:r>
-            <a:r>
-              <a:rPr lang="it-IT" sz="2500" b="1" dirty="0" err="1" smtClean="0">
-                <a:latin typeface="Times New Roman" panose="02020603050405020304" pitchFamily="18" charset="0"/>
-                <a:cs typeface="Times New Roman" panose="02020603050405020304" pitchFamily="18" charset="0"/>
-              </a:rPr>
-              <a:t>n°</a:t>
-            </a:r>
-            <a:r>
-              <a:rPr lang="it-IT" sz="2500" b="1" dirty="0" smtClean="0">
-                <a:latin typeface="Times New Roman" panose="02020603050405020304" pitchFamily="18" charset="0"/>
-                <a:cs typeface="Times New Roman" panose="02020603050405020304" pitchFamily="18" charset="0"/>
-              </a:rPr>
-              <a:t> 3 (Pamela)</a:t>
-            </a:r>
+              <a:t>”</a:t>
+            </a:r>
+          </a:p>
+          <a:p>
+            <a:pPr lvl="0" algn="ctr">
+              <a:lnSpc>
+                <a:spcPct val="120000"/>
+              </a:lnSpc>
+              <a:spcBef>
+                <a:spcPts val="1000"/>
+              </a:spcBef>
+            </a:pPr>
             <a:endParaRPr lang="it-IT" sz="2500" dirty="0" smtClean="0">
               <a:latin typeface="Times New Roman" panose="02020603050405020304" pitchFamily="18" charset="0"/>
               <a:cs typeface="Times New Roman" panose="02020603050405020304" pitchFamily="18" charset="0"/>
             </a:endParaRPr>
           </a:p>
-        </p:txBody>
-      </p:sp>
-      <p:sp>
-        <p:nvSpPr>
-          <p:cNvPr id="4" name="Rettangolo 3"/>
-          <p:cNvSpPr/>
-          <p:nvPr/>
-        </p:nvSpPr>
-        <p:spPr>
-          <a:xfrm>
-            <a:off x="509451" y="1841242"/>
-            <a:ext cx="3801292" cy="5016758"/>
-          </a:xfrm>
-          <a:prstGeom prst="rect">
-            <a:avLst/>
-          </a:prstGeom>
-        </p:spPr>
-        <p:txBody>
-          <a:bodyPr wrap="square">
-            <a:spAutoFit/>
-          </a:bodyPr>
-          <a:lstStyle/>
-          <a:p>
-            <a:pPr lvl="0" algn="just">
-              <a:buFontTx/>
-              <a:buChar char="-"/>
-            </a:pPr>
-            <a:r>
-              <a:rPr lang="it-IT" sz="2000" dirty="0" smtClean="0"/>
-              <a:t> </a:t>
-            </a:r>
-            <a:r>
-              <a:rPr lang="it-IT" sz="2000" dirty="0" smtClean="0">
-                <a:latin typeface="Times New Roman" panose="02020603050405020304" pitchFamily="18" charset="0"/>
-                <a:cs typeface="Times New Roman" panose="02020603050405020304" pitchFamily="18" charset="0"/>
-              </a:rPr>
-              <a:t>Fase di registrazione (Prototipo 1): le caselle di input non sono evidenti e la loro individuazione non è di immediata intuizione.</a:t>
-            </a:r>
-          </a:p>
-          <a:p>
-            <a:pPr lvl="0" algn="just"/>
+          <a:p>
+            <a:pPr lvl="0"/>
+            <a:r>
+              <a:rPr lang="it-IT" sz="2000" dirty="0" smtClean="0">
+                <a:latin typeface="Times New Roman" panose="02020603050405020304" pitchFamily="18" charset="0"/>
+                <a:cs typeface="Times New Roman" panose="02020603050405020304" pitchFamily="18" charset="0"/>
+              </a:rPr>
+              <a:t>1.   La </a:t>
+            </a:r>
+            <a:r>
+              <a:rPr lang="it-IT" sz="2000" dirty="0">
+                <a:latin typeface="Times New Roman" panose="02020603050405020304" pitchFamily="18" charset="0"/>
+                <a:cs typeface="Times New Roman" panose="02020603050405020304" pitchFamily="18" charset="0"/>
+              </a:rPr>
+              <a:t>modalità con la quale si può vincere il </a:t>
+            </a:r>
+            <a:r>
+              <a:rPr lang="it-IT" sz="2000" dirty="0" smtClean="0">
+                <a:latin typeface="Times New Roman" panose="02020603050405020304" pitchFamily="18" charset="0"/>
+                <a:cs typeface="Times New Roman" panose="02020603050405020304" pitchFamily="18" charset="0"/>
+              </a:rPr>
+              <a:t>premio è ben spiegata.</a:t>
+            </a:r>
+          </a:p>
+          <a:p>
+            <a:pPr algn="ctr"/>
+            <a:r>
+              <a:rPr lang="it-IT" sz="2000" dirty="0" smtClean="0">
+                <a:latin typeface="Times New Roman" panose="02020603050405020304" pitchFamily="18" charset="0"/>
+                <a:cs typeface="Times New Roman" panose="02020603050405020304" pitchFamily="18" charset="0"/>
+              </a:rPr>
+              <a:t>1    2    3    4    5</a:t>
+            </a:r>
+          </a:p>
+          <a:p>
+            <a:pPr lvl="0"/>
+            <a:r>
+              <a:rPr lang="it-IT" sz="2000" dirty="0" smtClean="0">
+                <a:latin typeface="Times New Roman" panose="02020603050405020304" pitchFamily="18" charset="0"/>
+                <a:cs typeface="Times New Roman" panose="02020603050405020304" pitchFamily="18" charset="0"/>
+              </a:rPr>
+              <a:t>2.   L’interfaccia </a:t>
+            </a:r>
+            <a:r>
+              <a:rPr lang="it-IT" sz="2000" dirty="0">
+                <a:latin typeface="Times New Roman" panose="02020603050405020304" pitchFamily="18" charset="0"/>
+                <a:cs typeface="Times New Roman" panose="02020603050405020304" pitchFamily="18" charset="0"/>
+              </a:rPr>
+              <a:t>è intuitiva.</a:t>
+            </a:r>
+          </a:p>
+          <a:p>
+            <a:pPr algn="ctr"/>
+            <a:r>
+              <a:rPr lang="it-IT" sz="2000" dirty="0">
+                <a:latin typeface="Times New Roman" panose="02020603050405020304" pitchFamily="18" charset="0"/>
+                <a:cs typeface="Times New Roman" panose="02020603050405020304" pitchFamily="18" charset="0"/>
+              </a:rPr>
+              <a:t>1    2    3    4    5</a:t>
+            </a:r>
+          </a:p>
+          <a:p>
+            <a:pPr lvl="0"/>
+            <a:r>
+              <a:rPr lang="it-IT" sz="2000" dirty="0" smtClean="0">
+                <a:latin typeface="Times New Roman" panose="02020603050405020304" pitchFamily="18" charset="0"/>
+                <a:cs typeface="Times New Roman" panose="02020603050405020304" pitchFamily="18" charset="0"/>
+              </a:rPr>
+              <a:t>3.   I </a:t>
+            </a:r>
+            <a:r>
+              <a:rPr lang="it-IT" sz="2000" dirty="0">
+                <a:latin typeface="Times New Roman" panose="02020603050405020304" pitchFamily="18" charset="0"/>
+                <a:cs typeface="Times New Roman" panose="02020603050405020304" pitchFamily="18" charset="0"/>
+              </a:rPr>
+              <a:t>collegamenti fra le schermate sono coerenti.</a:t>
+            </a:r>
+          </a:p>
+          <a:p>
+            <a:pPr algn="ctr"/>
+            <a:r>
+              <a:rPr lang="it-IT" sz="2000" dirty="0">
+                <a:latin typeface="Times New Roman" panose="02020603050405020304" pitchFamily="18" charset="0"/>
+                <a:cs typeface="Times New Roman" panose="02020603050405020304" pitchFamily="18" charset="0"/>
+              </a:rPr>
+              <a:t>1    2    3    4    5</a:t>
+            </a:r>
+          </a:p>
+          <a:p>
+            <a:pPr lvl="0"/>
+            <a:r>
+              <a:rPr lang="it-IT" sz="2000" dirty="0" smtClean="0">
+                <a:latin typeface="Times New Roman" panose="02020603050405020304" pitchFamily="18" charset="0"/>
+                <a:cs typeface="Times New Roman" panose="02020603050405020304" pitchFamily="18" charset="0"/>
+              </a:rPr>
+              <a:t>4.   È </a:t>
+            </a:r>
+            <a:r>
+              <a:rPr lang="it-IT" sz="2000" dirty="0">
+                <a:latin typeface="Times New Roman" panose="02020603050405020304" pitchFamily="18" charset="0"/>
+                <a:cs typeface="Times New Roman" panose="02020603050405020304" pitchFamily="18" charset="0"/>
+              </a:rPr>
+              <a:t>possibile gestire gli errori.</a:t>
+            </a:r>
+          </a:p>
+          <a:p>
+            <a:pPr algn="ctr"/>
+            <a:r>
+              <a:rPr lang="it-IT" sz="2000" dirty="0">
+                <a:latin typeface="Times New Roman" panose="02020603050405020304" pitchFamily="18" charset="0"/>
+                <a:cs typeface="Times New Roman" panose="02020603050405020304" pitchFamily="18" charset="0"/>
+              </a:rPr>
+              <a:t>1    2    3    4    5</a:t>
+            </a:r>
+          </a:p>
+          <a:p>
+            <a:pPr lvl="0"/>
+            <a:r>
+              <a:rPr lang="it-IT" sz="2000" dirty="0" smtClean="0">
+                <a:latin typeface="Times New Roman" panose="02020603050405020304" pitchFamily="18" charset="0"/>
+                <a:cs typeface="Times New Roman" panose="02020603050405020304" pitchFamily="18" charset="0"/>
+              </a:rPr>
+              <a:t>5.   È </a:t>
+            </a:r>
+            <a:r>
+              <a:rPr lang="it-IT" sz="2000" dirty="0">
+                <a:latin typeface="Times New Roman" panose="02020603050405020304" pitchFamily="18" charset="0"/>
+                <a:cs typeface="Times New Roman" panose="02020603050405020304" pitchFamily="18" charset="0"/>
+              </a:rPr>
+              <a:t>possibile individuare facilmente quali premi sono stati vinti e quali </a:t>
+            </a:r>
+            <a:r>
+              <a:rPr lang="it-IT" sz="2000" dirty="0" smtClean="0">
+                <a:latin typeface="Times New Roman" panose="02020603050405020304" pitchFamily="18" charset="0"/>
+                <a:cs typeface="Times New Roman" panose="02020603050405020304" pitchFamily="18" charset="0"/>
+              </a:rPr>
+              <a:t>        no</a:t>
+            </a:r>
+            <a:r>
+              <a:rPr lang="it-IT" sz="2000" dirty="0">
+                <a:latin typeface="Times New Roman" panose="02020603050405020304" pitchFamily="18" charset="0"/>
+                <a:cs typeface="Times New Roman" panose="02020603050405020304" pitchFamily="18" charset="0"/>
+              </a:rPr>
+              <a:t>.</a:t>
+            </a:r>
+          </a:p>
+          <a:p>
+            <a:pPr algn="ctr"/>
+            <a:r>
+              <a:rPr lang="it-IT" sz="2000" dirty="0">
+                <a:latin typeface="Times New Roman" panose="02020603050405020304" pitchFamily="18" charset="0"/>
+                <a:cs typeface="Times New Roman" panose="02020603050405020304" pitchFamily="18" charset="0"/>
+              </a:rPr>
+              <a:t>1    2    3    4    5</a:t>
+            </a:r>
+          </a:p>
+          <a:p>
             <a:endParaRPr lang="it-IT" sz="2000" dirty="0" smtClean="0">
               <a:latin typeface="Times New Roman" panose="02020603050405020304" pitchFamily="18" charset="0"/>
               <a:cs typeface="Times New Roman" panose="02020603050405020304" pitchFamily="18" charset="0"/>
             </a:endParaRPr>
           </a:p>
-          <a:p>
-            <a:pPr lvl="0" algn="just"/>
-            <a:r>
-              <a:rPr lang="it-IT" sz="2000" dirty="0" smtClean="0">
-                <a:latin typeface="Times New Roman" panose="02020603050405020304" pitchFamily="18" charset="0"/>
-                <a:cs typeface="Times New Roman" panose="02020603050405020304" pitchFamily="18" charset="0"/>
-              </a:rPr>
-              <a:t>- Aggiungere una sigaretta: dopo aver cliccato sul pulsante “</a:t>
-            </a:r>
-            <a:r>
-              <a:rPr lang="it-IT" sz="2000" dirty="0" err="1" smtClean="0">
-                <a:latin typeface="Times New Roman" panose="02020603050405020304" pitchFamily="18" charset="0"/>
-                <a:cs typeface="Times New Roman" panose="02020603050405020304" pitchFamily="18" charset="0"/>
-              </a:rPr>
-              <a:t>Add</a:t>
-            </a:r>
-            <a:r>
-              <a:rPr lang="it-IT" sz="2000" dirty="0" smtClean="0">
-                <a:latin typeface="Times New Roman" panose="02020603050405020304" pitchFamily="18" charset="0"/>
-                <a:cs typeface="Times New Roman" panose="02020603050405020304" pitchFamily="18" charset="0"/>
-              </a:rPr>
-              <a:t> a </a:t>
-            </a:r>
-            <a:r>
-              <a:rPr lang="it-IT" sz="2000" dirty="0" err="1" smtClean="0">
-                <a:latin typeface="Times New Roman" panose="02020603050405020304" pitchFamily="18" charset="0"/>
-                <a:cs typeface="Times New Roman" panose="02020603050405020304" pitchFamily="18" charset="0"/>
-              </a:rPr>
-              <a:t>cigarette</a:t>
-            </a:r>
-            <a:r>
-              <a:rPr lang="it-IT" sz="2000" dirty="0" smtClean="0">
-                <a:latin typeface="Times New Roman" panose="02020603050405020304" pitchFamily="18" charset="0"/>
-                <a:cs typeface="Times New Roman" panose="02020603050405020304" pitchFamily="18" charset="0"/>
-              </a:rPr>
-              <a:t>” l’utente non si accorge degli effetti della sua azione (aggiornamento del numero delle sigarette) ed è portato a ripeterla supponendo che il click non sia stato riconosciuto dal dispositivo. </a:t>
-            </a:r>
-            <a:r>
-              <a:rPr lang="it-IT" sz="2000" dirty="0" smtClean="0">
-                <a:latin typeface="Times New Roman" panose="02020603050405020304" pitchFamily="18" charset="0"/>
-                <a:cs typeface="Times New Roman" panose="02020603050405020304" pitchFamily="18" charset="0"/>
-                <a:sym typeface="Wingdings" pitchFamily="2" charset="2"/>
-              </a:rPr>
-              <a:t> Opportunità: mostrare un messaggio di conferma per l’azione effettuata.</a:t>
-            </a:r>
-            <a:endParaRPr lang="it-IT" sz="2000" dirty="0">
-              <a:latin typeface="Times New Roman" panose="02020603050405020304" pitchFamily="18" charset="0"/>
-              <a:cs typeface="Times New Roman" panose="02020603050405020304" pitchFamily="18" charset="0"/>
-            </a:endParaRPr>
-          </a:p>
         </p:txBody>
       </p:sp>
-      <p:pic>
-        <p:nvPicPr>
-          <p:cNvPr id="2050" name="Picture 2" descr="C:\Users\hp\Desktop\Tester3.png"/>
-          <p:cNvPicPr>
-            <a:picLocks noChangeAspect="1" noChangeArrowheads="1"/>
-          </p:cNvPicPr>
-          <p:nvPr/>
-        </p:nvPicPr>
-        <p:blipFill>
-          <a:blip r:embed="rId2" cstate="print"/>
-          <a:srcRect/>
-          <a:stretch>
-            <a:fillRect/>
-          </a:stretch>
-        </p:blipFill>
-        <p:spPr bwMode="auto">
-          <a:xfrm>
-            <a:off x="4687983" y="1998617"/>
-            <a:ext cx="3953095" cy="4650377"/>
-          </a:xfrm>
-          <a:prstGeom prst="rect">
-            <a:avLst/>
-          </a:prstGeom>
-          <a:noFill/>
-        </p:spPr>
-      </p:pic>
     </p:spTree>
     <p:extLst>
       <p:ext uri="{BB962C8B-B14F-4D97-AF65-F5344CB8AC3E}">
-        <p14:creationId xmlns:p14="http://schemas.microsoft.com/office/powerpoint/2010/main" xmlns="" val="2442419145"/>
+        <p14:creationId xmlns:p14="http://schemas.microsoft.com/office/powerpoint/2010/main" val="2442419145"/>
       </p:ext>
     </p:extLst>
   </p:cSld>
@@ -12193,11 +12208,11 @@
               <a:t> the test </a:t>
             </a:r>
             <a:r>
-              <a:rPr lang="it-IT" sz="2800" b="1" dirty="0">
-                <a:latin typeface="Times New Roman" panose="02020603050405020304" pitchFamily="18" charset="0"/>
-                <a:cs typeface="Times New Roman" panose="02020603050405020304" pitchFamily="18" charset="0"/>
-              </a:rPr>
-              <a:t>(1)</a:t>
+              <a:rPr lang="it-IT" sz="2800" b="1" dirty="0" smtClean="0">
+                <a:latin typeface="Times New Roman" panose="02020603050405020304" pitchFamily="18" charset="0"/>
+                <a:cs typeface="Times New Roman" panose="02020603050405020304" pitchFamily="18" charset="0"/>
+              </a:rPr>
+              <a:t>(4)</a:t>
             </a:r>
             <a:endParaRPr lang="it-IT" sz="2800" i="1" dirty="0"/>
           </a:p>
@@ -12239,21 +12254,49 @@
                 <a:latin typeface="Times New Roman" panose="02020603050405020304" pitchFamily="18" charset="0"/>
                 <a:cs typeface="Times New Roman" panose="02020603050405020304" pitchFamily="18" charset="0"/>
               </a:rPr>
-              <a:t>Task 1 – </a:t>
+              <a:t>Task 4 – Vincere il premio “</a:t>
             </a:r>
             <a:r>
               <a:rPr lang="it-IT" sz="2500" b="1" dirty="0" err="1" smtClean="0">
                 <a:latin typeface="Times New Roman" panose="02020603050405020304" pitchFamily="18" charset="0"/>
                 <a:cs typeface="Times New Roman" panose="02020603050405020304" pitchFamily="18" charset="0"/>
               </a:rPr>
-              <a:t>Sign</a:t>
+              <a:t>Only</a:t>
             </a:r>
             <a:r>
               <a:rPr lang="it-IT" sz="2500" b="1" dirty="0" smtClean="0">
                 <a:latin typeface="Times New Roman" panose="02020603050405020304" pitchFamily="18" charset="0"/>
                 <a:cs typeface="Times New Roman" panose="02020603050405020304" pitchFamily="18" charset="0"/>
               </a:rPr>
-              <a:t> up</a:t>
+              <a:t> 10 </a:t>
+            </a:r>
+            <a:r>
+              <a:rPr lang="it-IT" sz="2500" b="1" dirty="0" err="1" smtClean="0">
+                <a:latin typeface="Times New Roman" panose="02020603050405020304" pitchFamily="18" charset="0"/>
+                <a:cs typeface="Times New Roman" panose="02020603050405020304" pitchFamily="18" charset="0"/>
+              </a:rPr>
+              <a:t>cigarettes</a:t>
+            </a:r>
+            <a:r>
+              <a:rPr lang="it-IT" sz="2500" b="1" dirty="0" smtClean="0">
+                <a:latin typeface="Times New Roman" panose="02020603050405020304" pitchFamily="18" charset="0"/>
+                <a:cs typeface="Times New Roman" panose="02020603050405020304" pitchFamily="18" charset="0"/>
+              </a:rPr>
+              <a:t> </a:t>
+            </a:r>
+            <a:r>
+              <a:rPr lang="it-IT" sz="2500" b="1" dirty="0" err="1" smtClean="0">
+                <a:latin typeface="Times New Roman" panose="02020603050405020304" pitchFamily="18" charset="0"/>
+                <a:cs typeface="Times New Roman" panose="02020603050405020304" pitchFamily="18" charset="0"/>
+              </a:rPr>
+              <a:t>smoked</a:t>
+            </a:r>
+            <a:r>
+              <a:rPr lang="it-IT" sz="2500" b="1" dirty="0" smtClean="0">
+                <a:latin typeface="Times New Roman" panose="02020603050405020304" pitchFamily="18" charset="0"/>
+                <a:cs typeface="Times New Roman" panose="02020603050405020304" pitchFamily="18" charset="0"/>
+              </a:rPr>
+              <a:t>”</a:t>
             </a:r>
             <a:endParaRPr lang="it-IT" sz="2500" dirty="0" smtClean="0">
               <a:latin typeface="Times New Roman" panose="02020603050405020304" pitchFamily="18" charset="0"/>
@@ -12268,109 +12311,232 @@
             </a:endParaRPr>
           </a:p>
           <a:p>
-            <a:r>
-              <a:rPr lang="it-IT" sz="2600" dirty="0" smtClean="0"/>
-              <a:t> </a:t>
-            </a:r>
-          </a:p>
-          <a:p>
-            <a:pPr marL="457200" lvl="0" indent="-457200">
-              <a:buFont typeface="+mj-lt"/>
-              <a:buAutoNum type="arabicPeriod"/>
-            </a:pPr>
-            <a:r>
-              <a:rPr lang="it-IT" sz="2000" dirty="0" smtClean="0">
-                <a:latin typeface="Times New Roman" panose="02020603050405020304" pitchFamily="18" charset="0"/>
-                <a:cs typeface="Times New Roman" panose="02020603050405020304" pitchFamily="18" charset="0"/>
-              </a:rPr>
-              <a:t>Intuitività della schermata.</a:t>
-            </a:r>
-          </a:p>
-          <a:p>
-            <a:r>
-              <a:rPr lang="it-IT" sz="2000" dirty="0" smtClean="0">
-                <a:latin typeface="Times New Roman" panose="02020603050405020304" pitchFamily="18" charset="0"/>
-                <a:cs typeface="Times New Roman" panose="02020603050405020304" pitchFamily="18" charset="0"/>
-              </a:rPr>
-              <a:t>			1    2    3    4    5</a:t>
-            </a:r>
-          </a:p>
-          <a:p>
-            <a:pPr marL="457200" lvl="0" indent="-457200">
-              <a:buFont typeface="+mj-lt"/>
-              <a:buAutoNum type="arabicPeriod" startAt="2"/>
-            </a:pPr>
-            <a:r>
-              <a:rPr lang="it-IT" sz="2000" dirty="0" smtClean="0">
-                <a:latin typeface="Times New Roman" panose="02020603050405020304" pitchFamily="18" charset="0"/>
-                <a:cs typeface="Times New Roman" panose="02020603050405020304" pitchFamily="18" charset="0"/>
-              </a:rPr>
-              <a:t>Si capisce sempre quali operazioni effettuare di volta in volta.</a:t>
-            </a:r>
-          </a:p>
-          <a:p>
-            <a:r>
-              <a:rPr lang="it-IT" sz="2000" dirty="0" smtClean="0">
-                <a:latin typeface="Times New Roman" panose="02020603050405020304" pitchFamily="18" charset="0"/>
-                <a:cs typeface="Times New Roman" panose="02020603050405020304" pitchFamily="18" charset="0"/>
-              </a:rPr>
-              <a:t>			1    2    3    4    5</a:t>
-            </a:r>
-          </a:p>
-          <a:p>
-            <a:pPr marL="457200" lvl="0" indent="-457200">
-              <a:buFont typeface="+mj-lt"/>
-              <a:buAutoNum type="arabicPeriod" startAt="3"/>
-            </a:pPr>
-            <a:r>
-              <a:rPr lang="it-IT" sz="2000" dirty="0" smtClean="0">
-                <a:latin typeface="Times New Roman" panose="02020603050405020304" pitchFamily="18" charset="0"/>
-                <a:cs typeface="Times New Roman" panose="02020603050405020304" pitchFamily="18" charset="0"/>
-              </a:rPr>
-              <a:t>Si riesce a capire come passare da una schermata all’altra.</a:t>
-            </a:r>
-          </a:p>
-          <a:p>
-            <a:r>
-              <a:rPr lang="it-IT" sz="2000" dirty="0" smtClean="0">
-                <a:latin typeface="Times New Roman" panose="02020603050405020304" pitchFamily="18" charset="0"/>
-                <a:cs typeface="Times New Roman" panose="02020603050405020304" pitchFamily="18" charset="0"/>
-              </a:rPr>
-              <a:t>			1    2    3    4    5</a:t>
-            </a:r>
-          </a:p>
-          <a:p>
-            <a:pPr marL="457200" lvl="0" indent="-457200">
-              <a:buFont typeface="+mj-lt"/>
-              <a:buAutoNum type="arabicPeriod" startAt="4"/>
-            </a:pPr>
-            <a:r>
-              <a:rPr lang="it-IT" sz="2000" dirty="0" smtClean="0">
-                <a:latin typeface="Times New Roman" panose="02020603050405020304" pitchFamily="18" charset="0"/>
-                <a:cs typeface="Times New Roman" panose="02020603050405020304" pitchFamily="18" charset="0"/>
-              </a:rPr>
-              <a:t>È sempre possibile capire e correggere gli errori commessi.</a:t>
-            </a:r>
-          </a:p>
-          <a:p>
-            <a:r>
-              <a:rPr lang="it-IT" sz="2000" dirty="0" smtClean="0">
-                <a:latin typeface="Times New Roman" panose="02020603050405020304" pitchFamily="18" charset="0"/>
-                <a:cs typeface="Times New Roman" panose="02020603050405020304" pitchFamily="18" charset="0"/>
-              </a:rPr>
-              <a:t>			1    2    3    4    5</a:t>
-            </a:r>
-            <a:endParaRPr lang="it-IT" sz="2000" dirty="0">
-              <a:latin typeface="Times New Roman" panose="02020603050405020304" pitchFamily="18" charset="0"/>
-              <a:cs typeface="Times New Roman" panose="02020603050405020304" pitchFamily="18" charset="0"/>
-            </a:endParaRPr>
+            <a:pPr lvl="0" algn="just"/>
+            <a:r>
+              <a:rPr lang="it-IT" sz="2000" dirty="0" smtClean="0">
+                <a:latin typeface="Times New Roman" panose="02020603050405020304" pitchFamily="18" charset="0"/>
+                <a:cs typeface="Times New Roman" panose="02020603050405020304" pitchFamily="18" charset="0"/>
+              </a:rPr>
+              <a:t>1.   La </a:t>
+            </a:r>
+            <a:r>
+              <a:rPr lang="it-IT" sz="2000" dirty="0">
+                <a:latin typeface="Times New Roman" panose="02020603050405020304" pitchFamily="18" charset="0"/>
+                <a:cs typeface="Times New Roman" panose="02020603050405020304" pitchFamily="18" charset="0"/>
+              </a:rPr>
+              <a:t>funzionalità del pulsante “</a:t>
+            </a:r>
+            <a:r>
+              <a:rPr lang="it-IT" sz="2000" dirty="0" err="1">
+                <a:latin typeface="Times New Roman" panose="02020603050405020304" pitchFamily="18" charset="0"/>
+                <a:cs typeface="Times New Roman" panose="02020603050405020304" pitchFamily="18" charset="0"/>
+              </a:rPr>
+              <a:t>Add</a:t>
+            </a:r>
+            <a:r>
+              <a:rPr lang="it-IT" sz="2000" dirty="0">
+                <a:latin typeface="Times New Roman" panose="02020603050405020304" pitchFamily="18" charset="0"/>
+                <a:cs typeface="Times New Roman" panose="02020603050405020304" pitchFamily="18" charset="0"/>
+              </a:rPr>
+              <a:t> a </a:t>
+            </a:r>
+            <a:r>
+              <a:rPr lang="it-IT" sz="2000" dirty="0" err="1">
+                <a:latin typeface="Times New Roman" panose="02020603050405020304" pitchFamily="18" charset="0"/>
+                <a:cs typeface="Times New Roman" panose="02020603050405020304" pitchFamily="18" charset="0"/>
+              </a:rPr>
+              <a:t>cigarette</a:t>
+            </a:r>
+            <a:r>
+              <a:rPr lang="it-IT" sz="2000" dirty="0">
+                <a:latin typeface="Times New Roman" panose="02020603050405020304" pitchFamily="18" charset="0"/>
+                <a:cs typeface="Times New Roman" panose="02020603050405020304" pitchFamily="18" charset="0"/>
+              </a:rPr>
+              <a:t>” è comprensibile.</a:t>
+            </a:r>
+          </a:p>
+          <a:p>
+            <a:pPr algn="ctr"/>
+            <a:r>
+              <a:rPr lang="it-IT" sz="2000" dirty="0">
+                <a:latin typeface="Times New Roman" panose="02020603050405020304" pitchFamily="18" charset="0"/>
+                <a:cs typeface="Times New Roman" panose="02020603050405020304" pitchFamily="18" charset="0"/>
+              </a:rPr>
+              <a:t>1    2    3    4    5</a:t>
+            </a:r>
+          </a:p>
+          <a:p>
+            <a:pPr lvl="0" algn="just"/>
+            <a:r>
+              <a:rPr lang="it-IT" sz="2000" dirty="0" smtClean="0">
+                <a:latin typeface="Times New Roman" panose="02020603050405020304" pitchFamily="18" charset="0"/>
+                <a:cs typeface="Times New Roman" panose="02020603050405020304" pitchFamily="18" charset="0"/>
+              </a:rPr>
+              <a:t>2.   La </a:t>
+            </a:r>
+            <a:r>
+              <a:rPr lang="it-IT" sz="2000" dirty="0">
+                <a:latin typeface="Times New Roman" panose="02020603050405020304" pitchFamily="18" charset="0"/>
+                <a:cs typeface="Times New Roman" panose="02020603050405020304" pitchFamily="18" charset="0"/>
+              </a:rPr>
+              <a:t>modalità con la quale si può vincere il premio è ben spiegata.</a:t>
+            </a:r>
+          </a:p>
+          <a:p>
+            <a:pPr algn="ctr"/>
+            <a:r>
+              <a:rPr lang="it-IT" sz="2000" dirty="0">
+                <a:latin typeface="Times New Roman" panose="02020603050405020304" pitchFamily="18" charset="0"/>
+                <a:cs typeface="Times New Roman" panose="02020603050405020304" pitchFamily="18" charset="0"/>
+              </a:rPr>
+              <a:t>1    2    3    4    5</a:t>
+            </a:r>
+          </a:p>
+          <a:p>
+            <a:pPr lvl="0" algn="just"/>
+            <a:r>
+              <a:rPr lang="it-IT" sz="2000" dirty="0" smtClean="0">
+                <a:latin typeface="Times New Roman" panose="02020603050405020304" pitchFamily="18" charset="0"/>
+                <a:cs typeface="Times New Roman" panose="02020603050405020304" pitchFamily="18" charset="0"/>
+              </a:rPr>
+              <a:t>3.   È </a:t>
+            </a:r>
+            <a:r>
+              <a:rPr lang="it-IT" sz="2000" dirty="0">
+                <a:latin typeface="Times New Roman" panose="02020603050405020304" pitchFamily="18" charset="0"/>
+                <a:cs typeface="Times New Roman" panose="02020603050405020304" pitchFamily="18" charset="0"/>
+              </a:rPr>
+              <a:t>evidente il risultato del pulsante “</a:t>
+            </a:r>
+            <a:r>
+              <a:rPr lang="it-IT" sz="2000" dirty="0" err="1">
+                <a:latin typeface="Times New Roman" panose="02020603050405020304" pitchFamily="18" charset="0"/>
+                <a:cs typeface="Times New Roman" panose="02020603050405020304" pitchFamily="18" charset="0"/>
+              </a:rPr>
+              <a:t>Add</a:t>
+            </a:r>
+            <a:r>
+              <a:rPr lang="it-IT" sz="2000" dirty="0">
+                <a:latin typeface="Times New Roman" panose="02020603050405020304" pitchFamily="18" charset="0"/>
+                <a:cs typeface="Times New Roman" panose="02020603050405020304" pitchFamily="18" charset="0"/>
+              </a:rPr>
+              <a:t> a </a:t>
+            </a:r>
+            <a:r>
+              <a:rPr lang="it-IT" sz="2000" dirty="0" err="1">
+                <a:latin typeface="Times New Roman" panose="02020603050405020304" pitchFamily="18" charset="0"/>
+                <a:cs typeface="Times New Roman" panose="02020603050405020304" pitchFamily="18" charset="0"/>
+              </a:rPr>
+              <a:t>cigarette</a:t>
+            </a:r>
+            <a:r>
+              <a:rPr lang="it-IT" sz="2000" dirty="0">
+                <a:latin typeface="Times New Roman" panose="02020603050405020304" pitchFamily="18" charset="0"/>
+                <a:cs typeface="Times New Roman" panose="02020603050405020304" pitchFamily="18" charset="0"/>
+              </a:rPr>
+              <a:t>” sulla Home page.</a:t>
+            </a:r>
+          </a:p>
+          <a:p>
+            <a:pPr algn="ctr"/>
+            <a:r>
+              <a:rPr lang="it-IT" sz="2000" dirty="0">
+                <a:latin typeface="Times New Roman" panose="02020603050405020304" pitchFamily="18" charset="0"/>
+                <a:cs typeface="Times New Roman" panose="02020603050405020304" pitchFamily="18" charset="0"/>
+              </a:rPr>
+              <a:t>1    2    3    4    5</a:t>
+            </a:r>
+          </a:p>
+          <a:p>
+            <a:pPr lvl="0" algn="just"/>
+            <a:r>
+              <a:rPr lang="it-IT" sz="2000" dirty="0" smtClean="0">
+                <a:latin typeface="Times New Roman" panose="02020603050405020304" pitchFamily="18" charset="0"/>
+                <a:cs typeface="Times New Roman" panose="02020603050405020304" pitchFamily="18" charset="0"/>
+              </a:rPr>
+              <a:t>4.   I </a:t>
+            </a:r>
+            <a:r>
+              <a:rPr lang="it-IT" sz="2000" dirty="0">
+                <a:latin typeface="Times New Roman" panose="02020603050405020304" pitchFamily="18" charset="0"/>
+                <a:cs typeface="Times New Roman" panose="02020603050405020304" pitchFamily="18" charset="0"/>
+              </a:rPr>
+              <a:t>collegamenti fra le schermate sono coerenti.</a:t>
+            </a:r>
+          </a:p>
+          <a:p>
+            <a:pPr algn="ctr"/>
+            <a:r>
+              <a:rPr lang="it-IT" sz="2000" dirty="0">
+                <a:latin typeface="Times New Roman" panose="02020603050405020304" pitchFamily="18" charset="0"/>
+                <a:cs typeface="Times New Roman" panose="02020603050405020304" pitchFamily="18" charset="0"/>
+              </a:rPr>
+              <a:t>1    2    3    4    5</a:t>
+            </a:r>
+          </a:p>
+          <a:p>
+            <a:pPr lvl="0" algn="just"/>
+            <a:r>
+              <a:rPr lang="it-IT" sz="2000" dirty="0" smtClean="0">
+                <a:latin typeface="Times New Roman" panose="02020603050405020304" pitchFamily="18" charset="0"/>
+                <a:cs typeface="Times New Roman" panose="02020603050405020304" pitchFamily="18" charset="0"/>
+              </a:rPr>
+              <a:t>5.   È </a:t>
+            </a:r>
+            <a:r>
+              <a:rPr lang="it-IT" sz="2000" dirty="0">
+                <a:latin typeface="Times New Roman" panose="02020603050405020304" pitchFamily="18" charset="0"/>
+                <a:cs typeface="Times New Roman" panose="02020603050405020304" pitchFamily="18" charset="0"/>
+              </a:rPr>
+              <a:t>possibile gestire gli errori.</a:t>
+            </a:r>
+          </a:p>
+          <a:p>
+            <a:pPr algn="ctr"/>
+            <a:r>
+              <a:rPr lang="it-IT" sz="2000" dirty="0">
+                <a:latin typeface="Times New Roman" panose="02020603050405020304" pitchFamily="18" charset="0"/>
+                <a:cs typeface="Times New Roman" panose="02020603050405020304" pitchFamily="18" charset="0"/>
+              </a:rPr>
+              <a:t>1    2    3    4    5</a:t>
+            </a:r>
+          </a:p>
+          <a:p>
+            <a:pPr lvl="0"/>
+            <a:r>
+              <a:rPr lang="it-IT" sz="2000" dirty="0" smtClean="0">
+                <a:latin typeface="Times New Roman" panose="02020603050405020304" pitchFamily="18" charset="0"/>
+                <a:cs typeface="Times New Roman" panose="02020603050405020304" pitchFamily="18" charset="0"/>
+              </a:rPr>
+              <a:t>6.   È </a:t>
+            </a:r>
+            <a:r>
+              <a:rPr lang="it-IT" sz="2000" dirty="0">
+                <a:latin typeface="Times New Roman" panose="02020603050405020304" pitchFamily="18" charset="0"/>
+                <a:cs typeface="Times New Roman" panose="02020603050405020304" pitchFamily="18" charset="0"/>
+              </a:rPr>
+              <a:t>possibile individuare facilmente quali premi sono stati vinti e quali no.</a:t>
+            </a:r>
+          </a:p>
+          <a:p>
+            <a:pPr algn="ctr"/>
+            <a:r>
+              <a:rPr lang="it-IT" sz="2000" dirty="0">
+                <a:latin typeface="Times New Roman" panose="02020603050405020304" pitchFamily="18" charset="0"/>
+                <a:cs typeface="Times New Roman" panose="02020603050405020304" pitchFamily="18" charset="0"/>
+              </a:rPr>
+              <a:t>1    2    3    4    5</a:t>
+            </a:r>
+          </a:p>
+          <a:p>
+            <a:endParaRPr lang="it-IT" sz="2600" dirty="0" smtClean="0"/>
           </a:p>
         </p:txBody>
       </p:sp>
     </p:spTree>
     <p:extLst>
       <p:ext uri="{BB962C8B-B14F-4D97-AF65-F5344CB8AC3E}">
-        <p14:creationId xmlns:p14="http://schemas.microsoft.com/office/powerpoint/2010/main" xmlns="" val="2442419145"/>
+        <p14:creationId xmlns:p14="http://schemas.microsoft.com/office/powerpoint/2010/main" val="2442419145"/>
       </p:ext>
     </p:extLst>
   </p:cSld>
@@ -12459,7 +12625,7 @@
                 <a:latin typeface="Times New Roman" panose="02020603050405020304" pitchFamily="18" charset="0"/>
                 <a:cs typeface="Times New Roman" panose="02020603050405020304" pitchFamily="18" charset="0"/>
               </a:rPr>
-              <a:t>(2)</a:t>
+              <a:t>(5)</a:t>
             </a:r>
             <a:endParaRPr lang="it-IT" sz="2800" i="1" dirty="0"/>
           </a:p>
@@ -12501,188 +12667,167 @@
                 <a:latin typeface="Times New Roman" panose="02020603050405020304" pitchFamily="18" charset="0"/>
                 <a:cs typeface="Times New Roman" panose="02020603050405020304" pitchFamily="18" charset="0"/>
               </a:rPr>
-              <a:t>Task 2 – Selezionare un obiettivo</a:t>
-            </a:r>
+              <a:t>Task 5 – Visualizzare i progressi</a:t>
+            </a:r>
+          </a:p>
+          <a:p>
+            <a:pPr lvl="0" algn="ctr">
+              <a:lnSpc>
+                <a:spcPct val="120000"/>
+              </a:lnSpc>
+              <a:spcBef>
+                <a:spcPts val="1000"/>
+              </a:spcBef>
+            </a:pPr>
             <a:endParaRPr lang="it-IT" sz="2500" dirty="0" smtClean="0">
               <a:latin typeface="Times New Roman" panose="02020603050405020304" pitchFamily="18" charset="0"/>
               <a:cs typeface="Times New Roman" panose="02020603050405020304" pitchFamily="18" charset="0"/>
             </a:endParaRPr>
           </a:p>
           <a:p>
-            <a:pPr algn="just"/>
-            <a:endParaRPr lang="it-IT" sz="2000" dirty="0" smtClean="0">
-              <a:latin typeface="Times New Roman" panose="02020603050405020304" pitchFamily="18" charset="0"/>
-              <a:cs typeface="Times New Roman" panose="02020603050405020304" pitchFamily="18" charset="0"/>
-            </a:endParaRPr>
-          </a:p>
-          <a:p>
-            <a:r>
-              <a:rPr lang="it-IT" sz="2600" dirty="0" smtClean="0"/>
-              <a:t> </a:t>
-            </a:r>
-          </a:p>
-          <a:p>
-            <a:pPr marL="457200" lvl="0" indent="-457200" algn="just">
-              <a:buFont typeface="+mj-lt"/>
-              <a:buAutoNum type="arabicPeriod"/>
-            </a:pPr>
-            <a:r>
-              <a:rPr lang="it-IT" sz="2000" dirty="0" smtClean="0">
-                <a:latin typeface="Times New Roman" panose="02020603050405020304" pitchFamily="18" charset="0"/>
-                <a:cs typeface="Times New Roman" panose="02020603050405020304" pitchFamily="18" charset="0"/>
-              </a:rPr>
-              <a:t>È chiaro sin da subito come passare dalla Home alla schermata degli obiettivi (“</a:t>
-            </a:r>
-            <a:r>
-              <a:rPr lang="it-IT" sz="2000" dirty="0" err="1" smtClean="0">
-                <a:latin typeface="Times New Roman" panose="02020603050405020304" pitchFamily="18" charset="0"/>
-                <a:cs typeface="Times New Roman" panose="02020603050405020304" pitchFamily="18" charset="0"/>
-              </a:rPr>
-              <a:t>Goals</a:t>
-            </a:r>
-            <a:r>
-              <a:rPr lang="it-IT" sz="2000" dirty="0" smtClean="0">
-                <a:latin typeface="Times New Roman" panose="02020603050405020304" pitchFamily="18" charset="0"/>
-                <a:cs typeface="Times New Roman" panose="02020603050405020304" pitchFamily="18" charset="0"/>
-              </a:rPr>
-              <a:t>”).</a:t>
-            </a:r>
-          </a:p>
-          <a:p>
-            <a:pPr algn="just"/>
-            <a:r>
-              <a:rPr lang="it-IT" sz="2000" dirty="0" smtClean="0">
-                <a:latin typeface="Times New Roman" panose="02020603050405020304" pitchFamily="18" charset="0"/>
-                <a:cs typeface="Times New Roman" panose="02020603050405020304" pitchFamily="18" charset="0"/>
-              </a:rPr>
-              <a:t>			1    2    3    4    5</a:t>
-            </a:r>
-          </a:p>
-          <a:p>
-            <a:pPr marL="457200" lvl="0" indent="-457200" algn="just">
-              <a:buFont typeface="+mj-lt"/>
-              <a:buAutoNum type="arabicPeriod" startAt="2"/>
-            </a:pPr>
-            <a:r>
-              <a:rPr lang="it-IT" sz="2000" dirty="0" smtClean="0">
-                <a:latin typeface="Times New Roman" panose="02020603050405020304" pitchFamily="18" charset="0"/>
-                <a:cs typeface="Times New Roman" panose="02020603050405020304" pitchFamily="18" charset="0"/>
-              </a:rPr>
-              <a:t>Intuitività nella scelta dell’obiettivo.</a:t>
-            </a:r>
-          </a:p>
-          <a:p>
-            <a:pPr algn="just"/>
-            <a:r>
-              <a:rPr lang="it-IT" sz="2000" dirty="0" smtClean="0">
-                <a:latin typeface="Times New Roman" panose="02020603050405020304" pitchFamily="18" charset="0"/>
-                <a:cs typeface="Times New Roman" panose="02020603050405020304" pitchFamily="18" charset="0"/>
-              </a:rPr>
-              <a:t>			1    2    3    4    5</a:t>
-            </a:r>
-          </a:p>
-          <a:p>
-            <a:pPr marL="457200" lvl="0" indent="-457200" algn="just">
-              <a:buFont typeface="+mj-lt"/>
-              <a:buAutoNum type="arabicPeriod" startAt="3"/>
-            </a:pPr>
-            <a:r>
-              <a:rPr lang="it-IT" sz="2000" dirty="0" smtClean="0">
-                <a:latin typeface="Times New Roman" panose="02020603050405020304" pitchFamily="18" charset="0"/>
-                <a:cs typeface="Times New Roman" panose="02020603050405020304" pitchFamily="18" charset="0"/>
-              </a:rPr>
-              <a:t>È sempre possibile conoscere lo stato del sistema.</a:t>
-            </a:r>
-          </a:p>
-          <a:p>
-            <a:pPr algn="just"/>
-            <a:r>
-              <a:rPr lang="it-IT" sz="2000" dirty="0" smtClean="0">
-                <a:latin typeface="Times New Roman" panose="02020603050405020304" pitchFamily="18" charset="0"/>
-                <a:cs typeface="Times New Roman" panose="02020603050405020304" pitchFamily="18" charset="0"/>
-              </a:rPr>
-              <a:t>			1    2    3    4    5</a:t>
-            </a:r>
-          </a:p>
-          <a:p>
-            <a:pPr marL="457200" lvl="0" indent="-457200" algn="just">
-              <a:buFont typeface="+mj-lt"/>
-              <a:buAutoNum type="arabicPeriod" startAt="4"/>
-            </a:pPr>
-            <a:r>
-              <a:rPr lang="it-IT" sz="2000" dirty="0" smtClean="0">
-                <a:latin typeface="Times New Roman" panose="02020603050405020304" pitchFamily="18" charset="0"/>
-                <a:cs typeface="Times New Roman" panose="02020603050405020304" pitchFamily="18" charset="0"/>
-              </a:rPr>
-              <a:t>È sempre possibile capire e correggere gli errori commessi.</a:t>
-            </a:r>
-          </a:p>
-          <a:p>
-            <a:pPr algn="just"/>
-            <a:r>
-              <a:rPr lang="it-IT" sz="2000" dirty="0" smtClean="0">
-                <a:latin typeface="Times New Roman" panose="02020603050405020304" pitchFamily="18" charset="0"/>
-                <a:cs typeface="Times New Roman" panose="02020603050405020304" pitchFamily="18" charset="0"/>
-              </a:rPr>
-              <a:t>			1    2    3    4    5</a:t>
-            </a:r>
-          </a:p>
-          <a:p>
-            <a:pPr marL="457200" lvl="0" indent="-457200" algn="just">
-              <a:buFont typeface="+mj-lt"/>
-              <a:buAutoNum type="arabicPeriod" startAt="5"/>
-            </a:pPr>
-            <a:r>
-              <a:rPr lang="it-IT" sz="2000" dirty="0" smtClean="0">
-                <a:latin typeface="Times New Roman" panose="02020603050405020304" pitchFamily="18" charset="0"/>
-                <a:cs typeface="Times New Roman" panose="02020603050405020304" pitchFamily="18" charset="0"/>
-              </a:rPr>
-              <a:t>È intuitivo tornare alla pagina principale.</a:t>
-            </a:r>
-          </a:p>
-          <a:p>
-            <a:pPr algn="just"/>
-            <a:r>
-              <a:rPr lang="it-IT" sz="2000" dirty="0" smtClean="0">
-                <a:latin typeface="Times New Roman" panose="02020603050405020304" pitchFamily="18" charset="0"/>
-                <a:cs typeface="Times New Roman" panose="02020603050405020304" pitchFamily="18" charset="0"/>
-              </a:rPr>
-              <a:t>			1    2    3    4    5</a:t>
-            </a:r>
-          </a:p>
-          <a:p>
-            <a:pPr marL="457200" lvl="0" indent="-457200" algn="just">
-              <a:buFont typeface="+mj-lt"/>
-              <a:buAutoNum type="arabicPeriod" startAt="6"/>
-            </a:pPr>
-            <a:r>
-              <a:rPr lang="it-IT" sz="2000" dirty="0" smtClean="0">
-                <a:latin typeface="Times New Roman" panose="02020603050405020304" pitchFamily="18" charset="0"/>
-                <a:cs typeface="Times New Roman" panose="02020603050405020304" pitchFamily="18" charset="0"/>
-              </a:rPr>
-              <a:t>È noto che l’obiettivo scelto è visualizzato nella Home.</a:t>
-            </a:r>
-          </a:p>
-          <a:p>
-            <a:pPr algn="just"/>
-            <a:r>
-              <a:rPr lang="it-IT" sz="2000" dirty="0" smtClean="0">
-                <a:latin typeface="Times New Roman" panose="02020603050405020304" pitchFamily="18" charset="0"/>
-                <a:cs typeface="Times New Roman" panose="02020603050405020304" pitchFamily="18" charset="0"/>
-              </a:rPr>
-              <a:t>			1    2    3    4    5</a:t>
-            </a:r>
-            <a:endParaRPr lang="it-IT" sz="2000" dirty="0">
-              <a:latin typeface="Times New Roman" panose="02020603050405020304" pitchFamily="18" charset="0"/>
-              <a:cs typeface="Times New Roman" panose="02020603050405020304" pitchFamily="18" charset="0"/>
-            </a:endParaRPr>
+            <a:pPr lvl="0"/>
+            <a:r>
+              <a:rPr lang="it-IT" sz="2000" dirty="0" smtClean="0">
+                <a:latin typeface="Times New Roman" panose="02020603050405020304" pitchFamily="18" charset="0"/>
+                <a:cs typeface="Times New Roman" panose="02020603050405020304" pitchFamily="18" charset="0"/>
+              </a:rPr>
+              <a:t>1.   Il </a:t>
+            </a:r>
+            <a:r>
+              <a:rPr lang="it-IT" sz="2000" dirty="0">
+                <a:latin typeface="Times New Roman" panose="02020603050405020304" pitchFamily="18" charset="0"/>
+                <a:cs typeface="Times New Roman" panose="02020603050405020304" pitchFamily="18" charset="0"/>
+              </a:rPr>
+              <a:t>raggiungimento della schermata “Progress” è intuitivo.</a:t>
+            </a:r>
+          </a:p>
+          <a:p>
+            <a:pPr algn="ctr"/>
+            <a:r>
+              <a:rPr lang="it-IT" sz="2000" dirty="0">
+                <a:latin typeface="Times New Roman" panose="02020603050405020304" pitchFamily="18" charset="0"/>
+                <a:cs typeface="Times New Roman" panose="02020603050405020304" pitchFamily="18" charset="0"/>
+              </a:rPr>
+              <a:t>1    2    3    4    5</a:t>
+            </a:r>
+          </a:p>
+          <a:p>
+            <a:pPr lvl="0"/>
+            <a:r>
+              <a:rPr lang="it-IT" sz="2000" dirty="0" smtClean="0">
+                <a:latin typeface="Times New Roman" panose="02020603050405020304" pitchFamily="18" charset="0"/>
+                <a:cs typeface="Times New Roman" panose="02020603050405020304" pitchFamily="18" charset="0"/>
+              </a:rPr>
+              <a:t>2.   I </a:t>
+            </a:r>
+            <a:r>
+              <a:rPr lang="it-IT" sz="2000" dirty="0">
+                <a:latin typeface="Times New Roman" panose="02020603050405020304" pitchFamily="18" charset="0"/>
+                <a:cs typeface="Times New Roman" panose="02020603050405020304" pitchFamily="18" charset="0"/>
+              </a:rPr>
+              <a:t>collegamenti tra le schermate sono coerenti.</a:t>
+            </a:r>
+          </a:p>
+          <a:p>
+            <a:pPr algn="ctr"/>
+            <a:r>
+              <a:rPr lang="it-IT" sz="2000" dirty="0">
+                <a:latin typeface="Times New Roman" panose="02020603050405020304" pitchFamily="18" charset="0"/>
+                <a:cs typeface="Times New Roman" panose="02020603050405020304" pitchFamily="18" charset="0"/>
+              </a:rPr>
+              <a:t>1    2    3    4    5</a:t>
+            </a:r>
+          </a:p>
+          <a:p>
+            <a:pPr lvl="0"/>
+            <a:r>
+              <a:rPr lang="it-IT" sz="2000" dirty="0" smtClean="0">
+                <a:latin typeface="Times New Roman" panose="02020603050405020304" pitchFamily="18" charset="0"/>
+                <a:cs typeface="Times New Roman" panose="02020603050405020304" pitchFamily="18" charset="0"/>
+              </a:rPr>
+              <a:t>3.   È </a:t>
+            </a:r>
+            <a:r>
+              <a:rPr lang="it-IT" sz="2000" dirty="0">
+                <a:latin typeface="Times New Roman" panose="02020603050405020304" pitchFamily="18" charset="0"/>
+                <a:cs typeface="Times New Roman" panose="02020603050405020304" pitchFamily="18" charset="0"/>
+              </a:rPr>
+              <a:t>possibile gestire gli errori.</a:t>
+            </a:r>
+          </a:p>
+          <a:p>
+            <a:pPr algn="ctr"/>
+            <a:r>
+              <a:rPr lang="it-IT" sz="2000" dirty="0">
+                <a:latin typeface="Times New Roman" panose="02020603050405020304" pitchFamily="18" charset="0"/>
+                <a:cs typeface="Times New Roman" panose="02020603050405020304" pitchFamily="18" charset="0"/>
+              </a:rPr>
+              <a:t>1    2    3    4    5</a:t>
+            </a:r>
+          </a:p>
+          <a:p>
+            <a:pPr lvl="0"/>
+            <a:r>
+              <a:rPr lang="it-IT" sz="2000" dirty="0" smtClean="0">
+                <a:latin typeface="Times New Roman" panose="02020603050405020304" pitchFamily="18" charset="0"/>
+                <a:cs typeface="Times New Roman" panose="02020603050405020304" pitchFamily="18" charset="0"/>
+              </a:rPr>
+              <a:t>4.   È chiara </a:t>
+            </a:r>
+            <a:r>
+              <a:rPr lang="it-IT" sz="2000" dirty="0">
+                <a:latin typeface="Times New Roman" panose="02020603050405020304" pitchFamily="18" charset="0"/>
+                <a:cs typeface="Times New Roman" panose="02020603050405020304" pitchFamily="18" charset="0"/>
+              </a:rPr>
+              <a:t>la modalità con la quale funziona la schermata.</a:t>
+            </a:r>
+          </a:p>
+          <a:p>
+            <a:pPr algn="ctr"/>
+            <a:r>
+              <a:rPr lang="it-IT" sz="2000" dirty="0">
+                <a:latin typeface="Times New Roman" panose="02020603050405020304" pitchFamily="18" charset="0"/>
+                <a:cs typeface="Times New Roman" panose="02020603050405020304" pitchFamily="18" charset="0"/>
+              </a:rPr>
+              <a:t>1    2    3    4    5</a:t>
+            </a:r>
+          </a:p>
+          <a:p>
+            <a:pPr lvl="0"/>
+            <a:r>
+              <a:rPr lang="it-IT" sz="2000" dirty="0" smtClean="0">
+                <a:latin typeface="Times New Roman" panose="02020603050405020304" pitchFamily="18" charset="0"/>
+                <a:cs typeface="Times New Roman" panose="02020603050405020304" pitchFamily="18" charset="0"/>
+              </a:rPr>
+              <a:t>5.   È </a:t>
+            </a:r>
+            <a:r>
+              <a:rPr lang="it-IT" sz="2000" dirty="0">
+                <a:latin typeface="Times New Roman" panose="02020603050405020304" pitchFamily="18" charset="0"/>
+                <a:cs typeface="Times New Roman" panose="02020603050405020304" pitchFamily="18" charset="0"/>
+              </a:rPr>
+              <a:t>chiaro lo scopo della schermata.</a:t>
+            </a:r>
+          </a:p>
+          <a:p>
+            <a:pPr algn="ctr"/>
+            <a:r>
+              <a:rPr lang="it-IT" sz="2000" dirty="0">
+                <a:latin typeface="Times New Roman" panose="02020603050405020304" pitchFamily="18" charset="0"/>
+                <a:cs typeface="Times New Roman" panose="02020603050405020304" pitchFamily="18" charset="0"/>
+              </a:rPr>
+              <a:t>1    2    3    4    5</a:t>
+            </a:r>
+          </a:p>
+          <a:p>
+            <a:endParaRPr lang="it-IT" sz="2600" dirty="0" smtClean="0"/>
           </a:p>
         </p:txBody>
       </p:sp>
     </p:spTree>
     <p:extLst>
       <p:ext uri="{BB962C8B-B14F-4D97-AF65-F5344CB8AC3E}">
-        <p14:creationId xmlns:p14="http://schemas.microsoft.com/office/powerpoint/2010/main" xmlns="" val="2442419145"/>
+        <p14:creationId xmlns:p14="http://schemas.microsoft.com/office/powerpoint/2010/main" val="2442419145"/>
       </p:ext>
     </p:extLst>
   </p:cSld>
@@ -12771,7 +12916,7 @@
                 <a:latin typeface="Times New Roman" panose="02020603050405020304" pitchFamily="18" charset="0"/>
                 <a:cs typeface="Times New Roman" panose="02020603050405020304" pitchFamily="18" charset="0"/>
               </a:rPr>
-              <a:t>(3)</a:t>
+              <a:t>(6)</a:t>
             </a:r>
             <a:endParaRPr lang="it-IT" sz="2800" i="1" dirty="0"/>
           </a:p>
@@ -12813,219 +12958,244 @@
                 <a:latin typeface="Times New Roman" panose="02020603050405020304" pitchFamily="18" charset="0"/>
                 <a:cs typeface="Times New Roman" panose="02020603050405020304" pitchFamily="18" charset="0"/>
               </a:rPr>
-              <a:t>Task 3 – Vincere il premio “</a:t>
+              <a:t>Task 6 – Perdere il premio “</a:t>
             </a:r>
             <a:r>
               <a:rPr lang="it-IT" sz="2500" b="1" dirty="0" err="1" smtClean="0">
                 <a:latin typeface="Times New Roman" panose="02020603050405020304" pitchFamily="18" charset="0"/>
                 <a:cs typeface="Times New Roman" panose="02020603050405020304" pitchFamily="18" charset="0"/>
               </a:rPr>
-              <a:t>Defeat</a:t>
+              <a:t>Only</a:t>
             </a:r>
             <a:r>
               <a:rPr lang="it-IT" sz="2500" b="1" dirty="0" smtClean="0">
                 <a:latin typeface="Times New Roman" panose="02020603050405020304" pitchFamily="18" charset="0"/>
                 <a:cs typeface="Times New Roman" panose="02020603050405020304" pitchFamily="18" charset="0"/>
               </a:rPr>
-              <a:t> the </a:t>
+              <a:t> 10 </a:t>
             </a:r>
             <a:r>
               <a:rPr lang="it-IT" sz="2500" b="1" dirty="0" err="1" smtClean="0">
                 <a:latin typeface="Times New Roman" panose="02020603050405020304" pitchFamily="18" charset="0"/>
                 <a:cs typeface="Times New Roman" panose="02020603050405020304" pitchFamily="18" charset="0"/>
               </a:rPr>
-              <a:t>temptation</a:t>
+              <a:t>cigarettes</a:t>
             </a:r>
             <a:r>
               <a:rPr lang="it-IT" sz="2500" b="1" dirty="0" smtClean="0">
                 <a:latin typeface="Times New Roman" panose="02020603050405020304" pitchFamily="18" charset="0"/>
                 <a:cs typeface="Times New Roman" panose="02020603050405020304" pitchFamily="18" charset="0"/>
               </a:rPr>
+              <a:t> </a:t>
+            </a:r>
+            <a:r>
+              <a:rPr lang="it-IT" sz="2500" b="1" dirty="0" err="1" smtClean="0">
+                <a:latin typeface="Times New Roman" panose="02020603050405020304" pitchFamily="18" charset="0"/>
+                <a:cs typeface="Times New Roman" panose="02020603050405020304" pitchFamily="18" charset="0"/>
+              </a:rPr>
+              <a:t>smoked</a:t>
+            </a:r>
+            <a:r>
+              <a:rPr lang="it-IT" sz="2500" b="1" dirty="0" smtClean="0">
+                <a:latin typeface="Times New Roman" panose="02020603050405020304" pitchFamily="18" charset="0"/>
+                <a:cs typeface="Times New Roman" panose="02020603050405020304" pitchFamily="18" charset="0"/>
+              </a:rPr>
               <a:t>”</a:t>
             </a:r>
-          </a:p>
-          <a:p>
-            <a:pPr lvl="0" algn="ctr">
-              <a:lnSpc>
-                <a:spcPct val="120000"/>
-              </a:lnSpc>
-              <a:spcBef>
-                <a:spcPts val="1000"/>
-              </a:spcBef>
-            </a:pPr>
             <a:endParaRPr lang="it-IT" sz="2500" dirty="0" smtClean="0">
               <a:latin typeface="Times New Roman" panose="02020603050405020304" pitchFamily="18" charset="0"/>
               <a:cs typeface="Times New Roman" panose="02020603050405020304" pitchFamily="18" charset="0"/>
             </a:endParaRPr>
           </a:p>
           <a:p>
-            <a:pPr lvl="0"/>
-            <a:r>
-              <a:rPr lang="it-IT" sz="2000" dirty="0" smtClean="0">
-                <a:latin typeface="Times New Roman" panose="02020603050405020304" pitchFamily="18" charset="0"/>
-                <a:cs typeface="Times New Roman" panose="02020603050405020304" pitchFamily="18" charset="0"/>
-              </a:rPr>
-              <a:t>1.   La </a:t>
-            </a:r>
-            <a:r>
-              <a:rPr lang="it-IT" sz="2000" dirty="0">
-                <a:latin typeface="Times New Roman" panose="02020603050405020304" pitchFamily="18" charset="0"/>
-                <a:cs typeface="Times New Roman" panose="02020603050405020304" pitchFamily="18" charset="0"/>
-              </a:rPr>
-              <a:t>modalità con la quale si può vincere il </a:t>
-            </a:r>
-            <a:r>
-              <a:rPr lang="it-IT" sz="2000" dirty="0" smtClean="0">
-                <a:latin typeface="Times New Roman" panose="02020603050405020304" pitchFamily="18" charset="0"/>
-                <a:cs typeface="Times New Roman" panose="02020603050405020304" pitchFamily="18" charset="0"/>
-              </a:rPr>
-              <a:t>premio è ben spiegata.</a:t>
-            </a:r>
-          </a:p>
-          <a:p>
-            <a:pPr algn="ctr"/>
-            <a:r>
-              <a:rPr lang="it-IT" sz="2000" dirty="0" smtClean="0">
-                <a:latin typeface="Times New Roman" panose="02020603050405020304" pitchFamily="18" charset="0"/>
-                <a:cs typeface="Times New Roman" panose="02020603050405020304" pitchFamily="18" charset="0"/>
-              </a:rPr>
-              <a:t>1    2    3    4    5</a:t>
-            </a:r>
-          </a:p>
-          <a:p>
-            <a:pPr lvl="0"/>
-            <a:r>
-              <a:rPr lang="it-IT" sz="2000" dirty="0" smtClean="0">
-                <a:latin typeface="Times New Roman" panose="02020603050405020304" pitchFamily="18" charset="0"/>
-                <a:cs typeface="Times New Roman" panose="02020603050405020304" pitchFamily="18" charset="0"/>
-              </a:rPr>
-              <a:t>2.   L’interfaccia </a:t>
-            </a:r>
-            <a:r>
-              <a:rPr lang="it-IT" sz="2000" dirty="0">
-                <a:latin typeface="Times New Roman" panose="02020603050405020304" pitchFamily="18" charset="0"/>
-                <a:cs typeface="Times New Roman" panose="02020603050405020304" pitchFamily="18" charset="0"/>
-              </a:rPr>
-              <a:t>è intuitiva.</a:t>
-            </a:r>
-          </a:p>
-          <a:p>
-            <a:pPr algn="ctr"/>
-            <a:r>
-              <a:rPr lang="it-IT" sz="2000" dirty="0">
-                <a:latin typeface="Times New Roman" panose="02020603050405020304" pitchFamily="18" charset="0"/>
-                <a:cs typeface="Times New Roman" panose="02020603050405020304" pitchFamily="18" charset="0"/>
-              </a:rPr>
-              <a:t>1    2    3    4    5</a:t>
-            </a:r>
-          </a:p>
-          <a:p>
-            <a:pPr lvl="0"/>
-            <a:r>
-              <a:rPr lang="it-IT" sz="2000" dirty="0" smtClean="0">
-                <a:latin typeface="Times New Roman" panose="02020603050405020304" pitchFamily="18" charset="0"/>
-                <a:cs typeface="Times New Roman" panose="02020603050405020304" pitchFamily="18" charset="0"/>
-              </a:rPr>
-              <a:t>3.   I </a:t>
-            </a:r>
-            <a:r>
-              <a:rPr lang="it-IT" sz="2000" dirty="0">
-                <a:latin typeface="Times New Roman" panose="02020603050405020304" pitchFamily="18" charset="0"/>
-                <a:cs typeface="Times New Roman" panose="02020603050405020304" pitchFamily="18" charset="0"/>
-              </a:rPr>
-              <a:t>collegamenti fra le schermate sono coerenti.</a:t>
-            </a:r>
-          </a:p>
-          <a:p>
-            <a:pPr algn="ctr"/>
-            <a:r>
-              <a:rPr lang="it-IT" sz="2000" dirty="0">
-                <a:latin typeface="Times New Roman" panose="02020603050405020304" pitchFamily="18" charset="0"/>
-                <a:cs typeface="Times New Roman" panose="02020603050405020304" pitchFamily="18" charset="0"/>
-              </a:rPr>
-              <a:t>1    2    3    4    5</a:t>
-            </a:r>
-          </a:p>
-          <a:p>
-            <a:pPr lvl="0"/>
-            <a:r>
-              <a:rPr lang="it-IT" sz="2000" dirty="0" smtClean="0">
-                <a:latin typeface="Times New Roman" panose="02020603050405020304" pitchFamily="18" charset="0"/>
-                <a:cs typeface="Times New Roman" panose="02020603050405020304" pitchFamily="18" charset="0"/>
-              </a:rPr>
-              <a:t>4.   È </a:t>
-            </a:r>
-            <a:r>
-              <a:rPr lang="it-IT" sz="2000" dirty="0">
-                <a:latin typeface="Times New Roman" panose="02020603050405020304" pitchFamily="18" charset="0"/>
-                <a:cs typeface="Times New Roman" panose="02020603050405020304" pitchFamily="18" charset="0"/>
-              </a:rPr>
-              <a:t>possibile gestire gli errori.</a:t>
-            </a:r>
-          </a:p>
-          <a:p>
-            <a:pPr algn="ctr"/>
-            <a:r>
-              <a:rPr lang="it-IT" sz="2000" dirty="0">
-                <a:latin typeface="Times New Roman" panose="02020603050405020304" pitchFamily="18" charset="0"/>
-                <a:cs typeface="Times New Roman" panose="02020603050405020304" pitchFamily="18" charset="0"/>
-              </a:rPr>
-              <a:t>1    2    3    4    5</a:t>
-            </a:r>
-          </a:p>
-          <a:p>
-            <a:pPr lvl="0"/>
-            <a:r>
-              <a:rPr lang="it-IT" sz="2000" dirty="0" smtClean="0">
-                <a:latin typeface="Times New Roman" panose="02020603050405020304" pitchFamily="18" charset="0"/>
-                <a:cs typeface="Times New Roman" panose="02020603050405020304" pitchFamily="18" charset="0"/>
-              </a:rPr>
-              <a:t>5.   È </a:t>
-            </a:r>
-            <a:r>
-              <a:rPr lang="it-IT" sz="2000" dirty="0">
-                <a:latin typeface="Times New Roman" panose="02020603050405020304" pitchFamily="18" charset="0"/>
-                <a:cs typeface="Times New Roman" panose="02020603050405020304" pitchFamily="18" charset="0"/>
-              </a:rPr>
-              <a:t>possibile individuare facilmente quali premi sono stati vinti e quali </a:t>
-            </a:r>
-            <a:r>
-              <a:rPr lang="it-IT" sz="2000" dirty="0" smtClean="0">
-                <a:latin typeface="Times New Roman" panose="02020603050405020304" pitchFamily="18" charset="0"/>
-                <a:cs typeface="Times New Roman" panose="02020603050405020304" pitchFamily="18" charset="0"/>
-              </a:rPr>
-              <a:t>        no</a:t>
-            </a:r>
-            <a:r>
-              <a:rPr lang="it-IT" sz="2000" dirty="0">
-                <a:latin typeface="Times New Roman" panose="02020603050405020304" pitchFamily="18" charset="0"/>
-                <a:cs typeface="Times New Roman" panose="02020603050405020304" pitchFamily="18" charset="0"/>
-              </a:rPr>
-              <a:t>.</a:t>
-            </a:r>
-          </a:p>
-          <a:p>
-            <a:pPr algn="ctr"/>
-            <a:r>
-              <a:rPr lang="it-IT" sz="2000" dirty="0">
-                <a:latin typeface="Times New Roman" panose="02020603050405020304" pitchFamily="18" charset="0"/>
-                <a:cs typeface="Times New Roman" panose="02020603050405020304" pitchFamily="18" charset="0"/>
-              </a:rPr>
-              <a:t>1    2    3    4    5</a:t>
-            </a:r>
-          </a:p>
-          <a:p>
+            <a:pPr algn="just"/>
             <a:endParaRPr lang="it-IT" sz="2000" dirty="0" smtClean="0">
               <a:latin typeface="Times New Roman" panose="02020603050405020304" pitchFamily="18" charset="0"/>
               <a:cs typeface="Times New Roman" panose="02020603050405020304" pitchFamily="18" charset="0"/>
             </a:endParaRPr>
+          </a:p>
+          <a:p>
+            <a:pPr lvl="0"/>
+            <a:r>
+              <a:rPr lang="it-IT" sz="2000" dirty="0" smtClean="0">
+                <a:latin typeface="Times New Roman" panose="02020603050405020304" pitchFamily="18" charset="0"/>
+                <a:cs typeface="Times New Roman" panose="02020603050405020304" pitchFamily="18" charset="0"/>
+              </a:rPr>
+              <a:t>1.   La </a:t>
+            </a:r>
+            <a:r>
+              <a:rPr lang="it-IT" sz="2000" dirty="0">
+                <a:latin typeface="Times New Roman" panose="02020603050405020304" pitchFamily="18" charset="0"/>
+                <a:cs typeface="Times New Roman" panose="02020603050405020304" pitchFamily="18" charset="0"/>
+              </a:rPr>
+              <a:t>funzionalità del pulsante “No more </a:t>
+            </a:r>
+            <a:r>
+              <a:rPr lang="it-IT" sz="2000" dirty="0" err="1">
+                <a:latin typeface="Times New Roman" panose="02020603050405020304" pitchFamily="18" charset="0"/>
+                <a:cs typeface="Times New Roman" panose="02020603050405020304" pitchFamily="18" charset="0"/>
+              </a:rPr>
+              <a:t>adding</a:t>
+            </a:r>
+            <a:r>
+              <a:rPr lang="it-IT" sz="2000" dirty="0">
+                <a:latin typeface="Times New Roman" panose="02020603050405020304" pitchFamily="18" charset="0"/>
+                <a:cs typeface="Times New Roman" panose="02020603050405020304" pitchFamily="18" charset="0"/>
+              </a:rPr>
+              <a:t> </a:t>
+            </a:r>
+            <a:r>
+              <a:rPr lang="it-IT" sz="2000" dirty="0" err="1">
+                <a:latin typeface="Times New Roman" panose="02020603050405020304" pitchFamily="18" charset="0"/>
+                <a:cs typeface="Times New Roman" panose="02020603050405020304" pitchFamily="18" charset="0"/>
+              </a:rPr>
+              <a:t>cigarette</a:t>
+            </a:r>
+            <a:r>
+              <a:rPr lang="it-IT" sz="2000" dirty="0">
+                <a:latin typeface="Times New Roman" panose="02020603050405020304" pitchFamily="18" charset="0"/>
+                <a:cs typeface="Times New Roman" panose="02020603050405020304" pitchFamily="18" charset="0"/>
+              </a:rPr>
+              <a:t>” è comprensibile.</a:t>
+            </a:r>
+          </a:p>
+          <a:p>
+            <a:pPr algn="ctr"/>
+            <a:r>
+              <a:rPr lang="it-IT" sz="2000" dirty="0">
+                <a:latin typeface="Times New Roman" panose="02020603050405020304" pitchFamily="18" charset="0"/>
+                <a:cs typeface="Times New Roman" panose="02020603050405020304" pitchFamily="18" charset="0"/>
+              </a:rPr>
+              <a:t>1    2    3    4    5</a:t>
+            </a:r>
+          </a:p>
+          <a:p>
+            <a:pPr lvl="0"/>
+            <a:r>
+              <a:rPr lang="it-IT" sz="2000" dirty="0" smtClean="0">
+                <a:latin typeface="Times New Roman" panose="02020603050405020304" pitchFamily="18" charset="0"/>
+                <a:cs typeface="Times New Roman" panose="02020603050405020304" pitchFamily="18" charset="0"/>
+              </a:rPr>
+              <a:t>2.   I </a:t>
+            </a:r>
+            <a:r>
+              <a:rPr lang="it-IT" sz="2000" dirty="0">
+                <a:latin typeface="Times New Roman" panose="02020603050405020304" pitchFamily="18" charset="0"/>
+                <a:cs typeface="Times New Roman" panose="02020603050405020304" pitchFamily="18" charset="0"/>
+              </a:rPr>
+              <a:t>collegamenti fra le schermate sono coerenti.</a:t>
+            </a:r>
+          </a:p>
+          <a:p>
+            <a:pPr algn="ctr"/>
+            <a:r>
+              <a:rPr lang="it-IT" sz="2000" dirty="0">
+                <a:latin typeface="Times New Roman" panose="02020603050405020304" pitchFamily="18" charset="0"/>
+                <a:cs typeface="Times New Roman" panose="02020603050405020304" pitchFamily="18" charset="0"/>
+              </a:rPr>
+              <a:t>1    2    3    4    5</a:t>
+            </a:r>
+          </a:p>
+          <a:p>
+            <a:pPr lvl="0"/>
+            <a:r>
+              <a:rPr lang="it-IT" sz="2000" dirty="0" smtClean="0">
+                <a:latin typeface="Times New Roman" panose="02020603050405020304" pitchFamily="18" charset="0"/>
+                <a:cs typeface="Times New Roman" panose="02020603050405020304" pitchFamily="18" charset="0"/>
+              </a:rPr>
+              <a:t>3.   È </a:t>
+            </a:r>
+            <a:r>
+              <a:rPr lang="it-IT" sz="2000" dirty="0">
+                <a:latin typeface="Times New Roman" panose="02020603050405020304" pitchFamily="18" charset="0"/>
+                <a:cs typeface="Times New Roman" panose="02020603050405020304" pitchFamily="18" charset="0"/>
+              </a:rPr>
+              <a:t>possibile gestire gli errori.</a:t>
+            </a:r>
+          </a:p>
+          <a:p>
+            <a:pPr algn="ctr"/>
+            <a:r>
+              <a:rPr lang="it-IT" sz="2000" dirty="0">
+                <a:latin typeface="Times New Roman" panose="02020603050405020304" pitchFamily="18" charset="0"/>
+                <a:cs typeface="Times New Roman" panose="02020603050405020304" pitchFamily="18" charset="0"/>
+              </a:rPr>
+              <a:t>1    2    3    4    5</a:t>
+            </a:r>
+          </a:p>
+          <a:p>
+            <a:pPr lvl="0"/>
+            <a:r>
+              <a:rPr lang="it-IT" sz="2000" dirty="0" smtClean="0">
+                <a:latin typeface="Times New Roman" panose="02020603050405020304" pitchFamily="18" charset="0"/>
+                <a:cs typeface="Times New Roman" panose="02020603050405020304" pitchFamily="18" charset="0"/>
+              </a:rPr>
+              <a:t>4.   È </a:t>
+            </a:r>
+            <a:r>
+              <a:rPr lang="it-IT" sz="2000" dirty="0">
+                <a:latin typeface="Times New Roman" panose="02020603050405020304" pitchFamily="18" charset="0"/>
+                <a:cs typeface="Times New Roman" panose="02020603050405020304" pitchFamily="18" charset="0"/>
+              </a:rPr>
+              <a:t>sempre possibile capire quali operazioni effettuare.</a:t>
+            </a:r>
+          </a:p>
+          <a:p>
+            <a:pPr algn="ctr"/>
+            <a:r>
+              <a:rPr lang="it-IT" sz="2000" dirty="0">
+                <a:latin typeface="Times New Roman" panose="02020603050405020304" pitchFamily="18" charset="0"/>
+                <a:cs typeface="Times New Roman" panose="02020603050405020304" pitchFamily="18" charset="0"/>
+              </a:rPr>
+              <a:t>1    2    3    4    5</a:t>
+            </a:r>
+          </a:p>
+          <a:p>
+            <a:pPr lvl="0"/>
+            <a:r>
+              <a:rPr lang="it-IT" sz="2000" dirty="0" smtClean="0">
+                <a:latin typeface="Times New Roman" panose="02020603050405020304" pitchFamily="18" charset="0"/>
+                <a:cs typeface="Times New Roman" panose="02020603050405020304" pitchFamily="18" charset="0"/>
+              </a:rPr>
+              <a:t>5.   È </a:t>
+            </a:r>
+            <a:r>
+              <a:rPr lang="it-IT" sz="2000" dirty="0">
+                <a:latin typeface="Times New Roman" panose="02020603050405020304" pitchFamily="18" charset="0"/>
+                <a:cs typeface="Times New Roman" panose="02020603050405020304" pitchFamily="18" charset="0"/>
+              </a:rPr>
+              <a:t>chiaro e/o intuibile lo stato del sistema una volta perso il premio precedentemente vinto.</a:t>
+            </a:r>
+          </a:p>
+          <a:p>
+            <a:pPr algn="ctr"/>
+            <a:r>
+              <a:rPr lang="it-IT" sz="2000" dirty="0">
+                <a:latin typeface="Times New Roman" panose="02020603050405020304" pitchFamily="18" charset="0"/>
+                <a:cs typeface="Times New Roman" panose="02020603050405020304" pitchFamily="18" charset="0"/>
+              </a:rPr>
+              <a:t>1    2    3    4    5</a:t>
+            </a:r>
+          </a:p>
+          <a:p>
+            <a:pPr algn="just"/>
+            <a:endParaRPr lang="it-IT" sz="2000" dirty="0" smtClean="0">
+              <a:latin typeface="Times New Roman" panose="02020603050405020304" pitchFamily="18" charset="0"/>
+              <a:cs typeface="Times New Roman" panose="02020603050405020304" pitchFamily="18" charset="0"/>
+            </a:endParaRPr>
+          </a:p>
+          <a:p>
+            <a:r>
+              <a:rPr lang="it-IT" sz="2600" dirty="0" smtClean="0"/>
+              <a:t> </a:t>
+            </a:r>
           </a:p>
         </p:txBody>
       </p:sp>
     </p:spTree>
     <p:extLst>
       <p:ext uri="{BB962C8B-B14F-4D97-AF65-F5344CB8AC3E}">
-        <p14:creationId xmlns:p14="http://schemas.microsoft.com/office/powerpoint/2010/main" xmlns="" val="2442419145"/>
+        <p14:creationId xmlns:p14="http://schemas.microsoft.com/office/powerpoint/2010/main" val="2442419145"/>
       </p:ext>
     </p:extLst>
   </p:cSld>
@@ -13114,7 +13284,7 @@
                 <a:latin typeface="Times New Roman" panose="02020603050405020304" pitchFamily="18" charset="0"/>
                 <a:cs typeface="Times New Roman" panose="02020603050405020304" pitchFamily="18" charset="0"/>
               </a:rPr>
-              <a:t>(4)</a:t>
+              <a:t>(7)</a:t>
             </a:r>
             <a:endParaRPr lang="it-IT" sz="2800" i="1" dirty="0"/>
           </a:p>
@@ -13156,49 +13326,21 @@
                 <a:latin typeface="Times New Roman" panose="02020603050405020304" pitchFamily="18" charset="0"/>
                 <a:cs typeface="Times New Roman" panose="02020603050405020304" pitchFamily="18" charset="0"/>
               </a:rPr>
-              <a:t>Task 4 – Vincere il premio “</a:t>
+              <a:t>Task 7 – </a:t>
             </a:r>
             <a:r>
               <a:rPr lang="it-IT" sz="2500" b="1" dirty="0" err="1" smtClean="0">
                 <a:latin typeface="Times New Roman" panose="02020603050405020304" pitchFamily="18" charset="0"/>
                 <a:cs typeface="Times New Roman" panose="02020603050405020304" pitchFamily="18" charset="0"/>
               </a:rPr>
-              <a:t>Only</a:t>
+              <a:t>Forgot</a:t>
             </a:r>
             <a:r>
               <a:rPr lang="it-IT" sz="2500" b="1" dirty="0" smtClean="0">
                 <a:latin typeface="Times New Roman" panose="02020603050405020304" pitchFamily="18" charset="0"/>
                 <a:cs typeface="Times New Roman" panose="02020603050405020304" pitchFamily="18" charset="0"/>
               </a:rPr>
-              <a:t> 10 </a:t>
-            </a:r>
-            <a:r>
-              <a:rPr lang="it-IT" sz="2500" b="1" dirty="0" err="1" smtClean="0">
-                <a:latin typeface="Times New Roman" panose="02020603050405020304" pitchFamily="18" charset="0"/>
-                <a:cs typeface="Times New Roman" panose="02020603050405020304" pitchFamily="18" charset="0"/>
-              </a:rPr>
-              <a:t>cigarettes</a:t>
-            </a:r>
-            <a:r>
-              <a:rPr lang="it-IT" sz="2500" b="1" dirty="0" smtClean="0">
-                <a:latin typeface="Times New Roman" panose="02020603050405020304" pitchFamily="18" charset="0"/>
-                <a:cs typeface="Times New Roman" panose="02020603050405020304" pitchFamily="18" charset="0"/>
-              </a:rPr>
-              <a:t> </a:t>
-            </a:r>
-            <a:r>
-              <a:rPr lang="it-IT" sz="2500" b="1" dirty="0" err="1" smtClean="0">
-                <a:latin typeface="Times New Roman" panose="02020603050405020304" pitchFamily="18" charset="0"/>
-                <a:cs typeface="Times New Roman" panose="02020603050405020304" pitchFamily="18" charset="0"/>
-              </a:rPr>
-              <a:t>smoked</a:t>
-            </a:r>
-            <a:r>
-              <a:rPr lang="it-IT" sz="2500" b="1" dirty="0" smtClean="0">
-                <a:latin typeface="Times New Roman" panose="02020603050405020304" pitchFamily="18" charset="0"/>
-                <a:cs typeface="Times New Roman" panose="02020603050405020304" pitchFamily="18" charset="0"/>
-              </a:rPr>
-              <a:t>”</a:t>
+              <a:t> password e Login</a:t>
             </a:r>
             <a:endParaRPr lang="it-IT" sz="2500" dirty="0" smtClean="0">
               <a:latin typeface="Times New Roman" panose="02020603050405020304" pitchFamily="18" charset="0"/>
@@ -13213,48 +13355,143 @@
             </a:endParaRPr>
           </a:p>
           <a:p>
-            <a:pPr lvl="0" algn="just"/>
-            <a:r>
-              <a:rPr lang="it-IT" sz="2000" dirty="0" smtClean="0">
-                <a:latin typeface="Times New Roman" panose="02020603050405020304" pitchFamily="18" charset="0"/>
-                <a:cs typeface="Times New Roman" panose="02020603050405020304" pitchFamily="18" charset="0"/>
-              </a:rPr>
-              <a:t>1.   La </a:t>
+            <a:pPr lvl="0"/>
+            <a:r>
+              <a:rPr lang="it-IT" sz="2000" dirty="0" smtClean="0">
+                <a:latin typeface="Times New Roman" panose="02020603050405020304" pitchFamily="18" charset="0"/>
+                <a:cs typeface="Times New Roman" panose="02020603050405020304" pitchFamily="18" charset="0"/>
+              </a:rPr>
+              <a:t>1.   È </a:t>
             </a:r>
             <a:r>
               <a:rPr lang="it-IT" sz="2000" dirty="0">
                 <a:latin typeface="Times New Roman" panose="02020603050405020304" pitchFamily="18" charset="0"/>
                 <a:cs typeface="Times New Roman" panose="02020603050405020304" pitchFamily="18" charset="0"/>
               </a:rPr>
-              <a:t>funzionalità del pulsante “</a:t>
+              <a:t>facile capire come effettuare il </a:t>
             </a:r>
             <a:r>
               <a:rPr lang="it-IT" sz="2000" dirty="0" err="1">
                 <a:latin typeface="Times New Roman" panose="02020603050405020304" pitchFamily="18" charset="0"/>
                 <a:cs typeface="Times New Roman" panose="02020603050405020304" pitchFamily="18" charset="0"/>
               </a:rPr>
-              <a:t>Add</a:t>
+              <a:t>logout</a:t>
             </a:r>
             <a:r>
               <a:rPr lang="it-IT" sz="2000" dirty="0">
                 <a:latin typeface="Times New Roman" panose="02020603050405020304" pitchFamily="18" charset="0"/>
                 <a:cs typeface="Times New Roman" panose="02020603050405020304" pitchFamily="18" charset="0"/>
               </a:rPr>
-              <a:t> a </a:t>
+              <a:t>.</a:t>
+            </a:r>
+          </a:p>
+          <a:p>
+            <a:pPr algn="ctr"/>
+            <a:r>
+              <a:rPr lang="it-IT" sz="2000" dirty="0">
+                <a:latin typeface="Times New Roman" panose="02020603050405020304" pitchFamily="18" charset="0"/>
+                <a:cs typeface="Times New Roman" panose="02020603050405020304" pitchFamily="18" charset="0"/>
+              </a:rPr>
+              <a:t>1    2    3    4    5</a:t>
+            </a:r>
+          </a:p>
+          <a:p>
+            <a:pPr lvl="0"/>
+            <a:r>
+              <a:rPr lang="it-IT" sz="2000" dirty="0" smtClean="0">
+                <a:latin typeface="Times New Roman" panose="02020603050405020304" pitchFamily="18" charset="0"/>
+                <a:cs typeface="Times New Roman" panose="02020603050405020304" pitchFamily="18" charset="0"/>
+              </a:rPr>
+              <a:t>2.   I </a:t>
+            </a:r>
+            <a:r>
+              <a:rPr lang="it-IT" sz="2000" dirty="0">
+                <a:latin typeface="Times New Roman" panose="02020603050405020304" pitchFamily="18" charset="0"/>
+                <a:cs typeface="Times New Roman" panose="02020603050405020304" pitchFamily="18" charset="0"/>
+              </a:rPr>
+              <a:t>collegamenti fra le schermate sono coerenti.</a:t>
+            </a:r>
+          </a:p>
+          <a:p>
+            <a:pPr algn="ctr"/>
+            <a:r>
+              <a:rPr lang="it-IT" sz="2000" dirty="0">
+                <a:latin typeface="Times New Roman" panose="02020603050405020304" pitchFamily="18" charset="0"/>
+                <a:cs typeface="Times New Roman" panose="02020603050405020304" pitchFamily="18" charset="0"/>
+              </a:rPr>
+              <a:t>1    2    3    4    5</a:t>
+            </a:r>
+          </a:p>
+          <a:p>
+            <a:pPr lvl="0"/>
+            <a:r>
+              <a:rPr lang="it-IT" sz="2000" dirty="0" smtClean="0">
+                <a:latin typeface="Times New Roman" panose="02020603050405020304" pitchFamily="18" charset="0"/>
+                <a:cs typeface="Times New Roman" panose="02020603050405020304" pitchFamily="18" charset="0"/>
+              </a:rPr>
+              <a:t>3.   È </a:t>
+            </a:r>
+            <a:r>
+              <a:rPr lang="it-IT" sz="2000" dirty="0">
+                <a:latin typeface="Times New Roman" panose="02020603050405020304" pitchFamily="18" charset="0"/>
+                <a:cs typeface="Times New Roman" panose="02020603050405020304" pitchFamily="18" charset="0"/>
+              </a:rPr>
+              <a:t>possibile gestire gli errori.</a:t>
+            </a:r>
+          </a:p>
+          <a:p>
+            <a:pPr algn="ctr"/>
+            <a:r>
+              <a:rPr lang="it-IT" sz="2000" dirty="0">
+                <a:latin typeface="Times New Roman" panose="02020603050405020304" pitchFamily="18" charset="0"/>
+                <a:cs typeface="Times New Roman" panose="02020603050405020304" pitchFamily="18" charset="0"/>
+              </a:rPr>
+              <a:t>1    2    3    4    5</a:t>
+            </a:r>
+          </a:p>
+          <a:p>
+            <a:pPr lvl="0"/>
+            <a:r>
+              <a:rPr lang="it-IT" sz="2000" dirty="0" smtClean="0">
+                <a:latin typeface="Times New Roman" panose="02020603050405020304" pitchFamily="18" charset="0"/>
+                <a:cs typeface="Times New Roman" panose="02020603050405020304" pitchFamily="18" charset="0"/>
+              </a:rPr>
+              <a:t>4.   Sono </a:t>
+            </a:r>
+            <a:r>
+              <a:rPr lang="it-IT" sz="2000" dirty="0">
+                <a:latin typeface="Times New Roman" panose="02020603050405020304" pitchFamily="18" charset="0"/>
+                <a:cs typeface="Times New Roman" panose="02020603050405020304" pitchFamily="18" charset="0"/>
+              </a:rPr>
+              <a:t>chiare le modalità di funzionamento del pulsante “</a:t>
             </a:r>
             <a:r>
               <a:rPr lang="it-IT" sz="2000" dirty="0" err="1">
                 <a:latin typeface="Times New Roman" panose="02020603050405020304" pitchFamily="18" charset="0"/>
                 <a:cs typeface="Times New Roman" panose="02020603050405020304" pitchFamily="18" charset="0"/>
               </a:rPr>
-              <a:t>cigarette</a:t>
+              <a:t>Forgot</a:t>
             </a:r>
             <a:r>
               <a:rPr lang="it-IT" sz="2000" dirty="0">
                 <a:latin typeface="Times New Roman" panose="02020603050405020304" pitchFamily="18" charset="0"/>
                 <a:cs typeface="Times New Roman" panose="02020603050405020304" pitchFamily="18" charset="0"/>
               </a:rPr>
-              <a:t>” è comprensibile.</a:t>
+              <a:t> </a:t>
+            </a:r>
+            <a:r>
+              <a:rPr lang="it-IT" sz="2000" dirty="0" err="1">
+                <a:latin typeface="Times New Roman" panose="02020603050405020304" pitchFamily="18" charset="0"/>
+                <a:cs typeface="Times New Roman" panose="02020603050405020304" pitchFamily="18" charset="0"/>
+              </a:rPr>
+              <a:t>your</a:t>
+            </a:r>
+            <a:r>
+              <a:rPr lang="it-IT" sz="2000" dirty="0">
+                <a:latin typeface="Times New Roman" panose="02020603050405020304" pitchFamily="18" charset="0"/>
+                <a:cs typeface="Times New Roman" panose="02020603050405020304" pitchFamily="18" charset="0"/>
+              </a:rPr>
+              <a:t> password?”.</a:t>
             </a:r>
           </a:p>
           <a:p>
@@ -13268,20 +13505,20 @@
             </a:r>
           </a:p>
           <a:p>
-            <a:pPr lvl="0" algn="just"/>
-            <a:r>
-              <a:rPr lang="it-IT" sz="2000" dirty="0" smtClean="0">
-                <a:latin typeface="Times New Roman" panose="02020603050405020304" pitchFamily="18" charset="0"/>
-                <a:cs typeface="Times New Roman" panose="02020603050405020304" pitchFamily="18" charset="0"/>
-              </a:rPr>
-              <a:t>2.   La </a:t>
+            <a:pPr lvl="0"/>
+            <a:r>
+              <a:rPr lang="it-IT" sz="2000" dirty="0" smtClean="0">
+                <a:latin typeface="Times New Roman" panose="02020603050405020304" pitchFamily="18" charset="0"/>
+                <a:cs typeface="Times New Roman" panose="02020603050405020304" pitchFamily="18" charset="0"/>
+              </a:rPr>
+              <a:t>5.   È </a:t>
             </a:r>
             <a:r>
               <a:rPr lang="it-IT" sz="2000" dirty="0">
                 <a:latin typeface="Times New Roman" panose="02020603050405020304" pitchFamily="18" charset="0"/>
                 <a:cs typeface="Times New Roman" panose="02020603050405020304" pitchFamily="18" charset="0"/>
               </a:rPr>
-              <a:t>modalità con la quale si può vincere il premio è ben spiegata.</a:t>
+              <a:t>sempre chiaro quali campi devono essere riempiti.</a:t>
             </a:r>
           </a:p>
           <a:p>
@@ -13295,129 +13532,20 @@
             </a:r>
           </a:p>
           <a:p>
-            <a:pPr lvl="0" algn="just"/>
-            <a:r>
-              <a:rPr lang="it-IT" sz="2000" dirty="0" smtClean="0">
-                <a:latin typeface="Times New Roman" panose="02020603050405020304" pitchFamily="18" charset="0"/>
-                <a:cs typeface="Times New Roman" panose="02020603050405020304" pitchFamily="18" charset="0"/>
-              </a:rPr>
-              <a:t>3.   È </a:t>
+            <a:pPr lvl="0"/>
+            <a:r>
+              <a:rPr lang="it-IT" sz="2000" dirty="0" smtClean="0">
+                <a:latin typeface="Times New Roman" panose="02020603050405020304" pitchFamily="18" charset="0"/>
+                <a:cs typeface="Times New Roman" panose="02020603050405020304" pitchFamily="18" charset="0"/>
+              </a:rPr>
+              <a:t>6.   La </a:t>
             </a:r>
             <a:r>
               <a:rPr lang="it-IT" sz="2000" dirty="0">
                 <a:latin typeface="Times New Roman" panose="02020603050405020304" pitchFamily="18" charset="0"/>
                 <a:cs typeface="Times New Roman" panose="02020603050405020304" pitchFamily="18" charset="0"/>
               </a:rPr>
-              <a:t>evidente il risultato del pulsante “</a:t>
-            </a:r>
-            <a:r>
-              <a:rPr lang="it-IT" sz="2000" dirty="0" err="1">
-                <a:latin typeface="Times New Roman" panose="02020603050405020304" pitchFamily="18" charset="0"/>
-                <a:cs typeface="Times New Roman" panose="02020603050405020304" pitchFamily="18" charset="0"/>
-              </a:rPr>
-              <a:t>Add</a:t>
-            </a:r>
-            <a:r>
-              <a:rPr lang="it-IT" sz="2000" dirty="0">
-                <a:latin typeface="Times New Roman" panose="02020603050405020304" pitchFamily="18" charset="0"/>
-                <a:cs typeface="Times New Roman" panose="02020603050405020304" pitchFamily="18" charset="0"/>
-              </a:rPr>
-              <a:t> a </a:t>
-            </a:r>
-            <a:r>
-              <a:rPr lang="it-IT" sz="2000" dirty="0" err="1">
-                <a:latin typeface="Times New Roman" panose="02020603050405020304" pitchFamily="18" charset="0"/>
-                <a:cs typeface="Times New Roman" panose="02020603050405020304" pitchFamily="18" charset="0"/>
-              </a:rPr>
-              <a:t>cigarette</a:t>
-            </a:r>
-            <a:r>
-              <a:rPr lang="it-IT" sz="2000" dirty="0">
-                <a:latin typeface="Times New Roman" panose="02020603050405020304" pitchFamily="18" charset="0"/>
-                <a:cs typeface="Times New Roman" panose="02020603050405020304" pitchFamily="18" charset="0"/>
-              </a:rPr>
-              <a:t>” sulla Home page.</a:t>
-            </a:r>
-          </a:p>
-          <a:p>
-            <a:pPr algn="ctr"/>
-            <a:r>
-              <a:rPr lang="it-IT" sz="2000" dirty="0">
-                <a:latin typeface="Times New Roman" panose="02020603050405020304" pitchFamily="18" charset="0"/>
-                <a:cs typeface="Times New Roman" panose="02020603050405020304" pitchFamily="18" charset="0"/>
-              </a:rPr>
-              <a:t>1    2    3    4    5</a:t>
-            </a:r>
-          </a:p>
-          <a:p>
-            <a:pPr lvl="0" algn="just"/>
-            <a:r>
-              <a:rPr lang="it-IT" sz="2000" dirty="0" smtClean="0">
-                <a:latin typeface="Times New Roman" panose="02020603050405020304" pitchFamily="18" charset="0"/>
-                <a:cs typeface="Times New Roman" panose="02020603050405020304" pitchFamily="18" charset="0"/>
-              </a:rPr>
-              <a:t>4.   I </a:t>
-            </a:r>
-            <a:r>
-              <a:rPr lang="it-IT" sz="2000" dirty="0">
-                <a:latin typeface="Times New Roman" panose="02020603050405020304" pitchFamily="18" charset="0"/>
-                <a:cs typeface="Times New Roman" panose="02020603050405020304" pitchFamily="18" charset="0"/>
-              </a:rPr>
-              <a:t>collegamenti fra le schermate sono coerenti.</a:t>
-            </a:r>
-          </a:p>
-          <a:p>
-            <a:pPr algn="ctr"/>
-            <a:r>
-              <a:rPr lang="it-IT" sz="2000" dirty="0">
-                <a:latin typeface="Times New Roman" panose="02020603050405020304" pitchFamily="18" charset="0"/>
-                <a:cs typeface="Times New Roman" panose="02020603050405020304" pitchFamily="18" charset="0"/>
-              </a:rPr>
-              <a:t>1    2    3    4    5</a:t>
-            </a:r>
-          </a:p>
-          <a:p>
-            <a:pPr lvl="0" algn="just"/>
-            <a:r>
-              <a:rPr lang="it-IT" sz="2000" dirty="0" smtClean="0">
-                <a:latin typeface="Times New Roman" panose="02020603050405020304" pitchFamily="18" charset="0"/>
-                <a:cs typeface="Times New Roman" panose="02020603050405020304" pitchFamily="18" charset="0"/>
-              </a:rPr>
-              <a:t>5.   È </a:t>
-            </a:r>
-            <a:r>
-              <a:rPr lang="it-IT" sz="2000" dirty="0">
-                <a:latin typeface="Times New Roman" panose="02020603050405020304" pitchFamily="18" charset="0"/>
-                <a:cs typeface="Times New Roman" panose="02020603050405020304" pitchFamily="18" charset="0"/>
-              </a:rPr>
-              <a:t>possibile gestire gli errori.</a:t>
-            </a:r>
-          </a:p>
-          <a:p>
-            <a:pPr algn="ctr"/>
-            <a:r>
-              <a:rPr lang="it-IT" sz="2000" dirty="0">
-                <a:latin typeface="Times New Roman" panose="02020603050405020304" pitchFamily="18" charset="0"/>
-                <a:cs typeface="Times New Roman" panose="02020603050405020304" pitchFamily="18" charset="0"/>
-              </a:rPr>
-              <a:t>1    2    3    4    5</a:t>
-            </a:r>
-          </a:p>
-          <a:p>
-            <a:pPr lvl="0"/>
-            <a:r>
-              <a:rPr lang="it-IT" sz="2000" dirty="0" smtClean="0">
-                <a:latin typeface="Times New Roman" panose="02020603050405020304" pitchFamily="18" charset="0"/>
-                <a:cs typeface="Times New Roman" panose="02020603050405020304" pitchFamily="18" charset="0"/>
-              </a:rPr>
-              <a:t>6.   È </a:t>
-            </a:r>
-            <a:r>
-              <a:rPr lang="it-IT" sz="2000" dirty="0">
-                <a:latin typeface="Times New Roman" panose="02020603050405020304" pitchFamily="18" charset="0"/>
-                <a:cs typeface="Times New Roman" panose="02020603050405020304" pitchFamily="18" charset="0"/>
-              </a:rPr>
-              <a:t>possibile individuare facilmente quali premi sono stati vinti e quali no.</a:t>
+              <a:t>modalità del funzionamento del pulsante “Login” è comprensibile.</a:t>
             </a:r>
           </a:p>
           <a:p>
@@ -13438,7 +13566,7 @@
     </p:spTree>
     <p:extLst>
       <p:ext uri="{BB962C8B-B14F-4D97-AF65-F5344CB8AC3E}">
-        <p14:creationId xmlns:p14="http://schemas.microsoft.com/office/powerpoint/2010/main" xmlns="" val="2442419145"/>
+        <p14:creationId xmlns:p14="http://schemas.microsoft.com/office/powerpoint/2010/main" val="2442419145"/>
       </p:ext>
     </p:extLst>
   </p:cSld>
@@ -13492,42 +13620,7 @@
                 <a:latin typeface="Times New Roman" panose="02020603050405020304" pitchFamily="18" charset="0"/>
                 <a:cs typeface="Times New Roman" panose="02020603050405020304" pitchFamily="18" charset="0"/>
               </a:rPr>
-              <a:t>User </a:t>
-            </a:r>
-            <a:r>
-              <a:rPr lang="it-IT" sz="2800" b="1" dirty="0" err="1" smtClean="0">
-                <a:latin typeface="Times New Roman" panose="02020603050405020304" pitchFamily="18" charset="0"/>
-                <a:cs typeface="Times New Roman" panose="02020603050405020304" pitchFamily="18" charset="0"/>
-              </a:rPr>
-              <a:t>testing</a:t>
-            </a:r>
-            <a:r>
-              <a:rPr lang="it-IT" sz="2800" b="1" dirty="0" smtClean="0">
-                <a:latin typeface="Times New Roman" panose="02020603050405020304" pitchFamily="18" charset="0"/>
-                <a:cs typeface="Times New Roman" panose="02020603050405020304" pitchFamily="18" charset="0"/>
-              </a:rPr>
-              <a:t> – </a:t>
-            </a:r>
-            <a:r>
-              <a:rPr lang="it-IT" sz="2800" b="1" i="1" dirty="0" err="1" smtClean="0">
-                <a:latin typeface="Times New Roman" panose="02020603050405020304" pitchFamily="18" charset="0"/>
-                <a:cs typeface="Times New Roman" panose="02020603050405020304" pitchFamily="18" charset="0"/>
-              </a:rPr>
-              <a:t>After</a:t>
-            </a:r>
-            <a:r>
-              <a:rPr lang="it-IT" sz="2800" b="1" i="1" dirty="0" smtClean="0">
-                <a:latin typeface="Times New Roman" panose="02020603050405020304" pitchFamily="18" charset="0"/>
-                <a:cs typeface="Times New Roman" panose="02020603050405020304" pitchFamily="18" charset="0"/>
-              </a:rPr>
-              <a:t> the test </a:t>
-            </a:r>
-            <a:r>
-              <a:rPr lang="it-IT" sz="2800" b="1" dirty="0" smtClean="0">
-                <a:latin typeface="Times New Roman" panose="02020603050405020304" pitchFamily="18" charset="0"/>
-                <a:cs typeface="Times New Roman" panose="02020603050405020304" pitchFamily="18" charset="0"/>
-              </a:rPr>
-              <a:t>(5)</a:t>
+              <a:t>Foto dei breakdown (1)</a:t>
             </a:r>
             <a:endParaRPr lang="it-IT" sz="2800" i="1" dirty="0"/>
           </a:p>
@@ -13543,8 +13636,8 @@
         </p:nvSpPr>
         <p:spPr>
           <a:xfrm>
-            <a:off x="628650" y="1254034"/>
-            <a:ext cx="7886700" cy="5301311"/>
+            <a:off x="628650" y="1254036"/>
+            <a:ext cx="7886700" cy="627016"/>
           </a:xfrm>
           <a:prstGeom prst="rect">
             <a:avLst/>
@@ -13569,167 +13662,125 @@
                 <a:latin typeface="Times New Roman" panose="02020603050405020304" pitchFamily="18" charset="0"/>
                 <a:cs typeface="Times New Roman" panose="02020603050405020304" pitchFamily="18" charset="0"/>
               </a:rPr>
-              <a:t>Task 5 – Visualizzare i progressi</a:t>
-            </a:r>
-          </a:p>
-          <a:p>
-            <a:pPr lvl="0" algn="ctr">
-              <a:lnSpc>
-                <a:spcPct val="120000"/>
-              </a:lnSpc>
-              <a:spcBef>
-                <a:spcPts val="1000"/>
-              </a:spcBef>
-            </a:pPr>
+              <a:t>Tester </a:t>
+            </a:r>
+            <a:r>
+              <a:rPr lang="it-IT" sz="2500" b="1" dirty="0" smtClean="0">
+                <a:latin typeface="Times New Roman" panose="02020603050405020304" pitchFamily="18" charset="0"/>
+                <a:cs typeface="Times New Roman" panose="02020603050405020304" pitchFamily="18" charset="0"/>
+              </a:rPr>
+              <a:t>n° 1 (Carlo)</a:t>
+            </a:r>
             <a:endParaRPr lang="it-IT" sz="2500" dirty="0" smtClean="0">
               <a:latin typeface="Times New Roman" panose="02020603050405020304" pitchFamily="18" charset="0"/>
               <a:cs typeface="Times New Roman" panose="02020603050405020304" pitchFamily="18" charset="0"/>
             </a:endParaRPr>
           </a:p>
-          <a:p>
-            <a:pPr lvl="0"/>
-            <a:r>
-              <a:rPr lang="it-IT" sz="2000" dirty="0" smtClean="0">
-                <a:latin typeface="Times New Roman" panose="02020603050405020304" pitchFamily="18" charset="0"/>
-                <a:cs typeface="Times New Roman" panose="02020603050405020304" pitchFamily="18" charset="0"/>
-              </a:rPr>
-              <a:t>1.   Il </a:t>
-            </a:r>
-            <a:r>
-              <a:rPr lang="it-IT" sz="2000" dirty="0">
-                <a:latin typeface="Times New Roman" panose="02020603050405020304" pitchFamily="18" charset="0"/>
-                <a:cs typeface="Times New Roman" panose="02020603050405020304" pitchFamily="18" charset="0"/>
-              </a:rPr>
-              <a:t>raggiungimento della schermata “Progress” è intuitivo.</a:t>
-            </a:r>
-          </a:p>
-          <a:p>
-            <a:pPr algn="ctr"/>
-            <a:r>
-              <a:rPr lang="it-IT" sz="2000" dirty="0">
-                <a:latin typeface="Times New Roman" panose="02020603050405020304" pitchFamily="18" charset="0"/>
-                <a:cs typeface="Times New Roman" panose="02020603050405020304" pitchFamily="18" charset="0"/>
-              </a:rPr>
-              <a:t>1    2    3    4    5</a:t>
-            </a:r>
-          </a:p>
-          <a:p>
-            <a:pPr lvl="0"/>
-            <a:r>
-              <a:rPr lang="it-IT" sz="2000" dirty="0" smtClean="0">
-                <a:latin typeface="Times New Roman" panose="02020603050405020304" pitchFamily="18" charset="0"/>
-                <a:cs typeface="Times New Roman" panose="02020603050405020304" pitchFamily="18" charset="0"/>
-              </a:rPr>
-              <a:t>2.   I </a:t>
-            </a:r>
-            <a:r>
-              <a:rPr lang="it-IT" sz="2000" dirty="0">
-                <a:latin typeface="Times New Roman" panose="02020603050405020304" pitchFamily="18" charset="0"/>
-                <a:cs typeface="Times New Roman" panose="02020603050405020304" pitchFamily="18" charset="0"/>
-              </a:rPr>
-              <a:t>collegamenti tra le schermate sono coerenti.</a:t>
-            </a:r>
-          </a:p>
-          <a:p>
-            <a:pPr algn="ctr"/>
-            <a:r>
-              <a:rPr lang="it-IT" sz="2000" dirty="0">
-                <a:latin typeface="Times New Roman" panose="02020603050405020304" pitchFamily="18" charset="0"/>
-                <a:cs typeface="Times New Roman" panose="02020603050405020304" pitchFamily="18" charset="0"/>
-              </a:rPr>
-              <a:t>1    2    3    4    5</a:t>
-            </a:r>
-          </a:p>
-          <a:p>
-            <a:pPr lvl="0"/>
-            <a:r>
-              <a:rPr lang="it-IT" sz="2000" dirty="0" smtClean="0">
-                <a:latin typeface="Times New Roman" panose="02020603050405020304" pitchFamily="18" charset="0"/>
-                <a:cs typeface="Times New Roman" panose="02020603050405020304" pitchFamily="18" charset="0"/>
-              </a:rPr>
-              <a:t>3.   È </a:t>
-            </a:r>
-            <a:r>
-              <a:rPr lang="it-IT" sz="2000" dirty="0">
-                <a:latin typeface="Times New Roman" panose="02020603050405020304" pitchFamily="18" charset="0"/>
-                <a:cs typeface="Times New Roman" panose="02020603050405020304" pitchFamily="18" charset="0"/>
-              </a:rPr>
-              <a:t>possibile gestire gli errori.</a:t>
-            </a:r>
-          </a:p>
-          <a:p>
-            <a:pPr algn="ctr"/>
-            <a:r>
-              <a:rPr lang="it-IT" sz="2000" dirty="0">
-                <a:latin typeface="Times New Roman" panose="02020603050405020304" pitchFamily="18" charset="0"/>
-                <a:cs typeface="Times New Roman" panose="02020603050405020304" pitchFamily="18" charset="0"/>
-              </a:rPr>
-              <a:t>1    2    3    4    5</a:t>
-            </a:r>
-          </a:p>
-          <a:p>
-            <a:pPr lvl="0"/>
-            <a:r>
-              <a:rPr lang="it-IT" sz="2000" dirty="0" smtClean="0">
-                <a:latin typeface="Times New Roman" panose="02020603050405020304" pitchFamily="18" charset="0"/>
-                <a:cs typeface="Times New Roman" panose="02020603050405020304" pitchFamily="18" charset="0"/>
-              </a:rPr>
-              <a:t>4.   È chiara </a:t>
-            </a:r>
-            <a:r>
-              <a:rPr lang="it-IT" sz="2000" dirty="0">
-                <a:latin typeface="Times New Roman" panose="02020603050405020304" pitchFamily="18" charset="0"/>
-                <a:cs typeface="Times New Roman" panose="02020603050405020304" pitchFamily="18" charset="0"/>
-              </a:rPr>
-              <a:t>la modalità con la quale funziona la schermata.</a:t>
-            </a:r>
-          </a:p>
-          <a:p>
-            <a:pPr algn="ctr"/>
-            <a:r>
-              <a:rPr lang="it-IT" sz="2000" dirty="0">
-                <a:latin typeface="Times New Roman" panose="02020603050405020304" pitchFamily="18" charset="0"/>
-                <a:cs typeface="Times New Roman" panose="02020603050405020304" pitchFamily="18" charset="0"/>
-              </a:rPr>
-              <a:t>1    2    3    4    5</a:t>
-            </a:r>
-          </a:p>
-          <a:p>
-            <a:pPr lvl="0"/>
-            <a:r>
-              <a:rPr lang="it-IT" sz="2000" dirty="0" smtClean="0">
-                <a:latin typeface="Times New Roman" panose="02020603050405020304" pitchFamily="18" charset="0"/>
-                <a:cs typeface="Times New Roman" panose="02020603050405020304" pitchFamily="18" charset="0"/>
-              </a:rPr>
-              <a:t>5.   È </a:t>
-            </a:r>
-            <a:r>
-              <a:rPr lang="it-IT" sz="2000" dirty="0">
-                <a:latin typeface="Times New Roman" panose="02020603050405020304" pitchFamily="18" charset="0"/>
-                <a:cs typeface="Times New Roman" panose="02020603050405020304" pitchFamily="18" charset="0"/>
-              </a:rPr>
-              <a:t>chiaro lo scopo della schermata.</a:t>
-            </a:r>
-          </a:p>
-          <a:p>
-            <a:pPr algn="ctr"/>
-            <a:r>
-              <a:rPr lang="it-IT" sz="2000" dirty="0">
-                <a:latin typeface="Times New Roman" panose="02020603050405020304" pitchFamily="18" charset="0"/>
-                <a:cs typeface="Times New Roman" panose="02020603050405020304" pitchFamily="18" charset="0"/>
-              </a:rPr>
-              <a:t>1    2    3    4    5</a:t>
-            </a:r>
-          </a:p>
-          <a:p>
-            <a:endParaRPr lang="it-IT" sz="2600" dirty="0" smtClean="0"/>
-          </a:p>
         </p:txBody>
       </p:sp>
+      <p:sp>
+        <p:nvSpPr>
+          <p:cNvPr id="6" name="Rettangolo 5"/>
+          <p:cNvSpPr/>
+          <p:nvPr/>
+        </p:nvSpPr>
+        <p:spPr>
+          <a:xfrm>
+            <a:off x="509451" y="2246811"/>
+            <a:ext cx="3801292" cy="2862322"/>
+          </a:xfrm>
+          <a:prstGeom prst="rect">
+            <a:avLst/>
+          </a:prstGeom>
+        </p:spPr>
+        <p:txBody>
+          <a:bodyPr wrap="square">
+            <a:spAutoFit/>
+          </a:bodyPr>
+          <a:lstStyle/>
+          <a:p>
+            <a:pPr lvl="0" algn="just">
+              <a:buFontTx/>
+              <a:buChar char="-"/>
+            </a:pPr>
+            <a:r>
+              <a:rPr lang="it-IT" sz="2000" dirty="0" smtClean="0"/>
+              <a:t> </a:t>
+            </a:r>
+            <a:r>
+              <a:rPr lang="it-IT" sz="2000" dirty="0" smtClean="0">
+                <a:latin typeface="Times New Roman" panose="02020603050405020304" pitchFamily="18" charset="0"/>
+                <a:cs typeface="Times New Roman" panose="02020603050405020304" pitchFamily="18" charset="0"/>
+              </a:rPr>
+              <a:t>Fase di registrazione (Prototipo 1): navigazione nel pannello dinamico poco intuitiva.</a:t>
+            </a:r>
+          </a:p>
+          <a:p>
+            <a:pPr lvl="0" algn="just">
+              <a:buFontTx/>
+              <a:buChar char="-"/>
+            </a:pPr>
+            <a:endParaRPr lang="it-IT" sz="2000" dirty="0" smtClean="0">
+              <a:latin typeface="Times New Roman" panose="02020603050405020304" pitchFamily="18" charset="0"/>
+              <a:cs typeface="Times New Roman" panose="02020603050405020304" pitchFamily="18" charset="0"/>
+            </a:endParaRPr>
+          </a:p>
+          <a:p>
+            <a:pPr lvl="0" algn="just">
+              <a:buFontTx/>
+              <a:buChar char="-"/>
+            </a:pPr>
+            <a:endParaRPr lang="it-IT" sz="2000" dirty="0" smtClean="0">
+              <a:latin typeface="Times New Roman" panose="02020603050405020304" pitchFamily="18" charset="0"/>
+              <a:cs typeface="Times New Roman" panose="02020603050405020304" pitchFamily="18" charset="0"/>
+            </a:endParaRPr>
+          </a:p>
+          <a:p>
+            <a:pPr lvl="0" algn="just"/>
+            <a:r>
+              <a:rPr lang="it-IT" sz="2000" dirty="0" smtClean="0">
+                <a:latin typeface="Times New Roman" panose="02020603050405020304" pitchFamily="18" charset="0"/>
+                <a:cs typeface="Times New Roman" panose="02020603050405020304" pitchFamily="18" charset="0"/>
+              </a:rPr>
+              <a:t>- Arrivato alla schermata della Home, non è risultato chiaro il suo contenuto e ciò ha creato delle difficoltà nell’utilizzo dell’app.</a:t>
+            </a:r>
+            <a:endParaRPr lang="it-IT" sz="2000" dirty="0">
+              <a:latin typeface="Times New Roman" panose="02020603050405020304" pitchFamily="18" charset="0"/>
+              <a:cs typeface="Times New Roman" panose="02020603050405020304" pitchFamily="18" charset="0"/>
+            </a:endParaRPr>
+          </a:p>
+        </p:txBody>
+      </p:sp>
+      <p:pic>
+        <p:nvPicPr>
+          <p:cNvPr id="1026" name="Picture 2" descr="C:\Users\hp\Desktop\Tester1.png"/>
+          <p:cNvPicPr>
+            <a:picLocks noChangeAspect="1" noChangeArrowheads="1"/>
+          </p:cNvPicPr>
+          <p:nvPr/>
+        </p:nvPicPr>
+        <p:blipFill>
+          <a:blip r:embed="rId2" cstate="print"/>
+          <a:srcRect/>
+          <a:stretch>
+            <a:fillRect/>
+          </a:stretch>
+        </p:blipFill>
+        <p:spPr bwMode="auto">
+          <a:xfrm>
+            <a:off x="4989422" y="1854926"/>
+            <a:ext cx="3258957" cy="4777467"/>
+          </a:xfrm>
+          <a:prstGeom prst="rect">
+            <a:avLst/>
+          </a:prstGeom>
+          <a:noFill/>
+        </p:spPr>
+      </p:pic>
     </p:spTree>
     <p:extLst>
       <p:ext uri="{BB962C8B-B14F-4D97-AF65-F5344CB8AC3E}">
-        <p14:creationId xmlns:p14="http://schemas.microsoft.com/office/powerpoint/2010/main" xmlns="" val="2442419145"/>
+        <p14:creationId xmlns:p14="http://schemas.microsoft.com/office/powerpoint/2010/main" val="2442419145"/>
       </p:ext>
     </p:extLst>
   </p:cSld>
@@ -13768,8 +13819,8 @@
         </p:nvSpPr>
         <p:spPr>
           <a:xfrm>
-            <a:off x="628650" y="444137"/>
-            <a:ext cx="7886700" cy="653143"/>
+            <a:off x="457200" y="566670"/>
+            <a:ext cx="8229600" cy="540913"/>
           </a:xfrm>
         </p:spPr>
         <p:txBody>
@@ -13783,44 +13834,134 @@
                 <a:latin typeface="Times New Roman" panose="02020603050405020304" pitchFamily="18" charset="0"/>
                 <a:cs typeface="Times New Roman" panose="02020603050405020304" pitchFamily="18" charset="0"/>
               </a:rPr>
-              <a:t>User </a:t>
-            </a:r>
-            <a:r>
-              <a:rPr lang="it-IT" sz="2800" b="1" dirty="0" err="1" smtClean="0">
-                <a:latin typeface="Times New Roman" panose="02020603050405020304" pitchFamily="18" charset="0"/>
-                <a:cs typeface="Times New Roman" panose="02020603050405020304" pitchFamily="18" charset="0"/>
-              </a:rPr>
-              <a:t>testing</a:t>
-            </a:r>
-            <a:r>
-              <a:rPr lang="it-IT" sz="2800" b="1" dirty="0" smtClean="0">
-                <a:latin typeface="Times New Roman" panose="02020603050405020304" pitchFamily="18" charset="0"/>
-                <a:cs typeface="Times New Roman" panose="02020603050405020304" pitchFamily="18" charset="0"/>
-              </a:rPr>
-              <a:t> – </a:t>
-            </a:r>
-            <a:r>
-              <a:rPr lang="it-IT" sz="2800" b="1" i="1" dirty="0" err="1" smtClean="0">
-                <a:latin typeface="Times New Roman" panose="02020603050405020304" pitchFamily="18" charset="0"/>
-                <a:cs typeface="Times New Roman" panose="02020603050405020304" pitchFamily="18" charset="0"/>
-              </a:rPr>
-              <a:t>After</a:t>
-            </a:r>
-            <a:r>
-              <a:rPr lang="it-IT" sz="2800" b="1" i="1" dirty="0" smtClean="0">
-                <a:latin typeface="Times New Roman" panose="02020603050405020304" pitchFamily="18" charset="0"/>
-                <a:cs typeface="Times New Roman" panose="02020603050405020304" pitchFamily="18" charset="0"/>
-              </a:rPr>
-              <a:t> the test </a:t>
-            </a:r>
-            <a:r>
-              <a:rPr lang="it-IT" sz="2800" b="1" dirty="0" smtClean="0">
-                <a:latin typeface="Times New Roman" panose="02020603050405020304" pitchFamily="18" charset="0"/>
-                <a:cs typeface="Times New Roman" panose="02020603050405020304" pitchFamily="18" charset="0"/>
-              </a:rPr>
-              <a:t>(6)</a:t>
+              <a:t>Foto dei breakdown (2)</a:t>
             </a:r>
             <a:endParaRPr lang="it-IT" sz="2800" i="1" dirty="0"/>
+          </a:p>
+        </p:txBody>
+      </p:sp>
+      <p:sp>
+        <p:nvSpPr>
+          <p:cNvPr id="3" name="Segnaposto contenuto 2"/>
+          <p:cNvSpPr>
+            <a:spLocks noGrp="1"/>
+          </p:cNvSpPr>
+          <p:nvPr>
+            <p:ph sz="half" idx="2"/>
+          </p:nvPr>
+        </p:nvSpPr>
+        <p:spPr/>
+        <p:txBody>
+          <a:bodyPr>
+            <a:normAutofit/>
+          </a:bodyPr>
+          <a:lstStyle/>
+          <a:p>
+            <a:pPr marL="0" indent="0">
+              <a:buNone/>
+            </a:pPr>
+            <a:endParaRPr lang="it-IT" sz="2000" dirty="0">
+              <a:latin typeface="Times New Roman" panose="02020603050405020304" pitchFamily="18" charset="0"/>
+              <a:cs typeface="Times New Roman" panose="02020603050405020304" pitchFamily="18" charset="0"/>
+            </a:endParaRPr>
+          </a:p>
+          <a:p>
+            <a:pPr marL="0" indent="0" algn="just">
+              <a:buNone/>
+            </a:pPr>
+            <a:r>
+              <a:rPr lang="it-IT" sz="2000" dirty="0" smtClean="0">
+                <a:latin typeface="Times New Roman" panose="02020603050405020304" pitchFamily="18" charset="0"/>
+                <a:cs typeface="Times New Roman" panose="02020603050405020304" pitchFamily="18" charset="0"/>
+              </a:rPr>
+              <a:t>- Fase di registrazione (Prototipo 1): l’utente non è riuscito a comprendere perché non potesse completare il task in quanto la </a:t>
+            </a:r>
+            <a:r>
+              <a:rPr lang="it-IT" sz="2000" dirty="0" err="1" smtClean="0">
+                <a:latin typeface="Times New Roman" panose="02020603050405020304" pitchFamily="18" charset="0"/>
+                <a:cs typeface="Times New Roman" panose="02020603050405020304" pitchFamily="18" charset="0"/>
+              </a:rPr>
+              <a:t>navigation</a:t>
+            </a:r>
+            <a:r>
+              <a:rPr lang="it-IT" sz="2000" dirty="0" smtClean="0">
+                <a:latin typeface="Times New Roman" panose="02020603050405020304" pitchFamily="18" charset="0"/>
+                <a:cs typeface="Times New Roman" panose="02020603050405020304" pitchFamily="18" charset="0"/>
+              </a:rPr>
+              <a:t> bar posta in alto non è molto intuitiva</a:t>
+            </a:r>
+            <a:r>
+              <a:rPr lang="it-IT" sz="2000" dirty="0">
+                <a:latin typeface="Times New Roman" panose="02020603050405020304" pitchFamily="18" charset="0"/>
+                <a:cs typeface="Times New Roman" panose="02020603050405020304" pitchFamily="18" charset="0"/>
+              </a:rPr>
+              <a:t>;</a:t>
+            </a:r>
+            <a:endParaRPr lang="it-IT" sz="2000" dirty="0" smtClean="0">
+              <a:latin typeface="Times New Roman" panose="02020603050405020304" pitchFamily="18" charset="0"/>
+              <a:cs typeface="Times New Roman" panose="02020603050405020304" pitchFamily="18" charset="0"/>
+            </a:endParaRPr>
+          </a:p>
+          <a:p>
+            <a:pPr algn="just">
+              <a:buFontTx/>
+              <a:buChar char="-"/>
+            </a:pPr>
+            <a:endParaRPr lang="it-IT" sz="2000" dirty="0">
+              <a:latin typeface="Times New Roman" panose="02020603050405020304" pitchFamily="18" charset="0"/>
+              <a:cs typeface="Times New Roman" panose="02020603050405020304" pitchFamily="18" charset="0"/>
+            </a:endParaRPr>
+          </a:p>
+          <a:p>
+            <a:pPr marL="0" indent="0" algn="just">
+              <a:buNone/>
+            </a:pPr>
+            <a:r>
+              <a:rPr lang="it-IT" sz="2000" dirty="0" smtClean="0">
+                <a:latin typeface="Times New Roman" panose="02020603050405020304" pitchFamily="18" charset="0"/>
+                <a:cs typeface="Times New Roman" panose="02020603050405020304" pitchFamily="18" charset="0"/>
+              </a:rPr>
+              <a:t>- Aggiungere una sigaretta: se l’utente clicca erroneamente sul </a:t>
+            </a:r>
+            <a:r>
+              <a:rPr lang="it-IT" sz="2000" dirty="0">
+                <a:latin typeface="Times New Roman" panose="02020603050405020304" pitchFamily="18" charset="0"/>
+                <a:cs typeface="Times New Roman" panose="02020603050405020304" pitchFamily="18" charset="0"/>
+              </a:rPr>
+              <a:t>pulsante “</a:t>
+            </a:r>
+            <a:r>
+              <a:rPr lang="it-IT" sz="2000" dirty="0" err="1">
+                <a:latin typeface="Times New Roman" panose="02020603050405020304" pitchFamily="18" charset="0"/>
+                <a:cs typeface="Times New Roman" panose="02020603050405020304" pitchFamily="18" charset="0"/>
+              </a:rPr>
+              <a:t>Add</a:t>
+            </a:r>
+            <a:r>
+              <a:rPr lang="it-IT" sz="2000" dirty="0">
+                <a:latin typeface="Times New Roman" panose="02020603050405020304" pitchFamily="18" charset="0"/>
+                <a:cs typeface="Times New Roman" panose="02020603050405020304" pitchFamily="18" charset="0"/>
+              </a:rPr>
+              <a:t> a </a:t>
+            </a:r>
+            <a:r>
+              <a:rPr lang="it-IT" sz="2000" dirty="0" err="1" smtClean="0">
+                <a:latin typeface="Times New Roman" panose="02020603050405020304" pitchFamily="18" charset="0"/>
+                <a:cs typeface="Times New Roman" panose="02020603050405020304" pitchFamily="18" charset="0"/>
+              </a:rPr>
+              <a:t>cigarette</a:t>
+            </a:r>
+            <a:r>
+              <a:rPr lang="it-IT" sz="2000" dirty="0" smtClean="0">
+                <a:latin typeface="Times New Roman" panose="02020603050405020304" pitchFamily="18" charset="0"/>
+                <a:cs typeface="Times New Roman" panose="02020603050405020304" pitchFamily="18" charset="0"/>
+              </a:rPr>
+              <a:t>” non è più possibile eliminarla (limite nella gestione degli errori).</a:t>
+            </a:r>
+            <a:endParaRPr lang="it-IT" sz="2000" dirty="0">
+              <a:latin typeface="Times New Roman" panose="02020603050405020304" pitchFamily="18" charset="0"/>
+              <a:cs typeface="Times New Roman" panose="02020603050405020304" pitchFamily="18" charset="0"/>
+            </a:endParaRPr>
           </a:p>
         </p:txBody>
       </p:sp>
@@ -13834,8 +13975,8 @@
         </p:nvSpPr>
         <p:spPr>
           <a:xfrm>
-            <a:off x="628650" y="1254034"/>
-            <a:ext cx="7886700" cy="5301311"/>
+            <a:off x="628650" y="1254036"/>
+            <a:ext cx="7886700" cy="627016"/>
           </a:xfrm>
           <a:prstGeom prst="rect">
             <a:avLst/>
@@ -13860,244 +14001,55 @@
                 <a:latin typeface="Times New Roman" panose="02020603050405020304" pitchFamily="18" charset="0"/>
                 <a:cs typeface="Times New Roman" panose="02020603050405020304" pitchFamily="18" charset="0"/>
               </a:rPr>
-              <a:t>Task 6 – Perdere il premio “</a:t>
-            </a:r>
-            <a:r>
-              <a:rPr lang="it-IT" sz="2500" b="1" dirty="0" err="1" smtClean="0">
-                <a:latin typeface="Times New Roman" panose="02020603050405020304" pitchFamily="18" charset="0"/>
-                <a:cs typeface="Times New Roman" panose="02020603050405020304" pitchFamily="18" charset="0"/>
-              </a:rPr>
-              <a:t>Only</a:t>
+              <a:t>Tester </a:t>
             </a:r>
             <a:r>
               <a:rPr lang="it-IT" sz="2500" b="1" dirty="0" smtClean="0">
                 <a:latin typeface="Times New Roman" panose="02020603050405020304" pitchFamily="18" charset="0"/>
                 <a:cs typeface="Times New Roman" panose="02020603050405020304" pitchFamily="18" charset="0"/>
               </a:rPr>
-              <a:t> 10 </a:t>
-            </a:r>
-            <a:r>
-              <a:rPr lang="it-IT" sz="2500" b="1" dirty="0" err="1" smtClean="0">
-                <a:latin typeface="Times New Roman" panose="02020603050405020304" pitchFamily="18" charset="0"/>
-                <a:cs typeface="Times New Roman" panose="02020603050405020304" pitchFamily="18" charset="0"/>
-              </a:rPr>
-              <a:t>cigarettes</a:t>
-            </a:r>
-            <a:r>
-              <a:rPr lang="it-IT" sz="2500" b="1" dirty="0" smtClean="0">
-                <a:latin typeface="Times New Roman" panose="02020603050405020304" pitchFamily="18" charset="0"/>
-                <a:cs typeface="Times New Roman" panose="02020603050405020304" pitchFamily="18" charset="0"/>
-              </a:rPr>
-              <a:t> </a:t>
-            </a:r>
-            <a:r>
-              <a:rPr lang="it-IT" sz="2500" b="1" dirty="0" err="1" smtClean="0">
-                <a:latin typeface="Times New Roman" panose="02020603050405020304" pitchFamily="18" charset="0"/>
-                <a:cs typeface="Times New Roman" panose="02020603050405020304" pitchFamily="18" charset="0"/>
-              </a:rPr>
-              <a:t>smoked</a:t>
-            </a:r>
-            <a:r>
-              <a:rPr lang="it-IT" sz="2500" b="1" dirty="0" smtClean="0">
-                <a:latin typeface="Times New Roman" panose="02020603050405020304" pitchFamily="18" charset="0"/>
-                <a:cs typeface="Times New Roman" panose="02020603050405020304" pitchFamily="18" charset="0"/>
-              </a:rPr>
-              <a:t>”</a:t>
+              <a:t>n° 2 (Ottavio)</a:t>
             </a:r>
             <a:endParaRPr lang="it-IT" sz="2500" dirty="0" smtClean="0">
               <a:latin typeface="Times New Roman" panose="02020603050405020304" pitchFamily="18" charset="0"/>
               <a:cs typeface="Times New Roman" panose="02020603050405020304" pitchFamily="18" charset="0"/>
             </a:endParaRPr>
           </a:p>
-          <a:p>
-            <a:pPr algn="just"/>
-            <a:endParaRPr lang="it-IT" sz="2000" dirty="0" smtClean="0">
-              <a:latin typeface="Times New Roman" panose="02020603050405020304" pitchFamily="18" charset="0"/>
-              <a:cs typeface="Times New Roman" panose="02020603050405020304" pitchFamily="18" charset="0"/>
-            </a:endParaRPr>
-          </a:p>
-          <a:p>
-            <a:pPr lvl="0"/>
-            <a:r>
-              <a:rPr lang="it-IT" sz="2000" dirty="0" smtClean="0">
-                <a:latin typeface="Times New Roman" panose="02020603050405020304" pitchFamily="18" charset="0"/>
-                <a:cs typeface="Times New Roman" panose="02020603050405020304" pitchFamily="18" charset="0"/>
-              </a:rPr>
-              <a:t>1.   La </a:t>
-            </a:r>
-            <a:r>
-              <a:rPr lang="it-IT" sz="2000" dirty="0">
-                <a:latin typeface="Times New Roman" panose="02020603050405020304" pitchFamily="18" charset="0"/>
-                <a:cs typeface="Times New Roman" panose="02020603050405020304" pitchFamily="18" charset="0"/>
-              </a:rPr>
-              <a:t>funzionalità del pulsante “No more </a:t>
-            </a:r>
-            <a:r>
-              <a:rPr lang="it-IT" sz="2000" dirty="0" err="1">
-                <a:latin typeface="Times New Roman" panose="02020603050405020304" pitchFamily="18" charset="0"/>
-                <a:cs typeface="Times New Roman" panose="02020603050405020304" pitchFamily="18" charset="0"/>
-              </a:rPr>
-              <a:t>adding</a:t>
-            </a:r>
-            <a:r>
-              <a:rPr lang="it-IT" sz="2000" dirty="0">
-                <a:latin typeface="Times New Roman" panose="02020603050405020304" pitchFamily="18" charset="0"/>
-                <a:cs typeface="Times New Roman" panose="02020603050405020304" pitchFamily="18" charset="0"/>
-              </a:rPr>
-              <a:t> </a:t>
-            </a:r>
-            <a:r>
-              <a:rPr lang="it-IT" sz="2000" dirty="0" err="1">
-                <a:latin typeface="Times New Roman" panose="02020603050405020304" pitchFamily="18" charset="0"/>
-                <a:cs typeface="Times New Roman" panose="02020603050405020304" pitchFamily="18" charset="0"/>
-              </a:rPr>
-              <a:t>cigarette</a:t>
-            </a:r>
-            <a:r>
-              <a:rPr lang="it-IT" sz="2000" dirty="0">
-                <a:latin typeface="Times New Roman" panose="02020603050405020304" pitchFamily="18" charset="0"/>
-                <a:cs typeface="Times New Roman" panose="02020603050405020304" pitchFamily="18" charset="0"/>
-              </a:rPr>
-              <a:t>” è comprensibile.</a:t>
-            </a:r>
-          </a:p>
-          <a:p>
-            <a:pPr algn="ctr"/>
-            <a:r>
-              <a:rPr lang="it-IT" sz="2000" dirty="0">
-                <a:latin typeface="Times New Roman" panose="02020603050405020304" pitchFamily="18" charset="0"/>
-                <a:cs typeface="Times New Roman" panose="02020603050405020304" pitchFamily="18" charset="0"/>
-              </a:rPr>
-              <a:t>1    2    3    4    5</a:t>
-            </a:r>
-          </a:p>
-          <a:p>
-            <a:pPr lvl="0"/>
-            <a:r>
-              <a:rPr lang="it-IT" sz="2000" dirty="0" smtClean="0">
-                <a:latin typeface="Times New Roman" panose="02020603050405020304" pitchFamily="18" charset="0"/>
-                <a:cs typeface="Times New Roman" panose="02020603050405020304" pitchFamily="18" charset="0"/>
-              </a:rPr>
-              <a:t>2.   I </a:t>
-            </a:r>
-            <a:r>
-              <a:rPr lang="it-IT" sz="2000" dirty="0">
-                <a:latin typeface="Times New Roman" panose="02020603050405020304" pitchFamily="18" charset="0"/>
-                <a:cs typeface="Times New Roman" panose="02020603050405020304" pitchFamily="18" charset="0"/>
-              </a:rPr>
-              <a:t>collegamenti fra le schermate sono coerenti.</a:t>
-            </a:r>
-          </a:p>
-          <a:p>
-            <a:pPr algn="ctr"/>
-            <a:r>
-              <a:rPr lang="it-IT" sz="2000" dirty="0">
-                <a:latin typeface="Times New Roman" panose="02020603050405020304" pitchFamily="18" charset="0"/>
-                <a:cs typeface="Times New Roman" panose="02020603050405020304" pitchFamily="18" charset="0"/>
-              </a:rPr>
-              <a:t>1    2    3    4    5</a:t>
-            </a:r>
-          </a:p>
-          <a:p>
-            <a:pPr lvl="0"/>
-            <a:r>
-              <a:rPr lang="it-IT" sz="2000" dirty="0" smtClean="0">
-                <a:latin typeface="Times New Roman" panose="02020603050405020304" pitchFamily="18" charset="0"/>
-                <a:cs typeface="Times New Roman" panose="02020603050405020304" pitchFamily="18" charset="0"/>
-              </a:rPr>
-              <a:t>3.   È </a:t>
-            </a:r>
-            <a:r>
-              <a:rPr lang="it-IT" sz="2000" dirty="0">
-                <a:latin typeface="Times New Roman" panose="02020603050405020304" pitchFamily="18" charset="0"/>
-                <a:cs typeface="Times New Roman" panose="02020603050405020304" pitchFamily="18" charset="0"/>
-              </a:rPr>
-              <a:t>possibile gestire gli errori.</a:t>
-            </a:r>
-          </a:p>
-          <a:p>
-            <a:pPr algn="ctr"/>
-            <a:r>
-              <a:rPr lang="it-IT" sz="2000" dirty="0">
-                <a:latin typeface="Times New Roman" panose="02020603050405020304" pitchFamily="18" charset="0"/>
-                <a:cs typeface="Times New Roman" panose="02020603050405020304" pitchFamily="18" charset="0"/>
-              </a:rPr>
-              <a:t>1    2    3    4    5</a:t>
-            </a:r>
-          </a:p>
-          <a:p>
-            <a:pPr lvl="0"/>
-            <a:r>
-              <a:rPr lang="it-IT" sz="2000" dirty="0" smtClean="0">
-                <a:latin typeface="Times New Roman" panose="02020603050405020304" pitchFamily="18" charset="0"/>
-                <a:cs typeface="Times New Roman" panose="02020603050405020304" pitchFamily="18" charset="0"/>
-              </a:rPr>
-              <a:t>4.   È </a:t>
-            </a:r>
-            <a:r>
-              <a:rPr lang="it-IT" sz="2000" dirty="0">
-                <a:latin typeface="Times New Roman" panose="02020603050405020304" pitchFamily="18" charset="0"/>
-                <a:cs typeface="Times New Roman" panose="02020603050405020304" pitchFamily="18" charset="0"/>
-              </a:rPr>
-              <a:t>sempre possibile capire quali operazioni effettuare.</a:t>
-            </a:r>
-          </a:p>
-          <a:p>
-            <a:pPr algn="ctr"/>
-            <a:r>
-              <a:rPr lang="it-IT" sz="2000" dirty="0">
-                <a:latin typeface="Times New Roman" panose="02020603050405020304" pitchFamily="18" charset="0"/>
-                <a:cs typeface="Times New Roman" panose="02020603050405020304" pitchFamily="18" charset="0"/>
-              </a:rPr>
-              <a:t>1    2    3    4    5</a:t>
-            </a:r>
-          </a:p>
-          <a:p>
-            <a:pPr lvl="0"/>
-            <a:r>
-              <a:rPr lang="it-IT" sz="2000" dirty="0" smtClean="0">
-                <a:latin typeface="Times New Roman" panose="02020603050405020304" pitchFamily="18" charset="0"/>
-                <a:cs typeface="Times New Roman" panose="02020603050405020304" pitchFamily="18" charset="0"/>
-              </a:rPr>
-              <a:t>5.   È </a:t>
-            </a:r>
-            <a:r>
-              <a:rPr lang="it-IT" sz="2000" dirty="0">
-                <a:latin typeface="Times New Roman" panose="02020603050405020304" pitchFamily="18" charset="0"/>
-                <a:cs typeface="Times New Roman" panose="02020603050405020304" pitchFamily="18" charset="0"/>
-              </a:rPr>
-              <a:t>chiaro e/o intuibile lo stato del sistema una volta perso il premio precedentemente vinto.</a:t>
-            </a:r>
-          </a:p>
-          <a:p>
-            <a:pPr algn="ctr"/>
-            <a:r>
-              <a:rPr lang="it-IT" sz="2000" dirty="0">
-                <a:latin typeface="Times New Roman" panose="02020603050405020304" pitchFamily="18" charset="0"/>
-                <a:cs typeface="Times New Roman" panose="02020603050405020304" pitchFamily="18" charset="0"/>
-              </a:rPr>
-              <a:t>1    2    3    4    5</a:t>
-            </a:r>
-          </a:p>
-          <a:p>
-            <a:pPr algn="just"/>
-            <a:endParaRPr lang="it-IT" sz="2000" dirty="0" smtClean="0">
-              <a:latin typeface="Times New Roman" panose="02020603050405020304" pitchFamily="18" charset="0"/>
-              <a:cs typeface="Times New Roman" panose="02020603050405020304" pitchFamily="18" charset="0"/>
-            </a:endParaRPr>
-          </a:p>
-          <a:p>
-            <a:r>
-              <a:rPr lang="it-IT" sz="2600" dirty="0" smtClean="0"/>
-              <a:t> </a:t>
-            </a:r>
-          </a:p>
         </p:txBody>
       </p:sp>
+      <p:pic>
+        <p:nvPicPr>
+          <p:cNvPr id="10" name="Segnaposto contenuto 9"/>
+          <p:cNvPicPr>
+            <a:picLocks noGrp="1" noChangeAspect="1"/>
+          </p:cNvPicPr>
+          <p:nvPr>
+            <p:ph sz="half" idx="1"/>
+          </p:nvPr>
+        </p:nvPicPr>
+        <p:blipFill>
+          <a:blip r:embed="rId2" cstate="print">
+            <a:extLst>
+              <a:ext uri="{28A0092B-C50C-407E-A947-70E740481C1C}">
+                <a14:useLocalDpi xmlns:a14="http://schemas.microsoft.com/office/drawing/2010/main" val="0"/>
+              </a:ext>
+            </a:extLst>
+          </a:blip>
+          <a:stretch>
+            <a:fillRect/>
+          </a:stretch>
+        </p:blipFill>
+        <p:spPr>
+          <a:xfrm>
+            <a:off x="457200" y="2580468"/>
+            <a:ext cx="4038600" cy="3114701"/>
+          </a:xfrm>
+        </p:spPr>
+      </p:pic>
     </p:spTree>
     <p:extLst>
       <p:ext uri="{BB962C8B-B14F-4D97-AF65-F5344CB8AC3E}">
-        <p14:creationId xmlns:p14="http://schemas.microsoft.com/office/powerpoint/2010/main" xmlns="" val="2442419145"/>
+        <p14:creationId xmlns:p14="http://schemas.microsoft.com/office/powerpoint/2010/main" val="2442419145"/>
       </p:ext>
     </p:extLst>
   </p:cSld>
@@ -14149,19 +14101,8 @@
                 <a:latin typeface="Times New Roman" panose="02020603050405020304" pitchFamily="18" charset="0"/>
                 <a:cs typeface="Times New Roman" panose="02020603050405020304" pitchFamily="18" charset="0"/>
               </a:rPr>
-              <a:t>È possibile visualizzare il prototipo sviluppato e testato per lo svolgimento di questo progetto cliccando sul seguente link</a:t>
-            </a:r>
-            <a:r>
-              <a:rPr lang="it-IT" sz="2000" dirty="0" smtClean="0">
-                <a:latin typeface="Times New Roman" panose="02020603050405020304" pitchFamily="18" charset="0"/>
-                <a:cs typeface="Times New Roman" panose="02020603050405020304" pitchFamily="18" charset="0"/>
-              </a:rPr>
-              <a:t>:</a:t>
-            </a:r>
-            <a:endParaRPr lang="it-IT" sz="2000" dirty="0" smtClean="0">
-              <a:latin typeface="Times New Roman" panose="02020603050405020304" pitchFamily="18" charset="0"/>
-              <a:cs typeface="Times New Roman" panose="02020603050405020304" pitchFamily="18" charset="0"/>
-            </a:endParaRPr>
+              <a:t>È possibile visualizzare il prototipo sviluppato e testato per lo svolgimento di questo progetto cliccando sul seguente link:</a:t>
+            </a:r>
           </a:p>
           <a:p>
             <a:pPr marL="0" indent="0" algn="just">
@@ -14286,7 +14227,7 @@
     </p:spTree>
     <p:extLst>
       <p:ext uri="{BB962C8B-B14F-4D97-AF65-F5344CB8AC3E}">
-        <p14:creationId xmlns:p14="http://schemas.microsoft.com/office/powerpoint/2010/main" xmlns="" val="2051926642"/>
+        <p14:creationId xmlns:p14="http://schemas.microsoft.com/office/powerpoint/2010/main" val="2051926642"/>
       </p:ext>
     </p:extLst>
   </p:cSld>
@@ -14347,42 +14288,7 @@
                 <a:latin typeface="Times New Roman" panose="02020603050405020304" pitchFamily="18" charset="0"/>
                 <a:cs typeface="Times New Roman" panose="02020603050405020304" pitchFamily="18" charset="0"/>
               </a:rPr>
-              <a:t>User </a:t>
-            </a:r>
-            <a:r>
-              <a:rPr lang="it-IT" sz="2800" b="1" dirty="0" err="1" smtClean="0">
-                <a:latin typeface="Times New Roman" panose="02020603050405020304" pitchFamily="18" charset="0"/>
-                <a:cs typeface="Times New Roman" panose="02020603050405020304" pitchFamily="18" charset="0"/>
-              </a:rPr>
-              <a:t>testing</a:t>
-            </a:r>
-            <a:r>
-              <a:rPr lang="it-IT" sz="2800" b="1" dirty="0" smtClean="0">
-                <a:latin typeface="Times New Roman" panose="02020603050405020304" pitchFamily="18" charset="0"/>
-                <a:cs typeface="Times New Roman" panose="02020603050405020304" pitchFamily="18" charset="0"/>
-              </a:rPr>
-              <a:t> – </a:t>
-            </a:r>
-            <a:r>
-              <a:rPr lang="it-IT" sz="2800" b="1" i="1" dirty="0" err="1" smtClean="0">
-                <a:latin typeface="Times New Roman" panose="02020603050405020304" pitchFamily="18" charset="0"/>
-                <a:cs typeface="Times New Roman" panose="02020603050405020304" pitchFamily="18" charset="0"/>
-              </a:rPr>
-              <a:t>After</a:t>
-            </a:r>
-            <a:r>
-              <a:rPr lang="it-IT" sz="2800" b="1" i="1" dirty="0" smtClean="0">
-                <a:latin typeface="Times New Roman" panose="02020603050405020304" pitchFamily="18" charset="0"/>
-                <a:cs typeface="Times New Roman" panose="02020603050405020304" pitchFamily="18" charset="0"/>
-              </a:rPr>
-              <a:t> the test </a:t>
-            </a:r>
-            <a:r>
-              <a:rPr lang="it-IT" sz="2800" b="1" dirty="0" smtClean="0">
-                <a:latin typeface="Times New Roman" panose="02020603050405020304" pitchFamily="18" charset="0"/>
-                <a:cs typeface="Times New Roman" panose="02020603050405020304" pitchFamily="18" charset="0"/>
-              </a:rPr>
-              <a:t>(7)</a:t>
+              <a:t>Foto dei breakdown (3)</a:t>
             </a:r>
             <a:endParaRPr lang="it-IT" sz="2800" i="1" dirty="0"/>
           </a:p>
@@ -14398,8 +14304,8 @@
         </p:nvSpPr>
         <p:spPr>
           <a:xfrm>
-            <a:off x="628650" y="1254034"/>
-            <a:ext cx="7886700" cy="5301311"/>
+            <a:off x="628650" y="1254036"/>
+            <a:ext cx="7886700" cy="627016"/>
           </a:xfrm>
           <a:prstGeom prst="rect">
             <a:avLst/>
@@ -14424,247 +14330,148 @@
                 <a:latin typeface="Times New Roman" panose="02020603050405020304" pitchFamily="18" charset="0"/>
                 <a:cs typeface="Times New Roman" panose="02020603050405020304" pitchFamily="18" charset="0"/>
               </a:rPr>
-              <a:t>Task 7 – </a:t>
-            </a:r>
-            <a:r>
-              <a:rPr lang="it-IT" sz="2500" b="1" dirty="0" err="1" smtClean="0">
-                <a:latin typeface="Times New Roman" panose="02020603050405020304" pitchFamily="18" charset="0"/>
-                <a:cs typeface="Times New Roman" panose="02020603050405020304" pitchFamily="18" charset="0"/>
-              </a:rPr>
-              <a:t>Forgot</a:t>
+              <a:t>Tester </a:t>
             </a:r>
             <a:r>
               <a:rPr lang="it-IT" sz="2500" b="1" dirty="0" smtClean="0">
                 <a:latin typeface="Times New Roman" panose="02020603050405020304" pitchFamily="18" charset="0"/>
                 <a:cs typeface="Times New Roman" panose="02020603050405020304" pitchFamily="18" charset="0"/>
               </a:rPr>
-              <a:t> password e Login</a:t>
+              <a:t>n° 3 (Pamela)</a:t>
             </a:r>
             <a:endParaRPr lang="it-IT" sz="2500" dirty="0" smtClean="0">
               <a:latin typeface="Times New Roman" panose="02020603050405020304" pitchFamily="18" charset="0"/>
               <a:cs typeface="Times New Roman" panose="02020603050405020304" pitchFamily="18" charset="0"/>
             </a:endParaRPr>
           </a:p>
-          <a:p>
-            <a:pPr algn="just"/>
+        </p:txBody>
+      </p:sp>
+      <p:sp>
+        <p:nvSpPr>
+          <p:cNvPr id="4" name="Rettangolo 3"/>
+          <p:cNvSpPr/>
+          <p:nvPr/>
+        </p:nvSpPr>
+        <p:spPr>
+          <a:xfrm>
+            <a:off x="509451" y="1841242"/>
+            <a:ext cx="3801292" cy="5016758"/>
+          </a:xfrm>
+          <a:prstGeom prst="rect">
+            <a:avLst/>
+          </a:prstGeom>
+        </p:spPr>
+        <p:txBody>
+          <a:bodyPr wrap="square">
+            <a:spAutoFit/>
+          </a:bodyPr>
+          <a:lstStyle/>
+          <a:p>
+            <a:pPr lvl="0" algn="just">
+              <a:buFontTx/>
+              <a:buChar char="-"/>
+            </a:pPr>
+            <a:r>
+              <a:rPr lang="it-IT" sz="2000" dirty="0" smtClean="0"/>
+              <a:t> </a:t>
+            </a:r>
+            <a:r>
+              <a:rPr lang="it-IT" sz="2000" dirty="0" smtClean="0">
+                <a:latin typeface="Times New Roman" panose="02020603050405020304" pitchFamily="18" charset="0"/>
+                <a:cs typeface="Times New Roman" panose="02020603050405020304" pitchFamily="18" charset="0"/>
+              </a:rPr>
+              <a:t>Fase di registrazione (Prototipo 1): le caselle di input non sono evidenti e la loro individuazione non è di immediata intuizione.</a:t>
+            </a:r>
+          </a:p>
+          <a:p>
+            <a:pPr lvl="0" algn="just"/>
             <a:endParaRPr lang="it-IT" sz="2000" dirty="0" smtClean="0">
               <a:latin typeface="Times New Roman" panose="02020603050405020304" pitchFamily="18" charset="0"/>
               <a:cs typeface="Times New Roman" panose="02020603050405020304" pitchFamily="18" charset="0"/>
             </a:endParaRPr>
           </a:p>
           <a:p>
-            <a:pPr lvl="0"/>
-            <a:r>
-              <a:rPr lang="it-IT" sz="2000" dirty="0" smtClean="0">
-                <a:latin typeface="Times New Roman" panose="02020603050405020304" pitchFamily="18" charset="0"/>
-                <a:cs typeface="Times New Roman" panose="02020603050405020304" pitchFamily="18" charset="0"/>
-              </a:rPr>
-              <a:t>1.   È </a:t>
-            </a:r>
-            <a:r>
-              <a:rPr lang="it-IT" sz="2000" dirty="0">
-                <a:latin typeface="Times New Roman" panose="02020603050405020304" pitchFamily="18" charset="0"/>
-                <a:cs typeface="Times New Roman" panose="02020603050405020304" pitchFamily="18" charset="0"/>
-              </a:rPr>
-              <a:t>facile capire come effettuare il </a:t>
-            </a:r>
-            <a:r>
-              <a:rPr lang="it-IT" sz="2000" dirty="0" err="1">
-                <a:latin typeface="Times New Roman" panose="02020603050405020304" pitchFamily="18" charset="0"/>
-                <a:cs typeface="Times New Roman" panose="02020603050405020304" pitchFamily="18" charset="0"/>
-              </a:rPr>
-              <a:t>logout</a:t>
-            </a:r>
-            <a:r>
-              <a:rPr lang="it-IT" sz="2000" dirty="0">
-                <a:latin typeface="Times New Roman" panose="02020603050405020304" pitchFamily="18" charset="0"/>
-                <a:cs typeface="Times New Roman" panose="02020603050405020304" pitchFamily="18" charset="0"/>
-              </a:rPr>
-              <a:t>.</a:t>
-            </a:r>
-          </a:p>
-          <a:p>
-            <a:pPr algn="ctr"/>
-            <a:r>
-              <a:rPr lang="it-IT" sz="2000" dirty="0">
-                <a:latin typeface="Times New Roman" panose="02020603050405020304" pitchFamily="18" charset="0"/>
-                <a:cs typeface="Times New Roman" panose="02020603050405020304" pitchFamily="18" charset="0"/>
-              </a:rPr>
-              <a:t>1    2    3    4    5</a:t>
-            </a:r>
-          </a:p>
-          <a:p>
-            <a:pPr lvl="0"/>
-            <a:r>
-              <a:rPr lang="it-IT" sz="2000" dirty="0" smtClean="0">
-                <a:latin typeface="Times New Roman" panose="02020603050405020304" pitchFamily="18" charset="0"/>
-                <a:cs typeface="Times New Roman" panose="02020603050405020304" pitchFamily="18" charset="0"/>
-              </a:rPr>
-              <a:t>2.   I </a:t>
-            </a:r>
-            <a:r>
-              <a:rPr lang="it-IT" sz="2000" dirty="0">
-                <a:latin typeface="Times New Roman" panose="02020603050405020304" pitchFamily="18" charset="0"/>
-                <a:cs typeface="Times New Roman" panose="02020603050405020304" pitchFamily="18" charset="0"/>
-              </a:rPr>
-              <a:t>collegamenti fra le schermate sono coerenti.</a:t>
-            </a:r>
-          </a:p>
-          <a:p>
-            <a:pPr algn="ctr"/>
-            <a:r>
-              <a:rPr lang="it-IT" sz="2000" dirty="0">
-                <a:latin typeface="Times New Roman" panose="02020603050405020304" pitchFamily="18" charset="0"/>
-                <a:cs typeface="Times New Roman" panose="02020603050405020304" pitchFamily="18" charset="0"/>
-              </a:rPr>
-              <a:t>1    2    3    4    5</a:t>
-            </a:r>
-          </a:p>
-          <a:p>
-            <a:pPr lvl="0"/>
-            <a:r>
-              <a:rPr lang="it-IT" sz="2000" dirty="0" smtClean="0">
-                <a:latin typeface="Times New Roman" panose="02020603050405020304" pitchFamily="18" charset="0"/>
-                <a:cs typeface="Times New Roman" panose="02020603050405020304" pitchFamily="18" charset="0"/>
-              </a:rPr>
-              <a:t>3.   È </a:t>
-            </a:r>
-            <a:r>
-              <a:rPr lang="it-IT" sz="2000" dirty="0">
-                <a:latin typeface="Times New Roman" panose="02020603050405020304" pitchFamily="18" charset="0"/>
-                <a:cs typeface="Times New Roman" panose="02020603050405020304" pitchFamily="18" charset="0"/>
-              </a:rPr>
-              <a:t>possibile gestire gli errori.</a:t>
-            </a:r>
-          </a:p>
-          <a:p>
-            <a:pPr algn="ctr"/>
-            <a:r>
-              <a:rPr lang="it-IT" sz="2000" dirty="0">
-                <a:latin typeface="Times New Roman" panose="02020603050405020304" pitchFamily="18" charset="0"/>
-                <a:cs typeface="Times New Roman" panose="02020603050405020304" pitchFamily="18" charset="0"/>
-              </a:rPr>
-              <a:t>1    2    3    4    5</a:t>
-            </a:r>
-          </a:p>
-          <a:p>
-            <a:pPr lvl="0"/>
-            <a:r>
-              <a:rPr lang="it-IT" sz="2000" dirty="0" smtClean="0">
-                <a:latin typeface="Times New Roman" panose="02020603050405020304" pitchFamily="18" charset="0"/>
-                <a:cs typeface="Times New Roman" panose="02020603050405020304" pitchFamily="18" charset="0"/>
-              </a:rPr>
-              <a:t>4.   Sono </a:t>
-            </a:r>
-            <a:r>
-              <a:rPr lang="it-IT" sz="2000" dirty="0">
-                <a:latin typeface="Times New Roman" panose="02020603050405020304" pitchFamily="18" charset="0"/>
-                <a:cs typeface="Times New Roman" panose="02020603050405020304" pitchFamily="18" charset="0"/>
-              </a:rPr>
-              <a:t>chiare le modalità di funzionamento del pulsante “</a:t>
-            </a:r>
-            <a:r>
-              <a:rPr lang="it-IT" sz="2000" dirty="0" err="1">
-                <a:latin typeface="Times New Roman" panose="02020603050405020304" pitchFamily="18" charset="0"/>
-                <a:cs typeface="Times New Roman" panose="02020603050405020304" pitchFamily="18" charset="0"/>
-              </a:rPr>
-              <a:t>Forgot</a:t>
-            </a:r>
-            <a:r>
-              <a:rPr lang="it-IT" sz="2000" dirty="0">
-                <a:latin typeface="Times New Roman" panose="02020603050405020304" pitchFamily="18" charset="0"/>
-                <a:cs typeface="Times New Roman" panose="02020603050405020304" pitchFamily="18" charset="0"/>
-              </a:rPr>
-              <a:t> </a:t>
-            </a:r>
-            <a:r>
-              <a:rPr lang="it-IT" sz="2000" dirty="0" err="1">
-                <a:latin typeface="Times New Roman" panose="02020603050405020304" pitchFamily="18" charset="0"/>
-                <a:cs typeface="Times New Roman" panose="02020603050405020304" pitchFamily="18" charset="0"/>
-              </a:rPr>
-              <a:t>your</a:t>
-            </a:r>
-            <a:r>
-              <a:rPr lang="it-IT" sz="2000" dirty="0">
-                <a:latin typeface="Times New Roman" panose="02020603050405020304" pitchFamily="18" charset="0"/>
-                <a:cs typeface="Times New Roman" panose="02020603050405020304" pitchFamily="18" charset="0"/>
-              </a:rPr>
-              <a:t> password?”.</a:t>
-            </a:r>
-          </a:p>
-          <a:p>
-            <a:pPr algn="ctr"/>
-            <a:r>
-              <a:rPr lang="it-IT" sz="2000" dirty="0">
-                <a:latin typeface="Times New Roman" panose="02020603050405020304" pitchFamily="18" charset="0"/>
-                <a:cs typeface="Times New Roman" panose="02020603050405020304" pitchFamily="18" charset="0"/>
-              </a:rPr>
-              <a:t>1    2    3    4    5</a:t>
-            </a:r>
-          </a:p>
-          <a:p>
-            <a:pPr lvl="0"/>
-            <a:r>
-              <a:rPr lang="it-IT" sz="2000" dirty="0" smtClean="0">
-                <a:latin typeface="Times New Roman" panose="02020603050405020304" pitchFamily="18" charset="0"/>
-                <a:cs typeface="Times New Roman" panose="02020603050405020304" pitchFamily="18" charset="0"/>
-              </a:rPr>
-              <a:t>5.   È </a:t>
-            </a:r>
-            <a:r>
-              <a:rPr lang="it-IT" sz="2000" dirty="0">
-                <a:latin typeface="Times New Roman" panose="02020603050405020304" pitchFamily="18" charset="0"/>
-                <a:cs typeface="Times New Roman" panose="02020603050405020304" pitchFamily="18" charset="0"/>
-              </a:rPr>
-              <a:t>sempre chiaro quali campi devono essere riempiti.</a:t>
-            </a:r>
-          </a:p>
-          <a:p>
-            <a:pPr algn="ctr"/>
-            <a:r>
-              <a:rPr lang="it-IT" sz="2000" dirty="0">
-                <a:latin typeface="Times New Roman" panose="02020603050405020304" pitchFamily="18" charset="0"/>
-                <a:cs typeface="Times New Roman" panose="02020603050405020304" pitchFamily="18" charset="0"/>
-              </a:rPr>
-              <a:t>1    2    3    4    5</a:t>
-            </a:r>
-          </a:p>
-          <a:p>
-            <a:pPr lvl="0"/>
-            <a:r>
-              <a:rPr lang="it-IT" sz="2000" dirty="0" smtClean="0">
-                <a:latin typeface="Times New Roman" panose="02020603050405020304" pitchFamily="18" charset="0"/>
-                <a:cs typeface="Times New Roman" panose="02020603050405020304" pitchFamily="18" charset="0"/>
-              </a:rPr>
-              <a:t>6.   La </a:t>
-            </a:r>
-            <a:r>
-              <a:rPr lang="it-IT" sz="2000" dirty="0">
-                <a:latin typeface="Times New Roman" panose="02020603050405020304" pitchFamily="18" charset="0"/>
-                <a:cs typeface="Times New Roman" panose="02020603050405020304" pitchFamily="18" charset="0"/>
-              </a:rPr>
-              <a:t>modalità del funzionamento del pulsante “Login” è comprensibile.</a:t>
-            </a:r>
-          </a:p>
-          <a:p>
-            <a:pPr algn="ctr"/>
-            <a:r>
-              <a:rPr lang="it-IT" sz="2000" dirty="0">
-                <a:latin typeface="Times New Roman" panose="02020603050405020304" pitchFamily="18" charset="0"/>
-                <a:cs typeface="Times New Roman" panose="02020603050405020304" pitchFamily="18" charset="0"/>
-              </a:rPr>
-              <a:t>1    2    3    4    5</a:t>
-            </a:r>
-          </a:p>
-          <a:p>
-            <a:endParaRPr lang="it-IT" sz="2600" dirty="0" smtClean="0"/>
+            <a:pPr lvl="0" algn="just"/>
+            <a:r>
+              <a:rPr lang="it-IT" sz="2000" dirty="0" smtClean="0">
+                <a:latin typeface="Times New Roman" panose="02020603050405020304" pitchFamily="18" charset="0"/>
+                <a:cs typeface="Times New Roman" panose="02020603050405020304" pitchFamily="18" charset="0"/>
+              </a:rPr>
+              <a:t>- Aggiungere una sigaretta: dopo aver cliccato sul pulsante “</a:t>
+            </a:r>
+            <a:r>
+              <a:rPr lang="it-IT" sz="2000" dirty="0" err="1" smtClean="0">
+                <a:latin typeface="Times New Roman" panose="02020603050405020304" pitchFamily="18" charset="0"/>
+                <a:cs typeface="Times New Roman" panose="02020603050405020304" pitchFamily="18" charset="0"/>
+              </a:rPr>
+              <a:t>Add</a:t>
+            </a:r>
+            <a:r>
+              <a:rPr lang="it-IT" sz="2000" dirty="0" smtClean="0">
+                <a:latin typeface="Times New Roman" panose="02020603050405020304" pitchFamily="18" charset="0"/>
+                <a:cs typeface="Times New Roman" panose="02020603050405020304" pitchFamily="18" charset="0"/>
+              </a:rPr>
+              <a:t> a </a:t>
+            </a:r>
+            <a:r>
+              <a:rPr lang="it-IT" sz="2000" dirty="0" err="1" smtClean="0">
+                <a:latin typeface="Times New Roman" panose="02020603050405020304" pitchFamily="18" charset="0"/>
+                <a:cs typeface="Times New Roman" panose="02020603050405020304" pitchFamily="18" charset="0"/>
+              </a:rPr>
+              <a:t>cigarette</a:t>
+            </a:r>
+            <a:r>
+              <a:rPr lang="it-IT" sz="2000" dirty="0" smtClean="0">
+                <a:latin typeface="Times New Roman" panose="02020603050405020304" pitchFamily="18" charset="0"/>
+                <a:cs typeface="Times New Roman" panose="02020603050405020304" pitchFamily="18" charset="0"/>
+              </a:rPr>
+              <a:t>” l’utente non si accorge degli effetti della sua azione (aggiornamento del numero delle sigarette) ed è portato a ripeterla supponendo che il click non sia stato riconosciuto dal dispositivo. </a:t>
+            </a:r>
+            <a:r>
+              <a:rPr lang="it-IT" sz="2000" dirty="0" smtClean="0">
+                <a:latin typeface="Times New Roman" panose="02020603050405020304" pitchFamily="18" charset="0"/>
+                <a:cs typeface="Times New Roman" panose="02020603050405020304" pitchFamily="18" charset="0"/>
+                <a:sym typeface="Wingdings" pitchFamily="2" charset="2"/>
+              </a:rPr>
+              <a:t> Opportunità: mostrare un messaggio di conferma per l’azione effettuata.</a:t>
+            </a:r>
+            <a:endParaRPr lang="it-IT" sz="2000" dirty="0">
+              <a:latin typeface="Times New Roman" panose="02020603050405020304" pitchFamily="18" charset="0"/>
+              <a:cs typeface="Times New Roman" panose="02020603050405020304" pitchFamily="18" charset="0"/>
+            </a:endParaRPr>
           </a:p>
         </p:txBody>
       </p:sp>
+      <p:pic>
+        <p:nvPicPr>
+          <p:cNvPr id="2050" name="Picture 2" descr="C:\Users\hp\Desktop\Tester3.png"/>
+          <p:cNvPicPr>
+            <a:picLocks noChangeAspect="1" noChangeArrowheads="1"/>
+          </p:cNvPicPr>
+          <p:nvPr/>
+        </p:nvPicPr>
+        <p:blipFill>
+          <a:blip r:embed="rId2" cstate="print"/>
+          <a:srcRect/>
+          <a:stretch>
+            <a:fillRect/>
+          </a:stretch>
+        </p:blipFill>
+        <p:spPr bwMode="auto">
+          <a:xfrm>
+            <a:off x="4687983" y="1998617"/>
+            <a:ext cx="3953095" cy="4650377"/>
+          </a:xfrm>
+          <a:prstGeom prst="rect">
+            <a:avLst/>
+          </a:prstGeom>
+          <a:noFill/>
+        </p:spPr>
+      </p:pic>
     </p:spTree>
     <p:extLst>
       <p:ext uri="{BB962C8B-B14F-4D97-AF65-F5344CB8AC3E}">
-        <p14:creationId xmlns:p14="http://schemas.microsoft.com/office/powerpoint/2010/main" xmlns="" val="2442419145"/>
+        <p14:creationId xmlns:p14="http://schemas.microsoft.com/office/powerpoint/2010/main" val="2442419145"/>
       </p:ext>
     </p:extLst>
   </p:cSld>
@@ -14846,7 +14653,7 @@
     </p:spTree>
     <p:extLst>
       <p:ext uri="{BB962C8B-B14F-4D97-AF65-F5344CB8AC3E}">
-        <p14:creationId xmlns:p14="http://schemas.microsoft.com/office/powerpoint/2010/main" xmlns="" val="2835187212"/>
+        <p14:creationId xmlns:p14="http://schemas.microsoft.com/office/powerpoint/2010/main" val="2835187212"/>
       </p:ext>
     </p:extLst>
   </p:cSld>
@@ -15226,7 +15033,7 @@
     </p:spTree>
     <p:extLst>
       <p:ext uri="{BB962C8B-B14F-4D97-AF65-F5344CB8AC3E}">
-        <p14:creationId xmlns:p14="http://schemas.microsoft.com/office/powerpoint/2010/main" xmlns="" val="1058020623"/>
+        <p14:creationId xmlns:p14="http://schemas.microsoft.com/office/powerpoint/2010/main" val="1058020623"/>
       </p:ext>
     </p:extLst>
   </p:cSld>
@@ -15599,7 +15406,7 @@
     </p:spTree>
     <p:extLst>
       <p:ext uri="{BB962C8B-B14F-4D97-AF65-F5344CB8AC3E}">
-        <p14:creationId xmlns:p14="http://schemas.microsoft.com/office/powerpoint/2010/main" xmlns="" val="1058020623"/>
+        <p14:creationId xmlns:p14="http://schemas.microsoft.com/office/powerpoint/2010/main" val="1058020623"/>
       </p:ext>
     </p:extLst>
   </p:cSld>
@@ -15916,7 +15723,7 @@
     </p:spTree>
     <p:extLst>
       <p:ext uri="{BB962C8B-B14F-4D97-AF65-F5344CB8AC3E}">
-        <p14:creationId xmlns:p14="http://schemas.microsoft.com/office/powerpoint/2010/main" xmlns="" val="1194030544"/>
+        <p14:creationId xmlns:p14="http://schemas.microsoft.com/office/powerpoint/2010/main" val="1194030544"/>
       </p:ext>
     </p:extLst>
   </p:cSld>
@@ -16082,7 +15889,7 @@
     </p:spTree>
     <p:extLst>
       <p:ext uri="{BB962C8B-B14F-4D97-AF65-F5344CB8AC3E}">
-        <p14:creationId xmlns:p14="http://schemas.microsoft.com/office/powerpoint/2010/main" xmlns="" val="1153537855"/>
+        <p14:creationId xmlns:p14="http://schemas.microsoft.com/office/powerpoint/2010/main" val="1153537855"/>
       </p:ext>
     </p:extLst>
   </p:cSld>
@@ -16209,14 +16016,7 @@
                 <a:latin typeface="Times New Roman" panose="02020603050405020304" pitchFamily="18" charset="0"/>
                 <a:cs typeface="Times New Roman" panose="02020603050405020304" pitchFamily="18" charset="0"/>
               </a:rPr>
-              <a:t> di una sua componente cliccando sul seguente link</a:t>
-            </a:r>
-            <a:r>
-              <a:rPr lang="it-IT" sz="2000" dirty="0" smtClean="0">
-                <a:latin typeface="Times New Roman" panose="02020603050405020304" pitchFamily="18" charset="0"/>
-                <a:cs typeface="Times New Roman" panose="02020603050405020304" pitchFamily="18" charset="0"/>
-              </a:rPr>
-              <a:t>:</a:t>
+              <a:t> di una sua componente cliccando sul seguente link:</a:t>
             </a:r>
           </a:p>
           <a:p>
@@ -16350,7 +16150,7 @@
     </p:spTree>
     <p:extLst>
       <p:ext uri="{BB962C8B-B14F-4D97-AF65-F5344CB8AC3E}">
-        <p14:creationId xmlns:p14="http://schemas.microsoft.com/office/powerpoint/2010/main" xmlns="" val="530745109"/>
+        <p14:creationId xmlns:p14="http://schemas.microsoft.com/office/powerpoint/2010/main" val="530745109"/>
       </p:ext>
     </p:extLst>
   </p:cSld>
@@ -16693,7 +16493,7 @@
     </p:spTree>
     <p:extLst>
       <p:ext uri="{BB962C8B-B14F-4D97-AF65-F5344CB8AC3E}">
-        <p14:creationId xmlns:p14="http://schemas.microsoft.com/office/powerpoint/2010/main" xmlns="" val="1113760290"/>
+        <p14:creationId xmlns:p14="http://schemas.microsoft.com/office/powerpoint/2010/main" val="1113760290"/>
       </p:ext>
     </p:extLst>
   </p:cSld>
@@ -17374,7 +17174,7 @@
     </p:spTree>
     <p:extLst>
       <p:ext uri="{BB962C8B-B14F-4D97-AF65-F5344CB8AC3E}">
-        <p14:creationId xmlns:p14="http://schemas.microsoft.com/office/powerpoint/2010/main" xmlns="" val="3011033621"/>
+        <p14:creationId xmlns:p14="http://schemas.microsoft.com/office/powerpoint/2010/main" val="3011033621"/>
       </p:ext>
     </p:extLst>
   </p:cSld>

--- a/Prova_6_RisultatiValutazione/Leone_Mastrosimone_PresentazioneProgetto.pptx
+++ b/Prova_6_RisultatiValutazione/Leone_Mastrosimone_PresentazioneProgetto.pptx
@@ -341,7 +341,7 @@
             <a:fld id="{9FB86531-A28F-4E1C-99B5-5C225A123870}" type="datetimeFigureOut">
               <a:rPr lang="it-IT" smtClean="0"/>
               <a:pPr/>
-              <a:t>12/06/2015</a:t>
+              <a:t>13/06/2015</a:t>
             </a:fld>
             <a:endParaRPr lang="it-IT"/>
           </a:p>
@@ -508,7 +508,7 @@
             <a:fld id="{9FB86531-A28F-4E1C-99B5-5C225A123870}" type="datetimeFigureOut">
               <a:rPr lang="it-IT" smtClean="0"/>
               <a:pPr/>
-              <a:t>12/06/2015</a:t>
+              <a:t>13/06/2015</a:t>
             </a:fld>
             <a:endParaRPr lang="it-IT"/>
           </a:p>
@@ -685,7 +685,7 @@
             <a:fld id="{9FB86531-A28F-4E1C-99B5-5C225A123870}" type="datetimeFigureOut">
               <a:rPr lang="it-IT" smtClean="0"/>
               <a:pPr/>
-              <a:t>12/06/2015</a:t>
+              <a:t>13/06/2015</a:t>
             </a:fld>
             <a:endParaRPr lang="it-IT"/>
           </a:p>
@@ -852,7 +852,7 @@
             <a:fld id="{9FB86531-A28F-4E1C-99B5-5C225A123870}" type="datetimeFigureOut">
               <a:rPr lang="it-IT" smtClean="0"/>
               <a:pPr/>
-              <a:t>12/06/2015</a:t>
+              <a:t>13/06/2015</a:t>
             </a:fld>
             <a:endParaRPr lang="it-IT"/>
           </a:p>
@@ -1096,7 +1096,7 @@
             <a:fld id="{9FB86531-A28F-4E1C-99B5-5C225A123870}" type="datetimeFigureOut">
               <a:rPr lang="it-IT" smtClean="0"/>
               <a:pPr/>
-              <a:t>12/06/2015</a:t>
+              <a:t>13/06/2015</a:t>
             </a:fld>
             <a:endParaRPr lang="it-IT"/>
           </a:p>
@@ -1362,7 +1362,7 @@
             <a:fld id="{9FB86531-A28F-4E1C-99B5-5C225A123870}" type="datetimeFigureOut">
               <a:rPr lang="it-IT" smtClean="0"/>
               <a:pPr/>
-              <a:t>12/06/2015</a:t>
+              <a:t>13/06/2015</a:t>
             </a:fld>
             <a:endParaRPr lang="it-IT"/>
           </a:p>
@@ -1742,7 +1742,7 @@
             <a:fld id="{9FB86531-A28F-4E1C-99B5-5C225A123870}" type="datetimeFigureOut">
               <a:rPr lang="it-IT" smtClean="0"/>
               <a:pPr/>
-              <a:t>12/06/2015</a:t>
+              <a:t>13/06/2015</a:t>
             </a:fld>
             <a:endParaRPr lang="it-IT"/>
           </a:p>
@@ -1894,7 +1894,7 @@
             <a:fld id="{9FB86531-A28F-4E1C-99B5-5C225A123870}" type="datetimeFigureOut">
               <a:rPr lang="it-IT" smtClean="0"/>
               <a:pPr/>
-              <a:t>12/06/2015</a:t>
+              <a:t>13/06/2015</a:t>
             </a:fld>
             <a:endParaRPr lang="it-IT"/>
           </a:p>
@@ -1986,7 +1986,7 @@
             <a:fld id="{9FB86531-A28F-4E1C-99B5-5C225A123870}" type="datetimeFigureOut">
               <a:rPr lang="it-IT" smtClean="0"/>
               <a:pPr/>
-              <a:t>12/06/2015</a:t>
+              <a:t>13/06/2015</a:t>
             </a:fld>
             <a:endParaRPr lang="it-IT"/>
           </a:p>
@@ -2249,7 +2249,7 @@
             <a:fld id="{9FB86531-A28F-4E1C-99B5-5C225A123870}" type="datetimeFigureOut">
               <a:rPr lang="it-IT" smtClean="0"/>
               <a:pPr/>
-              <a:t>12/06/2015</a:t>
+              <a:t>13/06/2015</a:t>
             </a:fld>
             <a:endParaRPr lang="it-IT"/>
           </a:p>
@@ -2539,7 +2539,7 @@
             <a:fld id="{9FB86531-A28F-4E1C-99B5-5C225A123870}" type="datetimeFigureOut">
               <a:rPr lang="it-IT" smtClean="0"/>
               <a:pPr/>
-              <a:t>12/06/2015</a:t>
+              <a:t>13/06/2015</a:t>
             </a:fld>
             <a:endParaRPr lang="it-IT"/>
           </a:p>
@@ -3312,7 +3312,7 @@
             <a:fld id="{9FB86531-A28F-4E1C-99B5-5C225A123870}" type="datetimeFigureOut">
               <a:rPr lang="it-IT" smtClean="0"/>
               <a:pPr/>
-              <a:t>12/06/2015</a:t>
+              <a:t>13/06/2015</a:t>
             </a:fld>
             <a:endParaRPr lang="it-IT"/>
           </a:p>
@@ -5264,7 +5264,7 @@
                 <a:latin typeface="Times New Roman" panose="02020603050405020304" pitchFamily="18" charset="0"/>
                 <a:cs typeface="Times New Roman" panose="02020603050405020304" pitchFamily="18" charset="0"/>
               </a:rPr>
-              <a:t>thinging</a:t>
+              <a:t>thinking</a:t>
             </a:r>
             <a:r>
               <a:rPr lang="it-IT" sz="2000" i="1" dirty="0" smtClean="0">
@@ -5557,7 +5557,21 @@
                 <a:latin typeface="Times New Roman" panose="02020603050405020304" pitchFamily="18" charset="0"/>
                 <a:cs typeface="Times New Roman" panose="02020603050405020304" pitchFamily="18" charset="0"/>
               </a:rPr>
-              <a:t> Il partecipante, dopo aver aperto l'applicazione, potrà andare alla schermata di registrazione, riempire i campi richiesti e creare quindi un account. Questo processo sarà terminato quando l'utente raggiungerà la schermata della Home, a cui verrà indirizzato automaticamente dopo aver creato l'account.</a:t>
+              <a:t> Il partecipante, dopo aver aperto l'applicazione, potrà andare alla schermata di registrazione, riempire i campi richiesti e creare quindi un account. Questo processo sarà terminato quando l'utente raggiungerà la schermata della Home, </a:t>
+            </a:r>
+            <a:r>
+              <a:rPr lang="it-IT" sz="2000" dirty="0" smtClean="0">
+                <a:latin typeface="Times New Roman" panose="02020603050405020304" pitchFamily="18" charset="0"/>
+                <a:cs typeface="Times New Roman" panose="02020603050405020304" pitchFamily="18" charset="0"/>
+              </a:rPr>
+              <a:t>cui </a:t>
+            </a:r>
+            <a:r>
+              <a:rPr lang="it-IT" sz="2000" dirty="0" smtClean="0">
+                <a:latin typeface="Times New Roman" panose="02020603050405020304" pitchFamily="18" charset="0"/>
+                <a:cs typeface="Times New Roman" panose="02020603050405020304" pitchFamily="18" charset="0"/>
+              </a:rPr>
+              <a:t>verrà indirizzato automaticamente dopo aver creato l'account.</a:t>
             </a:r>
           </a:p>
           <a:p>
@@ -13662,14 +13676,7 @@
                 <a:latin typeface="Times New Roman" panose="02020603050405020304" pitchFamily="18" charset="0"/>
                 <a:cs typeface="Times New Roman" panose="02020603050405020304" pitchFamily="18" charset="0"/>
               </a:rPr>
-              <a:t>Tester </a:t>
-            </a:r>
-            <a:r>
-              <a:rPr lang="it-IT" sz="2500" b="1" dirty="0" smtClean="0">
-                <a:latin typeface="Times New Roman" panose="02020603050405020304" pitchFamily="18" charset="0"/>
-                <a:cs typeface="Times New Roman" panose="02020603050405020304" pitchFamily="18" charset="0"/>
-              </a:rPr>
-              <a:t>n° 1 (Carlo)</a:t>
+              <a:t>Tester n° 1 (Carlo)</a:t>
             </a:r>
             <a:endParaRPr lang="it-IT" sz="2500" dirty="0" smtClean="0">
               <a:latin typeface="Times New Roman" panose="02020603050405020304" pitchFamily="18" charset="0"/>
@@ -14001,14 +14008,7 @@
                 <a:latin typeface="Times New Roman" panose="02020603050405020304" pitchFamily="18" charset="0"/>
                 <a:cs typeface="Times New Roman" panose="02020603050405020304" pitchFamily="18" charset="0"/>
               </a:rPr>
-              <a:t>Tester </a:t>
-            </a:r>
-            <a:r>
-              <a:rPr lang="it-IT" sz="2500" b="1" dirty="0" smtClean="0">
-                <a:latin typeface="Times New Roman" panose="02020603050405020304" pitchFamily="18" charset="0"/>
-                <a:cs typeface="Times New Roman" panose="02020603050405020304" pitchFamily="18" charset="0"/>
-              </a:rPr>
-              <a:t>n° 2 (Ottavio)</a:t>
+              <a:t>Tester n° 2 (Ottavio)</a:t>
             </a:r>
             <a:endParaRPr lang="it-IT" sz="2500" dirty="0" smtClean="0">
               <a:latin typeface="Times New Roman" panose="02020603050405020304" pitchFamily="18" charset="0"/>
@@ -14330,14 +14330,7 @@
                 <a:latin typeface="Times New Roman" panose="02020603050405020304" pitchFamily="18" charset="0"/>
                 <a:cs typeface="Times New Roman" panose="02020603050405020304" pitchFamily="18" charset="0"/>
               </a:rPr>
-              <a:t>Tester </a:t>
-            </a:r>
-            <a:r>
-              <a:rPr lang="it-IT" sz="2500" b="1" dirty="0" smtClean="0">
-                <a:latin typeface="Times New Roman" panose="02020603050405020304" pitchFamily="18" charset="0"/>
-                <a:cs typeface="Times New Roman" panose="02020603050405020304" pitchFamily="18" charset="0"/>
-              </a:rPr>
-              <a:t>n° 3 (Pamela)</a:t>
+              <a:t>Tester n° 3 (Pamela)</a:t>
             </a:r>
             <a:endParaRPr lang="it-IT" sz="2500" dirty="0" smtClean="0">
               <a:latin typeface="Times New Roman" panose="02020603050405020304" pitchFamily="18" charset="0"/>
@@ -16853,7 +16846,28 @@
                 <a:latin typeface="Times New Roman" panose="02020603050405020304" pitchFamily="18" charset="0"/>
                 <a:cs typeface="Times New Roman" panose="02020603050405020304" pitchFamily="18" charset="0"/>
               </a:rPr>
-              <a:t> del prototipo, in particolare si preferisce farlo provare a chi potrebbero essere i futuri utenti della nostra app.</a:t>
+              <a:t> del prototipo, in particolare si preferisce farlo provare a </a:t>
+            </a:r>
+            <a:r>
+              <a:rPr lang="it-IT" sz="2000" dirty="0" smtClean="0">
+                <a:latin typeface="Times New Roman" panose="02020603050405020304" pitchFamily="18" charset="0"/>
+                <a:cs typeface="Times New Roman" panose="02020603050405020304" pitchFamily="18" charset="0"/>
+              </a:rPr>
+              <a:t>colore i quali</a:t>
+            </a:r>
+            <a:r>
+              <a:rPr lang="it-IT" sz="2000" dirty="0" smtClean="0">
+                <a:latin typeface="Times New Roman" panose="02020603050405020304" pitchFamily="18" charset="0"/>
+                <a:cs typeface="Times New Roman" panose="02020603050405020304" pitchFamily="18" charset="0"/>
+              </a:rPr>
+              <a:t> </a:t>
+            </a:r>
+            <a:r>
+              <a:rPr lang="it-IT" sz="2000" dirty="0" smtClean="0">
+                <a:latin typeface="Times New Roman" panose="02020603050405020304" pitchFamily="18" charset="0"/>
+                <a:cs typeface="Times New Roman" panose="02020603050405020304" pitchFamily="18" charset="0"/>
+              </a:rPr>
+              <a:t>potrebbero essere i futuri utenti della nostra app.</a:t>
             </a:r>
           </a:p>
         </p:txBody>

--- a/Prova_6_RisultatiValutazione/Leone_Mastrosimone_PresentazioneProgetto.pptx
+++ b/Prova_6_RisultatiValutazione/Leone_Mastrosimone_PresentazioneProgetto.pptx
@@ -341,7 +341,7 @@
             <a:fld id="{9FB86531-A28F-4E1C-99B5-5C225A123870}" type="datetimeFigureOut">
               <a:rPr lang="it-IT" smtClean="0"/>
               <a:pPr/>
-              <a:t>13/06/2015</a:t>
+              <a:t>14/06/2015</a:t>
             </a:fld>
             <a:endParaRPr lang="it-IT"/>
           </a:p>
@@ -508,7 +508,7 @@
             <a:fld id="{9FB86531-A28F-4E1C-99B5-5C225A123870}" type="datetimeFigureOut">
               <a:rPr lang="it-IT" smtClean="0"/>
               <a:pPr/>
-              <a:t>13/06/2015</a:t>
+              <a:t>14/06/2015</a:t>
             </a:fld>
             <a:endParaRPr lang="it-IT"/>
           </a:p>
@@ -685,7 +685,7 @@
             <a:fld id="{9FB86531-A28F-4E1C-99B5-5C225A123870}" type="datetimeFigureOut">
               <a:rPr lang="it-IT" smtClean="0"/>
               <a:pPr/>
-              <a:t>13/06/2015</a:t>
+              <a:t>14/06/2015</a:t>
             </a:fld>
             <a:endParaRPr lang="it-IT"/>
           </a:p>
@@ -852,7 +852,7 @@
             <a:fld id="{9FB86531-A28F-4E1C-99B5-5C225A123870}" type="datetimeFigureOut">
               <a:rPr lang="it-IT" smtClean="0"/>
               <a:pPr/>
-              <a:t>13/06/2015</a:t>
+              <a:t>14/06/2015</a:t>
             </a:fld>
             <a:endParaRPr lang="it-IT"/>
           </a:p>
@@ -1096,7 +1096,7 @@
             <a:fld id="{9FB86531-A28F-4E1C-99B5-5C225A123870}" type="datetimeFigureOut">
               <a:rPr lang="it-IT" smtClean="0"/>
               <a:pPr/>
-              <a:t>13/06/2015</a:t>
+              <a:t>14/06/2015</a:t>
             </a:fld>
             <a:endParaRPr lang="it-IT"/>
           </a:p>
@@ -1362,7 +1362,7 @@
             <a:fld id="{9FB86531-A28F-4E1C-99B5-5C225A123870}" type="datetimeFigureOut">
               <a:rPr lang="it-IT" smtClean="0"/>
               <a:pPr/>
-              <a:t>13/06/2015</a:t>
+              <a:t>14/06/2015</a:t>
             </a:fld>
             <a:endParaRPr lang="it-IT"/>
           </a:p>
@@ -1742,7 +1742,7 @@
             <a:fld id="{9FB86531-A28F-4E1C-99B5-5C225A123870}" type="datetimeFigureOut">
               <a:rPr lang="it-IT" smtClean="0"/>
               <a:pPr/>
-              <a:t>13/06/2015</a:t>
+              <a:t>14/06/2015</a:t>
             </a:fld>
             <a:endParaRPr lang="it-IT"/>
           </a:p>
@@ -1894,7 +1894,7 @@
             <a:fld id="{9FB86531-A28F-4E1C-99B5-5C225A123870}" type="datetimeFigureOut">
               <a:rPr lang="it-IT" smtClean="0"/>
               <a:pPr/>
-              <a:t>13/06/2015</a:t>
+              <a:t>14/06/2015</a:t>
             </a:fld>
             <a:endParaRPr lang="it-IT"/>
           </a:p>
@@ -1986,7 +1986,7 @@
             <a:fld id="{9FB86531-A28F-4E1C-99B5-5C225A123870}" type="datetimeFigureOut">
               <a:rPr lang="it-IT" smtClean="0"/>
               <a:pPr/>
-              <a:t>13/06/2015</a:t>
+              <a:t>14/06/2015</a:t>
             </a:fld>
             <a:endParaRPr lang="it-IT"/>
           </a:p>
@@ -2249,7 +2249,7 @@
             <a:fld id="{9FB86531-A28F-4E1C-99B5-5C225A123870}" type="datetimeFigureOut">
               <a:rPr lang="it-IT" smtClean="0"/>
               <a:pPr/>
-              <a:t>13/06/2015</a:t>
+              <a:t>14/06/2015</a:t>
             </a:fld>
             <a:endParaRPr lang="it-IT"/>
           </a:p>
@@ -2539,7 +2539,7 @@
             <a:fld id="{9FB86531-A28F-4E1C-99B5-5C225A123870}" type="datetimeFigureOut">
               <a:rPr lang="it-IT" smtClean="0"/>
               <a:pPr/>
-              <a:t>13/06/2015</a:t>
+              <a:t>14/06/2015</a:t>
             </a:fld>
             <a:endParaRPr lang="it-IT"/>
           </a:p>
@@ -3312,7 +3312,7 @@
             <a:fld id="{9FB86531-A28F-4E1C-99B5-5C225A123870}" type="datetimeFigureOut">
               <a:rPr lang="it-IT" smtClean="0"/>
               <a:pPr/>
-              <a:t>13/06/2015</a:t>
+              <a:t>14/06/2015</a:t>
             </a:fld>
             <a:endParaRPr lang="it-IT"/>
           </a:p>
@@ -4524,7 +4524,21 @@
                 <a:latin typeface="Times New Roman" panose="02020603050405020304" pitchFamily="18" charset="0"/>
                 <a:cs typeface="Times New Roman" panose="02020603050405020304" pitchFamily="18" charset="0"/>
               </a:rPr>
-              <a:t>identificare errori di presentazione – fallimenti nel trovare e agire sulle informazioni mostrate o errori dovuti ad etichette ambigue;</a:t>
+              <a:t>identificare errori di presentazione – fallimenti nel trovare e agire sulle informazioni mostrate o errori dovuti </a:t>
+            </a:r>
+            <a:r>
+              <a:rPr lang="it-IT" sz="2000" dirty="0" smtClean="0">
+                <a:latin typeface="Times New Roman" panose="02020603050405020304" pitchFamily="18" charset="0"/>
+                <a:cs typeface="Times New Roman" panose="02020603050405020304" pitchFamily="18" charset="0"/>
+              </a:rPr>
+              <a:t>a </a:t>
+            </a:r>
+            <a:r>
+              <a:rPr lang="it-IT" sz="2000" dirty="0" smtClean="0">
+                <a:latin typeface="Times New Roman" panose="02020603050405020304" pitchFamily="18" charset="0"/>
+                <a:cs typeface="Times New Roman" panose="02020603050405020304" pitchFamily="18" charset="0"/>
+              </a:rPr>
+              <a:t>etichette ambigue;</a:t>
             </a:r>
           </a:p>
           <a:p>
@@ -5557,21 +5571,7 @@
                 <a:latin typeface="Times New Roman" panose="02020603050405020304" pitchFamily="18" charset="0"/>
                 <a:cs typeface="Times New Roman" panose="02020603050405020304" pitchFamily="18" charset="0"/>
               </a:rPr>
-              <a:t> Il partecipante, dopo aver aperto l'applicazione, potrà andare alla schermata di registrazione, riempire i campi richiesti e creare quindi un account. Questo processo sarà terminato quando l'utente raggiungerà la schermata della Home, </a:t>
-            </a:r>
-            <a:r>
-              <a:rPr lang="it-IT" sz="2000" dirty="0" smtClean="0">
-                <a:latin typeface="Times New Roman" panose="02020603050405020304" pitchFamily="18" charset="0"/>
-                <a:cs typeface="Times New Roman" panose="02020603050405020304" pitchFamily="18" charset="0"/>
-              </a:rPr>
-              <a:t>cui </a:t>
-            </a:r>
-            <a:r>
-              <a:rPr lang="it-IT" sz="2000" dirty="0" smtClean="0">
-                <a:latin typeface="Times New Roman" panose="02020603050405020304" pitchFamily="18" charset="0"/>
-                <a:cs typeface="Times New Roman" panose="02020603050405020304" pitchFamily="18" charset="0"/>
-              </a:rPr>
-              <a:t>verrà indirizzato automaticamente dopo aver creato l'account.</a:t>
+              <a:t> Il partecipante, dopo aver aperto l'applicazione, potrà andare alla schermata di registrazione, riempire i campi richiesti e creare quindi un account. Questo processo sarà terminato quando l'utente raggiungerà la schermata della Home, cui verrà indirizzato automaticamente dopo aver creato l'account.</a:t>
             </a:r>
           </a:p>
           <a:p>
@@ -9642,7 +9642,21 @@
                 <a:latin typeface="Times New Roman" panose="02020603050405020304" pitchFamily="18" charset="0"/>
                 <a:cs typeface="Times New Roman" panose="02020603050405020304" pitchFamily="18" charset="0"/>
               </a:rPr>
-              <a:t>Cliccare sul pulsante “</a:t>
+              <a:t>Cliccare sul </a:t>
+            </a:r>
+            <a:r>
+              <a:rPr lang="it-IT" sz="2000" dirty="0" smtClean="0">
+                <a:latin typeface="Times New Roman" panose="02020603050405020304" pitchFamily="18" charset="0"/>
+                <a:cs typeface="Times New Roman" panose="02020603050405020304" pitchFamily="18" charset="0"/>
+              </a:rPr>
+              <a:t>pulsante </a:t>
+            </a:r>
+            <a:r>
+              <a:rPr lang="it-IT" sz="2000" dirty="0" smtClean="0">
+                <a:latin typeface="Times New Roman" panose="02020603050405020304" pitchFamily="18" charset="0"/>
+                <a:cs typeface="Times New Roman" panose="02020603050405020304" pitchFamily="18" charset="0"/>
+              </a:rPr>
+              <a:t>“</a:t>
             </a:r>
             <a:r>
               <a:rPr lang="it-IT" sz="2000" dirty="0" err="1" smtClean="0">
@@ -9663,7 +9677,7 @@
                 <a:latin typeface="Times New Roman" panose="02020603050405020304" pitchFamily="18" charset="0"/>
                 <a:cs typeface="Times New Roman" panose="02020603050405020304" pitchFamily="18" charset="0"/>
               </a:rPr>
-              <a:t>cigarettes</a:t>
+              <a:t>cigarette</a:t>
             </a:r>
             <a:r>
               <a:rPr lang="it-IT" sz="2000" dirty="0" smtClean="0">
@@ -9672,6 +9686,10 @@
               </a:rPr>
               <a:t>”;</a:t>
             </a:r>
+            <a:endParaRPr lang="it-IT" sz="2000" dirty="0" smtClean="0">
+              <a:latin typeface="Times New Roman" panose="02020603050405020304" pitchFamily="18" charset="0"/>
+              <a:cs typeface="Times New Roman" panose="02020603050405020304" pitchFamily="18" charset="0"/>
+            </a:endParaRPr>
           </a:p>
           <a:p>
             <a:pPr marL="457200" lvl="0" indent="-457200" algn="just">
@@ -16853,21 +16871,14 @@
                 <a:latin typeface="Times New Roman" panose="02020603050405020304" pitchFamily="18" charset="0"/>
                 <a:cs typeface="Times New Roman" panose="02020603050405020304" pitchFamily="18" charset="0"/>
               </a:rPr>
-              <a:t>colore i quali</a:t>
-            </a:r>
-            <a:r>
-              <a:rPr lang="it-IT" sz="2000" dirty="0" smtClean="0">
-                <a:latin typeface="Times New Roman" panose="02020603050405020304" pitchFamily="18" charset="0"/>
-                <a:cs typeface="Times New Roman" panose="02020603050405020304" pitchFamily="18" charset="0"/>
-              </a:rPr>
-              <a:t> </a:t>
-            </a:r>
-            <a:r>
-              <a:rPr lang="it-IT" sz="2000" dirty="0" smtClean="0">
-                <a:latin typeface="Times New Roman" panose="02020603050405020304" pitchFamily="18" charset="0"/>
-                <a:cs typeface="Times New Roman" panose="02020603050405020304" pitchFamily="18" charset="0"/>
-              </a:rPr>
-              <a:t>potrebbero essere i futuri utenti della nostra app.</a:t>
+              <a:t>coloro </a:t>
+            </a:r>
+            <a:r>
+              <a:rPr lang="it-IT" sz="2000" dirty="0" smtClean="0">
+                <a:latin typeface="Times New Roman" panose="02020603050405020304" pitchFamily="18" charset="0"/>
+                <a:cs typeface="Times New Roman" panose="02020603050405020304" pitchFamily="18" charset="0"/>
+              </a:rPr>
+              <a:t>i quali potrebbero essere i futuri utenti della nostra app.</a:t>
             </a:r>
           </a:p>
         </p:txBody>
